--- a/Design/Milestone-Presentation.pptx
+++ b/Design/Milestone-Presentation.pptx
@@ -23,8 +23,8 @@
     <p:sldId id="298" r:id="rId14"/>
     <p:sldId id="307" r:id="rId15"/>
     <p:sldId id="312" r:id="rId16"/>
-    <p:sldId id="309" r:id="rId17"/>
-    <p:sldId id="315" r:id="rId18"/>
+    <p:sldId id="315" r:id="rId17"/>
+    <p:sldId id="309" r:id="rId18"/>
     <p:sldId id="308" r:id="rId19"/>
     <p:sldId id="313" r:id="rId20"/>
     <p:sldId id="310" r:id="rId21"/>
@@ -38,14 +38,14 @@
   <p:notesSz cx="6858000" cy="9144000"/>
   <p:embeddedFontLst>
     <p:embeddedFont>
-      <p:font typeface="Lora" charset="0"/>
-      <p:regular r:id="rId28"/>
-      <p:bold r:id="rId29"/>
-      <p:italic r:id="rId30"/>
-      <p:boldItalic r:id="rId31"/>
+      <p:font typeface="Quattrocento Sans" charset="0"/>
+      <p:bold r:id="rId28"/>
+      <p:italic r:id="rId29"/>
+      <p:boldItalic r:id="rId30"/>
     </p:embeddedFont>
     <p:embeddedFont>
-      <p:font typeface="Quattrocento Sans" charset="0"/>
+      <p:font typeface="Lora" charset="0"/>
+      <p:regular r:id="rId31"/>
       <p:bold r:id="rId32"/>
       <p:italic r:id="rId33"/>
       <p:boldItalic r:id="rId34"/>
@@ -1168,23 +1168,15 @@
             </a:pPr>
             <a:r>
               <a:rPr lang="de-DE" dirty="0" smtClean="0"/>
-              <a:t>Hohe</a:t>
+              <a:t>Jede Klasse ist für (genau) eine Sache verantwortlich – schlecht: Waschmaschine</a:t>
             </a:r>
             <a:r>
               <a:rPr lang="de-DE" baseline="0" dirty="0" smtClean="0"/>
-              <a:t> Kohäsion: „Die Member einer Klasse sind alle stark miteinander verwandt“ Niedrige Kohäsion: Waschmaschine die auch Reis kocht und Geschirr spült (unwahrscheinlich, dass es alle diese Dinge gut hinbekommt, außerdem sehr kompliziert und fehleranfällig)</a:t>
+              <a:t> die Kleidung wäscht, Geschirr spült </a:t>
             </a:r>
-          </a:p>
-          <a:p>
-            <a:pPr lvl="0">
-              <a:spcBef>
-                <a:spcPts val="0"/>
-              </a:spcBef>
-              <a:buNone/>
-            </a:pPr>
             <a:r>
-              <a:rPr lang="de-DE" dirty="0" smtClean="0"/>
-              <a:t>http://stackoverflow.com/a/39988/1570852</a:t>
+              <a:rPr lang="de-DE" baseline="0" smtClean="0"/>
+              <a:t>und Reis kocht</a:t>
             </a:r>
             <a:endParaRPr dirty="0"/>
           </a:p>
@@ -1289,15 +1281,23 @@
             </a:pPr>
             <a:r>
               <a:rPr lang="de-DE" dirty="0" smtClean="0"/>
-              <a:t>Jede Klasse ist für (genau) eine Sache verantwortlich – schlecht: Waschmaschine</a:t>
+              <a:t>Hohe</a:t>
             </a:r>
             <a:r>
               <a:rPr lang="de-DE" baseline="0" dirty="0" smtClean="0"/>
-              <a:t> die Kleidung wäscht, Geschirr spült </a:t>
+              <a:t> Kohäsion: „Die Member einer Klasse sind alle stark miteinander verwandt“ Niedrige Kohäsion: Waschmaschine die auch Reis kocht und Geschirr spült (unwahrscheinlich, dass es alle diese Dinge gut hinbekommt, außerdem sehr kompliziert und fehleranfällig)</a:t>
             </a:r>
+          </a:p>
+          <a:p>
+            <a:pPr lvl="0">
+              <a:spcBef>
+                <a:spcPts val="0"/>
+              </a:spcBef>
+              <a:buNone/>
+            </a:pPr>
             <a:r>
-              <a:rPr lang="de-DE" baseline="0" smtClean="0"/>
-              <a:t>und Reis kocht</a:t>
+              <a:rPr lang="de-DE" dirty="0" smtClean="0"/>
+              <a:t>http://stackoverflow.com/a/39988/1570852</a:t>
             </a:r>
             <a:endParaRPr dirty="0"/>
           </a:p>
@@ -8468,6 +8468,30 @@
           </a:bodyPr>
           <a:lstStyle/>
           <a:p>
+            <a:pPr marL="457200" lvl="0" indent="-228600">
+              <a:spcBef>
+                <a:spcPts val="0"/>
+              </a:spcBef>
+            </a:pPr>
+            <a:r>
+              <a:rPr lang="de-DE" dirty="0" err="1"/>
+              <a:t>Testbar</a:t>
+            </a:r>
+            <a:endParaRPr lang="de-DE" dirty="0"/>
+          </a:p>
+          <a:p>
+            <a:pPr marL="457200" indent="-228600">
+              <a:spcBef>
+                <a:spcPts val="0"/>
+              </a:spcBef>
+            </a:pPr>
+            <a:r>
+              <a:rPr lang="de-DE" dirty="0" err="1" smtClean="0"/>
+              <a:t>Wartbar</a:t>
+            </a:r>
+            <a:endParaRPr lang="de-DE" dirty="0"/>
+          </a:p>
+          <a:p>
             <a:pPr marL="457200" lvl="0" indent="-228600" rtl="0">
               <a:spcBef>
                 <a:spcPts val="0"/>
@@ -8476,17 +8500,6 @@
             <a:r>
               <a:rPr lang="de-DE" dirty="0" smtClean="0"/>
               <a:t>Erweiterbar</a:t>
-            </a:r>
-          </a:p>
-          <a:p>
-            <a:pPr marL="457200" lvl="0" indent="-228600" rtl="0">
-              <a:spcBef>
-                <a:spcPts val="0"/>
-              </a:spcBef>
-            </a:pPr>
-            <a:r>
-              <a:rPr lang="de-DE" dirty="0" err="1" smtClean="0"/>
-              <a:t>Wartbar</a:t>
             </a:r>
             <a:endParaRPr lang="de-DE" dirty="0" smtClean="0"/>
           </a:p>
@@ -8500,27 +8513,7 @@
               <a:rPr lang="de-DE" dirty="0" smtClean="0"/>
               <a:t>Wiederverwendbar</a:t>
             </a:r>
-          </a:p>
-          <a:p>
-            <a:pPr marL="457200" lvl="0" indent="-228600" rtl="0">
-              <a:spcBef>
-                <a:spcPts val="0"/>
-              </a:spcBef>
-            </a:pPr>
-            <a:r>
-              <a:rPr lang="de-DE" dirty="0" err="1" smtClean="0"/>
-              <a:t>Testbar</a:t>
-            </a:r>
-            <a:endParaRPr dirty="0"/>
-          </a:p>
-          <a:p>
-            <a:pPr lvl="0">
-              <a:spcBef>
-                <a:spcPts val="0"/>
-              </a:spcBef>
-              <a:buNone/>
-            </a:pPr>
-            <a:endParaRPr dirty="0"/>
+            <a:endParaRPr lang="de-DE" dirty="0" smtClean="0"/>
           </a:p>
         </p:txBody>
       </p:sp>
@@ -9111,6 +9104,3732 @@
 </file>
 
 <file path=ppt/slides/slide16.xml><?xml version="1.0" encoding="utf-8"?>
+<p:sld xmlns:a="http://schemas.openxmlformats.org/drawingml/2006/main" xmlns:r="http://schemas.openxmlformats.org/officeDocument/2006/relationships" xmlns:p="http://schemas.openxmlformats.org/presentationml/2006/main">
+  <p:cSld>
+    <p:spTree>
+      <p:nvGrpSpPr>
+        <p:cNvPr id="1" name="Shape 121"/>
+        <p:cNvGrpSpPr/>
+        <p:nvPr/>
+      </p:nvGrpSpPr>
+      <p:grpSpPr>
+        <a:xfrm>
+          <a:off x="0" y="0"/>
+          <a:ext cx="0" cy="0"/>
+          <a:chOff x="0" y="0"/>
+          <a:chExt cx="0" cy="0"/>
+        </a:xfrm>
+      </p:grpSpPr>
+      <p:sp>
+        <p:nvSpPr>
+          <p:cNvPr id="122" name="Shape 122"/>
+          <p:cNvSpPr txBox="1">
+            <a:spLocks noGrp="1"/>
+          </p:cNvSpPr>
+          <p:nvPr>
+            <p:ph type="ctrTitle" idx="4294967295"/>
+          </p:nvPr>
+        </p:nvSpPr>
+        <p:spPr>
+          <a:xfrm>
+            <a:off x="150" y="2878750"/>
+            <a:ext cx="9143850" cy="1159799"/>
+          </a:xfrm>
+          <a:prstGeom prst="rect">
+            <a:avLst/>
+          </a:prstGeom>
+        </p:spPr>
+        <p:txBody>
+          <a:bodyPr lIns="91425" tIns="91425" rIns="91425" bIns="91425" anchor="ctr" anchorCtr="0">
+            <a:noAutofit/>
+          </a:bodyPr>
+          <a:lstStyle/>
+          <a:p>
+            <a:pPr lvl="0" algn="ctr" rtl="0">
+              <a:spcBef>
+                <a:spcPts val="0"/>
+              </a:spcBef>
+              <a:buNone/>
+            </a:pPr>
+            <a:r>
+              <a:rPr lang="en" sz="4400" dirty="0" smtClean="0">
+                <a:highlight>
+                  <a:srgbClr val="FFCD00"/>
+                </a:highlight>
+              </a:rPr>
+              <a:t>Single Responsibility Principle</a:t>
+            </a:r>
+            <a:endParaRPr lang="en" sz="4400" dirty="0">
+              <a:highlight>
+                <a:srgbClr val="FFCD00"/>
+              </a:highlight>
+            </a:endParaRPr>
+          </a:p>
+        </p:txBody>
+      </p:sp>
+      <p:sp>
+        <p:nvSpPr>
+          <p:cNvPr id="123" name="Shape 123"/>
+          <p:cNvSpPr txBox="1">
+            <a:spLocks noGrp="1"/>
+          </p:cNvSpPr>
+          <p:nvPr>
+            <p:ph type="subTitle" idx="4294967295"/>
+          </p:nvPr>
+        </p:nvSpPr>
+        <p:spPr>
+          <a:xfrm>
+            <a:off x="1951575" y="3792554"/>
+            <a:ext cx="5240999" cy="784799"/>
+          </a:xfrm>
+          <a:prstGeom prst="rect">
+            <a:avLst/>
+          </a:prstGeom>
+        </p:spPr>
+        <p:txBody>
+          <a:bodyPr lIns="91425" tIns="91425" rIns="91425" bIns="91425" anchor="t" anchorCtr="0">
+            <a:noAutofit/>
+          </a:bodyPr>
+          <a:lstStyle/>
+          <a:p>
+            <a:pPr algn="ctr">
+              <a:spcBef>
+                <a:spcPts val="0"/>
+              </a:spcBef>
+              <a:buNone/>
+            </a:pPr>
+            <a:r>
+              <a:rPr lang="en" sz="1800" dirty="0" smtClean="0"/>
+              <a:t>Komplexität </a:t>
+            </a:r>
+            <a:r>
+              <a:rPr lang="de-DE" sz="1800" dirty="0"/>
+              <a:t>•</a:t>
+            </a:r>
+            <a:r>
+              <a:rPr lang="en" sz="1800" dirty="0" smtClean="0"/>
+              <a:t> </a:t>
+            </a:r>
+            <a:r>
+              <a:rPr lang="de-DE" sz="1800" dirty="0" smtClean="0"/>
+              <a:t>Wartbarkeit </a:t>
+            </a:r>
+            <a:r>
+              <a:rPr lang="de-DE" sz="1800" dirty="0"/>
+              <a:t>• </a:t>
+            </a:r>
+            <a:r>
+              <a:rPr lang="de-DE" sz="1800" dirty="0" smtClean="0"/>
+              <a:t>Fehleranfälligkeit</a:t>
+            </a:r>
+            <a:endParaRPr lang="en" sz="1800" dirty="0"/>
+          </a:p>
+        </p:txBody>
+      </p:sp>
+      <p:cxnSp>
+        <p:nvCxnSpPr>
+          <p:cNvPr id="124" name="Shape 124"/>
+          <p:cNvCxnSpPr/>
+          <p:nvPr/>
+        </p:nvCxnSpPr>
+        <p:spPr>
+          <a:xfrm>
+            <a:off x="-6025" y="1668728"/>
+            <a:ext cx="9161999" cy="0"/>
+          </a:xfrm>
+          <a:prstGeom prst="straightConnector1">
+            <a:avLst/>
+          </a:prstGeom>
+          <a:noFill/>
+          <a:ln w="9525" cap="flat" cmpd="sng">
+            <a:solidFill>
+              <a:srgbClr val="CCCCCC"/>
+            </a:solidFill>
+            <a:prstDash val="solid"/>
+            <a:round/>
+            <a:headEnd type="none" w="lg" len="lg"/>
+            <a:tailEnd type="none" w="lg" len="lg"/>
+          </a:ln>
+        </p:spPr>
+      </p:cxnSp>
+      <p:sp>
+        <p:nvSpPr>
+          <p:cNvPr id="125" name="Shape 125"/>
+          <p:cNvSpPr/>
+          <p:nvPr/>
+        </p:nvSpPr>
+        <p:spPr>
+          <a:xfrm>
+            <a:off x="3470200" y="566931"/>
+            <a:ext cx="2203499" cy="2203499"/>
+          </a:xfrm>
+          <a:prstGeom prst="ellipse">
+            <a:avLst/>
+          </a:prstGeom>
+          <a:solidFill>
+            <a:srgbClr val="FFCD00"/>
+          </a:solidFill>
+          <a:ln>
+            <a:noFill/>
+          </a:ln>
+        </p:spPr>
+        <p:txBody>
+          <a:bodyPr lIns="91425" tIns="91425" rIns="91425" bIns="91425" anchor="ctr" anchorCtr="0">
+            <a:noAutofit/>
+          </a:bodyPr>
+          <a:lstStyle/>
+          <a:p>
+            <a:pPr lvl="0" rtl="0">
+              <a:spcBef>
+                <a:spcPts val="0"/>
+              </a:spcBef>
+              <a:buNone/>
+            </a:pPr>
+            <a:endParaRPr/>
+          </a:p>
+        </p:txBody>
+      </p:sp>
+      <p:grpSp>
+        <p:nvGrpSpPr>
+          <p:cNvPr id="126" name="Shape 126"/>
+          <p:cNvGrpSpPr/>
+          <p:nvPr/>
+        </p:nvGrpSpPr>
+        <p:grpSpPr>
+          <a:xfrm>
+            <a:off x="4184367" y="854983"/>
+            <a:ext cx="1035173" cy="1035155"/>
+            <a:chOff x="6643075" y="3664250"/>
+            <a:chExt cx="407950" cy="407975"/>
+          </a:xfrm>
+        </p:grpSpPr>
+        <p:sp>
+          <p:nvSpPr>
+            <p:cNvPr id="127" name="Shape 127"/>
+            <p:cNvSpPr/>
+            <p:nvPr/>
+          </p:nvSpPr>
+          <p:spPr>
+            <a:xfrm>
+              <a:off x="6794075" y="3815250"/>
+              <a:ext cx="211300" cy="211300"/>
+            </a:xfrm>
+            <a:custGeom>
+              <a:avLst/>
+              <a:gdLst/>
+              <a:ahLst/>
+              <a:cxnLst/>
+              <a:rect l="0" t="0" r="0" b="0"/>
+              <a:pathLst>
+                <a:path w="8452" h="8452" fill="none" extrusionOk="0">
+                  <a:moveTo>
+                    <a:pt x="0" y="8135"/>
+                  </a:moveTo>
+                  <a:lnTo>
+                    <a:pt x="0" y="8135"/>
+                  </a:lnTo>
+                  <a:lnTo>
+                    <a:pt x="438" y="8257"/>
+                  </a:lnTo>
+                  <a:lnTo>
+                    <a:pt x="852" y="8354"/>
+                  </a:lnTo>
+                  <a:lnTo>
+                    <a:pt x="1291" y="8403"/>
+                  </a:lnTo>
+                  <a:lnTo>
+                    <a:pt x="1729" y="8452"/>
+                  </a:lnTo>
+                  <a:lnTo>
+                    <a:pt x="2168" y="8452"/>
+                  </a:lnTo>
+                  <a:lnTo>
+                    <a:pt x="2606" y="8427"/>
+                  </a:lnTo>
+                  <a:lnTo>
+                    <a:pt x="3020" y="8378"/>
+                  </a:lnTo>
+                  <a:lnTo>
+                    <a:pt x="3458" y="8281"/>
+                  </a:lnTo>
+                  <a:lnTo>
+                    <a:pt x="3872" y="8184"/>
+                  </a:lnTo>
+                  <a:lnTo>
+                    <a:pt x="4311" y="8037"/>
+                  </a:lnTo>
+                  <a:lnTo>
+                    <a:pt x="4701" y="7867"/>
+                  </a:lnTo>
+                  <a:lnTo>
+                    <a:pt x="5115" y="7672"/>
+                  </a:lnTo>
+                  <a:lnTo>
+                    <a:pt x="5504" y="7429"/>
+                  </a:lnTo>
+                  <a:lnTo>
+                    <a:pt x="5870" y="7185"/>
+                  </a:lnTo>
+                  <a:lnTo>
+                    <a:pt x="6235" y="6893"/>
+                  </a:lnTo>
+                  <a:lnTo>
+                    <a:pt x="6576" y="6576"/>
+                  </a:lnTo>
+                  <a:lnTo>
+                    <a:pt x="6576" y="6576"/>
+                  </a:lnTo>
+                  <a:lnTo>
+                    <a:pt x="6892" y="6235"/>
+                  </a:lnTo>
+                  <a:lnTo>
+                    <a:pt x="7185" y="5870"/>
+                  </a:lnTo>
+                  <a:lnTo>
+                    <a:pt x="7428" y="5505"/>
+                  </a:lnTo>
+                  <a:lnTo>
+                    <a:pt x="7672" y="5115"/>
+                  </a:lnTo>
+                  <a:lnTo>
+                    <a:pt x="7867" y="4701"/>
+                  </a:lnTo>
+                  <a:lnTo>
+                    <a:pt x="8037" y="4311"/>
+                  </a:lnTo>
+                  <a:lnTo>
+                    <a:pt x="8183" y="3873"/>
+                  </a:lnTo>
+                  <a:lnTo>
+                    <a:pt x="8281" y="3459"/>
+                  </a:lnTo>
+                  <a:lnTo>
+                    <a:pt x="8378" y="3020"/>
+                  </a:lnTo>
+                  <a:lnTo>
+                    <a:pt x="8427" y="2606"/>
+                  </a:lnTo>
+                  <a:lnTo>
+                    <a:pt x="8451" y="2168"/>
+                  </a:lnTo>
+                  <a:lnTo>
+                    <a:pt x="8451" y="1730"/>
+                  </a:lnTo>
+                  <a:lnTo>
+                    <a:pt x="8402" y="1291"/>
+                  </a:lnTo>
+                  <a:lnTo>
+                    <a:pt x="8354" y="853"/>
+                  </a:lnTo>
+                  <a:lnTo>
+                    <a:pt x="8256" y="439"/>
+                  </a:lnTo>
+                  <a:lnTo>
+                    <a:pt x="8135" y="0"/>
+                  </a:lnTo>
+                </a:path>
+              </a:pathLst>
+            </a:custGeom>
+            <a:noFill/>
+            <a:ln w="12175" cap="rnd" cmpd="sng">
+              <a:solidFill>
+                <a:srgbClr val="000000"/>
+              </a:solidFill>
+              <a:prstDash val="solid"/>
+              <a:round/>
+              <a:headEnd type="none" w="med" len="med"/>
+              <a:tailEnd type="none" w="med" len="med"/>
+            </a:ln>
+          </p:spPr>
+          <p:txBody>
+            <a:bodyPr lIns="91425" tIns="91425" rIns="91425" bIns="91425" anchor="ctr" anchorCtr="0">
+              <a:noAutofit/>
+            </a:bodyPr>
+            <a:lstStyle/>
+            <a:p>
+              <a:pPr lvl="0">
+                <a:spcBef>
+                  <a:spcPts val="0"/>
+                </a:spcBef>
+                <a:buNone/>
+              </a:pPr>
+              <a:endParaRPr/>
+            </a:p>
+          </p:txBody>
+        </p:sp>
+        <p:sp>
+          <p:nvSpPr>
+            <p:cNvPr id="128" name="Shape 128"/>
+            <p:cNvSpPr/>
+            <p:nvPr/>
+          </p:nvSpPr>
+          <p:spPr>
+            <a:xfrm>
+              <a:off x="6643075" y="3664250"/>
+              <a:ext cx="407950" cy="407975"/>
+            </a:xfrm>
+            <a:custGeom>
+              <a:avLst/>
+              <a:gdLst/>
+              <a:ahLst/>
+              <a:cxnLst/>
+              <a:rect l="0" t="0" r="0" b="0"/>
+              <a:pathLst>
+                <a:path w="16318" h="16319" fill="none" extrusionOk="0">
+                  <a:moveTo>
+                    <a:pt x="16074" y="244"/>
+                  </a:moveTo>
+                  <a:lnTo>
+                    <a:pt x="16074" y="244"/>
+                  </a:lnTo>
+                  <a:lnTo>
+                    <a:pt x="15928" y="122"/>
+                  </a:lnTo>
+                  <a:lnTo>
+                    <a:pt x="15758" y="49"/>
+                  </a:lnTo>
+                  <a:lnTo>
+                    <a:pt x="15538" y="0"/>
+                  </a:lnTo>
+                  <a:lnTo>
+                    <a:pt x="15319" y="0"/>
+                  </a:lnTo>
+                  <a:lnTo>
+                    <a:pt x="15051" y="25"/>
+                  </a:lnTo>
+                  <a:lnTo>
+                    <a:pt x="14759" y="73"/>
+                  </a:lnTo>
+                  <a:lnTo>
+                    <a:pt x="14442" y="171"/>
+                  </a:lnTo>
+                  <a:lnTo>
+                    <a:pt x="14102" y="293"/>
+                  </a:lnTo>
+                  <a:lnTo>
+                    <a:pt x="13736" y="439"/>
+                  </a:lnTo>
+                  <a:lnTo>
+                    <a:pt x="13347" y="609"/>
+                  </a:lnTo>
+                  <a:lnTo>
+                    <a:pt x="12957" y="828"/>
+                  </a:lnTo>
+                  <a:lnTo>
+                    <a:pt x="12543" y="1048"/>
+                  </a:lnTo>
+                  <a:lnTo>
+                    <a:pt x="11666" y="1608"/>
+                  </a:lnTo>
+                  <a:lnTo>
+                    <a:pt x="10716" y="2265"/>
+                  </a:lnTo>
+                  <a:lnTo>
+                    <a:pt x="10716" y="2265"/>
+                  </a:lnTo>
+                  <a:lnTo>
+                    <a:pt x="10278" y="2095"/>
+                  </a:lnTo>
+                  <a:lnTo>
+                    <a:pt x="9815" y="1949"/>
+                  </a:lnTo>
+                  <a:lnTo>
+                    <a:pt x="9352" y="1851"/>
+                  </a:lnTo>
+                  <a:lnTo>
+                    <a:pt x="8890" y="1778"/>
+                  </a:lnTo>
+                  <a:lnTo>
+                    <a:pt x="8427" y="1730"/>
+                  </a:lnTo>
+                  <a:lnTo>
+                    <a:pt x="7940" y="1730"/>
+                  </a:lnTo>
+                  <a:lnTo>
+                    <a:pt x="7477" y="1778"/>
+                  </a:lnTo>
+                  <a:lnTo>
+                    <a:pt x="7014" y="1827"/>
+                  </a:lnTo>
+                  <a:lnTo>
+                    <a:pt x="6551" y="1924"/>
+                  </a:lnTo>
+                  <a:lnTo>
+                    <a:pt x="6089" y="2070"/>
+                  </a:lnTo>
+                  <a:lnTo>
+                    <a:pt x="5650" y="2241"/>
+                  </a:lnTo>
+                  <a:lnTo>
+                    <a:pt x="5212" y="2436"/>
+                  </a:lnTo>
+                  <a:lnTo>
+                    <a:pt x="4774" y="2679"/>
+                  </a:lnTo>
+                  <a:lnTo>
+                    <a:pt x="4384" y="2972"/>
+                  </a:lnTo>
+                  <a:lnTo>
+                    <a:pt x="3994" y="3264"/>
+                  </a:lnTo>
+                  <a:lnTo>
+                    <a:pt x="3605" y="3605"/>
+                  </a:lnTo>
+                  <a:lnTo>
+                    <a:pt x="3605" y="3605"/>
+                  </a:lnTo>
+                  <a:lnTo>
+                    <a:pt x="3264" y="3995"/>
+                  </a:lnTo>
+                  <a:lnTo>
+                    <a:pt x="2971" y="4384"/>
+                  </a:lnTo>
+                  <a:lnTo>
+                    <a:pt x="2679" y="4774"/>
+                  </a:lnTo>
+                  <a:lnTo>
+                    <a:pt x="2436" y="5212"/>
+                  </a:lnTo>
+                  <a:lnTo>
+                    <a:pt x="2241" y="5651"/>
+                  </a:lnTo>
+                  <a:lnTo>
+                    <a:pt x="2070" y="6089"/>
+                  </a:lnTo>
+                  <a:lnTo>
+                    <a:pt x="1924" y="6552"/>
+                  </a:lnTo>
+                  <a:lnTo>
+                    <a:pt x="1827" y="7015"/>
+                  </a:lnTo>
+                  <a:lnTo>
+                    <a:pt x="1778" y="7477"/>
+                  </a:lnTo>
+                  <a:lnTo>
+                    <a:pt x="1729" y="7940"/>
+                  </a:lnTo>
+                  <a:lnTo>
+                    <a:pt x="1729" y="8427"/>
+                  </a:lnTo>
+                  <a:lnTo>
+                    <a:pt x="1778" y="8890"/>
+                  </a:lnTo>
+                  <a:lnTo>
+                    <a:pt x="1851" y="9353"/>
+                  </a:lnTo>
+                  <a:lnTo>
+                    <a:pt x="1948" y="9815"/>
+                  </a:lnTo>
+                  <a:lnTo>
+                    <a:pt x="2095" y="10278"/>
+                  </a:lnTo>
+                  <a:lnTo>
+                    <a:pt x="2265" y="10716"/>
+                  </a:lnTo>
+                  <a:lnTo>
+                    <a:pt x="2265" y="10716"/>
+                  </a:lnTo>
+                  <a:lnTo>
+                    <a:pt x="1607" y="11666"/>
+                  </a:lnTo>
+                  <a:lnTo>
+                    <a:pt x="1047" y="12543"/>
+                  </a:lnTo>
+                  <a:lnTo>
+                    <a:pt x="828" y="12957"/>
+                  </a:lnTo>
+                  <a:lnTo>
+                    <a:pt x="609" y="13347"/>
+                  </a:lnTo>
+                  <a:lnTo>
+                    <a:pt x="438" y="13737"/>
+                  </a:lnTo>
+                  <a:lnTo>
+                    <a:pt x="292" y="14102"/>
+                  </a:lnTo>
+                  <a:lnTo>
+                    <a:pt x="170" y="14443"/>
+                  </a:lnTo>
+                  <a:lnTo>
+                    <a:pt x="73" y="14759"/>
+                  </a:lnTo>
+                  <a:lnTo>
+                    <a:pt x="24" y="15052"/>
+                  </a:lnTo>
+                  <a:lnTo>
+                    <a:pt x="0" y="15320"/>
+                  </a:lnTo>
+                  <a:lnTo>
+                    <a:pt x="0" y="15539"/>
+                  </a:lnTo>
+                  <a:lnTo>
+                    <a:pt x="49" y="15758"/>
+                  </a:lnTo>
+                  <a:lnTo>
+                    <a:pt x="122" y="15928"/>
+                  </a:lnTo>
+                  <a:lnTo>
+                    <a:pt x="244" y="16075"/>
+                  </a:lnTo>
+                  <a:lnTo>
+                    <a:pt x="244" y="16075"/>
+                  </a:lnTo>
+                  <a:lnTo>
+                    <a:pt x="341" y="16172"/>
+                  </a:lnTo>
+                  <a:lnTo>
+                    <a:pt x="487" y="16245"/>
+                  </a:lnTo>
+                  <a:lnTo>
+                    <a:pt x="633" y="16294"/>
+                  </a:lnTo>
+                  <a:lnTo>
+                    <a:pt x="804" y="16318"/>
+                  </a:lnTo>
+                  <a:lnTo>
+                    <a:pt x="974" y="16318"/>
+                  </a:lnTo>
+                  <a:lnTo>
+                    <a:pt x="1169" y="16318"/>
+                  </a:lnTo>
+                  <a:lnTo>
+                    <a:pt x="1388" y="16269"/>
+                  </a:lnTo>
+                  <a:lnTo>
+                    <a:pt x="1632" y="16221"/>
+                  </a:lnTo>
+                  <a:lnTo>
+                    <a:pt x="2143" y="16075"/>
+                  </a:lnTo>
+                  <a:lnTo>
+                    <a:pt x="2703" y="15831"/>
+                  </a:lnTo>
+                  <a:lnTo>
+                    <a:pt x="3312" y="15539"/>
+                  </a:lnTo>
+                  <a:lnTo>
+                    <a:pt x="3946" y="15149"/>
+                  </a:lnTo>
+                  <a:lnTo>
+                    <a:pt x="4652" y="14711"/>
+                  </a:lnTo>
+                  <a:lnTo>
+                    <a:pt x="5358" y="14224"/>
+                  </a:lnTo>
+                  <a:lnTo>
+                    <a:pt x="6113" y="13663"/>
+                  </a:lnTo>
+                  <a:lnTo>
+                    <a:pt x="6892" y="13055"/>
+                  </a:lnTo>
+                  <a:lnTo>
+                    <a:pt x="7696" y="12397"/>
+                  </a:lnTo>
+                  <a:lnTo>
+                    <a:pt x="8500" y="11691"/>
+                  </a:lnTo>
+                  <a:lnTo>
+                    <a:pt x="9304" y="10936"/>
+                  </a:lnTo>
+                  <a:lnTo>
+                    <a:pt x="10132" y="10132"/>
+                  </a:lnTo>
+                  <a:lnTo>
+                    <a:pt x="10132" y="10132"/>
+                  </a:lnTo>
+                  <a:lnTo>
+                    <a:pt x="10935" y="9304"/>
+                  </a:lnTo>
+                  <a:lnTo>
+                    <a:pt x="11690" y="8500"/>
+                  </a:lnTo>
+                  <a:lnTo>
+                    <a:pt x="12397" y="7696"/>
+                  </a:lnTo>
+                  <a:lnTo>
+                    <a:pt x="13054" y="6893"/>
+                  </a:lnTo>
+                  <a:lnTo>
+                    <a:pt x="13663" y="6113"/>
+                  </a:lnTo>
+                  <a:lnTo>
+                    <a:pt x="14223" y="5358"/>
+                  </a:lnTo>
+                  <a:lnTo>
+                    <a:pt x="14710" y="4652"/>
+                  </a:lnTo>
+                  <a:lnTo>
+                    <a:pt x="15149" y="3946"/>
+                  </a:lnTo>
+                  <a:lnTo>
+                    <a:pt x="15538" y="3313"/>
+                  </a:lnTo>
+                  <a:lnTo>
+                    <a:pt x="15831" y="2704"/>
+                  </a:lnTo>
+                  <a:lnTo>
+                    <a:pt x="16074" y="2144"/>
+                  </a:lnTo>
+                  <a:lnTo>
+                    <a:pt x="16220" y="1632"/>
+                  </a:lnTo>
+                  <a:lnTo>
+                    <a:pt x="16269" y="1389"/>
+                  </a:lnTo>
+                  <a:lnTo>
+                    <a:pt x="16318" y="1169"/>
+                  </a:lnTo>
+                  <a:lnTo>
+                    <a:pt x="16318" y="975"/>
+                  </a:lnTo>
+                  <a:lnTo>
+                    <a:pt x="16318" y="804"/>
+                  </a:lnTo>
+                  <a:lnTo>
+                    <a:pt x="16293" y="634"/>
+                  </a:lnTo>
+                  <a:lnTo>
+                    <a:pt x="16245" y="487"/>
+                  </a:lnTo>
+                  <a:lnTo>
+                    <a:pt x="16172" y="341"/>
+                  </a:lnTo>
+                  <a:lnTo>
+                    <a:pt x="16074" y="244"/>
+                  </a:lnTo>
+                  <a:lnTo>
+                    <a:pt x="16074" y="244"/>
+                  </a:lnTo>
+                  <a:close/>
+                  <a:moveTo>
+                    <a:pt x="1827" y="13810"/>
+                  </a:moveTo>
+                  <a:lnTo>
+                    <a:pt x="1827" y="13810"/>
+                  </a:lnTo>
+                  <a:lnTo>
+                    <a:pt x="1754" y="13737"/>
+                  </a:lnTo>
+                  <a:lnTo>
+                    <a:pt x="1729" y="13639"/>
+                  </a:lnTo>
+                  <a:lnTo>
+                    <a:pt x="1681" y="13542"/>
+                  </a:lnTo>
+                  <a:lnTo>
+                    <a:pt x="1681" y="13444"/>
+                  </a:lnTo>
+                  <a:lnTo>
+                    <a:pt x="1681" y="13176"/>
+                  </a:lnTo>
+                  <a:lnTo>
+                    <a:pt x="1754" y="12884"/>
+                  </a:lnTo>
+                  <a:lnTo>
+                    <a:pt x="1875" y="12519"/>
+                  </a:lnTo>
+                  <a:lnTo>
+                    <a:pt x="2046" y="12153"/>
+                  </a:lnTo>
+                  <a:lnTo>
+                    <a:pt x="2265" y="11715"/>
+                  </a:lnTo>
+                  <a:lnTo>
+                    <a:pt x="2533" y="11277"/>
+                  </a:lnTo>
+                  <a:lnTo>
+                    <a:pt x="2533" y="11277"/>
+                  </a:lnTo>
+                  <a:lnTo>
+                    <a:pt x="2752" y="11642"/>
+                  </a:lnTo>
+                  <a:lnTo>
+                    <a:pt x="3020" y="12007"/>
+                  </a:lnTo>
+                  <a:lnTo>
+                    <a:pt x="3288" y="12373"/>
+                  </a:lnTo>
+                  <a:lnTo>
+                    <a:pt x="3605" y="12714"/>
+                  </a:lnTo>
+                  <a:lnTo>
+                    <a:pt x="3605" y="12714"/>
+                  </a:lnTo>
+                  <a:lnTo>
+                    <a:pt x="3897" y="12957"/>
+                  </a:lnTo>
+                  <a:lnTo>
+                    <a:pt x="4165" y="13201"/>
+                  </a:lnTo>
+                  <a:lnTo>
+                    <a:pt x="4165" y="13201"/>
+                  </a:lnTo>
+                  <a:lnTo>
+                    <a:pt x="3751" y="13444"/>
+                  </a:lnTo>
+                  <a:lnTo>
+                    <a:pt x="3361" y="13639"/>
+                  </a:lnTo>
+                  <a:lnTo>
+                    <a:pt x="3020" y="13785"/>
+                  </a:lnTo>
+                  <a:lnTo>
+                    <a:pt x="2679" y="13883"/>
+                  </a:lnTo>
+                  <a:lnTo>
+                    <a:pt x="2411" y="13956"/>
+                  </a:lnTo>
+                  <a:lnTo>
+                    <a:pt x="2168" y="13956"/>
+                  </a:lnTo>
+                  <a:lnTo>
+                    <a:pt x="2070" y="13931"/>
+                  </a:lnTo>
+                  <a:lnTo>
+                    <a:pt x="1973" y="13907"/>
+                  </a:lnTo>
+                  <a:lnTo>
+                    <a:pt x="1900" y="13858"/>
+                  </a:lnTo>
+                  <a:lnTo>
+                    <a:pt x="1827" y="13810"/>
+                  </a:lnTo>
+                  <a:lnTo>
+                    <a:pt x="1827" y="13810"/>
+                  </a:lnTo>
+                  <a:close/>
+                  <a:moveTo>
+                    <a:pt x="8159" y="4482"/>
+                  </a:moveTo>
+                  <a:lnTo>
+                    <a:pt x="8159" y="4482"/>
+                  </a:lnTo>
+                  <a:lnTo>
+                    <a:pt x="8037" y="4482"/>
+                  </a:lnTo>
+                  <a:lnTo>
+                    <a:pt x="7940" y="4433"/>
+                  </a:lnTo>
+                  <a:lnTo>
+                    <a:pt x="7842" y="4384"/>
+                  </a:lnTo>
+                  <a:lnTo>
+                    <a:pt x="7745" y="4311"/>
+                  </a:lnTo>
+                  <a:lnTo>
+                    <a:pt x="7672" y="4238"/>
+                  </a:lnTo>
+                  <a:lnTo>
+                    <a:pt x="7623" y="4141"/>
+                  </a:lnTo>
+                  <a:lnTo>
+                    <a:pt x="7574" y="4019"/>
+                  </a:lnTo>
+                  <a:lnTo>
+                    <a:pt x="7574" y="3897"/>
+                  </a:lnTo>
+                  <a:lnTo>
+                    <a:pt x="7574" y="3897"/>
+                  </a:lnTo>
+                  <a:lnTo>
+                    <a:pt x="7574" y="3775"/>
+                  </a:lnTo>
+                  <a:lnTo>
+                    <a:pt x="7623" y="3678"/>
+                  </a:lnTo>
+                  <a:lnTo>
+                    <a:pt x="7672" y="3580"/>
+                  </a:lnTo>
+                  <a:lnTo>
+                    <a:pt x="7745" y="3483"/>
+                  </a:lnTo>
+                  <a:lnTo>
+                    <a:pt x="7842" y="3410"/>
+                  </a:lnTo>
+                  <a:lnTo>
+                    <a:pt x="7940" y="3361"/>
+                  </a:lnTo>
+                  <a:lnTo>
+                    <a:pt x="8037" y="3337"/>
+                  </a:lnTo>
+                  <a:lnTo>
+                    <a:pt x="8159" y="3313"/>
+                  </a:lnTo>
+                  <a:lnTo>
+                    <a:pt x="8159" y="3313"/>
+                  </a:lnTo>
+                  <a:lnTo>
+                    <a:pt x="8281" y="3337"/>
+                  </a:lnTo>
+                  <a:lnTo>
+                    <a:pt x="8378" y="3361"/>
+                  </a:lnTo>
+                  <a:lnTo>
+                    <a:pt x="8476" y="3410"/>
+                  </a:lnTo>
+                  <a:lnTo>
+                    <a:pt x="8573" y="3483"/>
+                  </a:lnTo>
+                  <a:lnTo>
+                    <a:pt x="8646" y="3580"/>
+                  </a:lnTo>
+                  <a:lnTo>
+                    <a:pt x="8695" y="3678"/>
+                  </a:lnTo>
+                  <a:lnTo>
+                    <a:pt x="8743" y="3775"/>
+                  </a:lnTo>
+                  <a:lnTo>
+                    <a:pt x="8743" y="3897"/>
+                  </a:lnTo>
+                  <a:lnTo>
+                    <a:pt x="8743" y="3897"/>
+                  </a:lnTo>
+                  <a:lnTo>
+                    <a:pt x="8743" y="4019"/>
+                  </a:lnTo>
+                  <a:lnTo>
+                    <a:pt x="8695" y="4141"/>
+                  </a:lnTo>
+                  <a:lnTo>
+                    <a:pt x="8646" y="4238"/>
+                  </a:lnTo>
+                  <a:lnTo>
+                    <a:pt x="8573" y="4311"/>
+                  </a:lnTo>
+                  <a:lnTo>
+                    <a:pt x="8476" y="4384"/>
+                  </a:lnTo>
+                  <a:lnTo>
+                    <a:pt x="8378" y="4433"/>
+                  </a:lnTo>
+                  <a:lnTo>
+                    <a:pt x="8281" y="4482"/>
+                  </a:lnTo>
+                  <a:lnTo>
+                    <a:pt x="8159" y="4482"/>
+                  </a:lnTo>
+                  <a:lnTo>
+                    <a:pt x="8159" y="4482"/>
+                  </a:lnTo>
+                  <a:close/>
+                  <a:moveTo>
+                    <a:pt x="9133" y="5943"/>
+                  </a:moveTo>
+                  <a:lnTo>
+                    <a:pt x="9133" y="5943"/>
+                  </a:lnTo>
+                  <a:lnTo>
+                    <a:pt x="9036" y="5943"/>
+                  </a:lnTo>
+                  <a:lnTo>
+                    <a:pt x="8963" y="5919"/>
+                  </a:lnTo>
+                  <a:lnTo>
+                    <a:pt x="8841" y="5846"/>
+                  </a:lnTo>
+                  <a:lnTo>
+                    <a:pt x="8768" y="5724"/>
+                  </a:lnTo>
+                  <a:lnTo>
+                    <a:pt x="8743" y="5651"/>
+                  </a:lnTo>
+                  <a:lnTo>
+                    <a:pt x="8743" y="5553"/>
+                  </a:lnTo>
+                  <a:lnTo>
+                    <a:pt x="8743" y="5553"/>
+                  </a:lnTo>
+                  <a:lnTo>
+                    <a:pt x="8743" y="5480"/>
+                  </a:lnTo>
+                  <a:lnTo>
+                    <a:pt x="8768" y="5407"/>
+                  </a:lnTo>
+                  <a:lnTo>
+                    <a:pt x="8841" y="5285"/>
+                  </a:lnTo>
+                  <a:lnTo>
+                    <a:pt x="8963" y="5212"/>
+                  </a:lnTo>
+                  <a:lnTo>
+                    <a:pt x="9036" y="5188"/>
+                  </a:lnTo>
+                  <a:lnTo>
+                    <a:pt x="9133" y="5164"/>
+                  </a:lnTo>
+                  <a:lnTo>
+                    <a:pt x="9133" y="5164"/>
+                  </a:lnTo>
+                  <a:lnTo>
+                    <a:pt x="9206" y="5188"/>
+                  </a:lnTo>
+                  <a:lnTo>
+                    <a:pt x="9279" y="5212"/>
+                  </a:lnTo>
+                  <a:lnTo>
+                    <a:pt x="9401" y="5285"/>
+                  </a:lnTo>
+                  <a:lnTo>
+                    <a:pt x="9474" y="5407"/>
+                  </a:lnTo>
+                  <a:lnTo>
+                    <a:pt x="9498" y="5480"/>
+                  </a:lnTo>
+                  <a:lnTo>
+                    <a:pt x="9523" y="5553"/>
+                  </a:lnTo>
+                  <a:lnTo>
+                    <a:pt x="9523" y="5553"/>
+                  </a:lnTo>
+                  <a:lnTo>
+                    <a:pt x="9498" y="5651"/>
+                  </a:lnTo>
+                  <a:lnTo>
+                    <a:pt x="9474" y="5724"/>
+                  </a:lnTo>
+                  <a:lnTo>
+                    <a:pt x="9401" y="5846"/>
+                  </a:lnTo>
+                  <a:lnTo>
+                    <a:pt x="9279" y="5919"/>
+                  </a:lnTo>
+                  <a:lnTo>
+                    <a:pt x="9206" y="5943"/>
+                  </a:lnTo>
+                  <a:lnTo>
+                    <a:pt x="9133" y="5943"/>
+                  </a:lnTo>
+                  <a:lnTo>
+                    <a:pt x="9133" y="5943"/>
+                  </a:lnTo>
+                  <a:close/>
+                  <a:moveTo>
+                    <a:pt x="9986" y="4409"/>
+                  </a:moveTo>
+                  <a:lnTo>
+                    <a:pt x="9986" y="4409"/>
+                  </a:lnTo>
+                  <a:lnTo>
+                    <a:pt x="9888" y="4409"/>
+                  </a:lnTo>
+                  <a:lnTo>
+                    <a:pt x="9815" y="4384"/>
+                  </a:lnTo>
+                  <a:lnTo>
+                    <a:pt x="9693" y="4287"/>
+                  </a:lnTo>
+                  <a:lnTo>
+                    <a:pt x="9620" y="4165"/>
+                  </a:lnTo>
+                  <a:lnTo>
+                    <a:pt x="9596" y="4092"/>
+                  </a:lnTo>
+                  <a:lnTo>
+                    <a:pt x="9596" y="4019"/>
+                  </a:lnTo>
+                  <a:lnTo>
+                    <a:pt x="9596" y="4019"/>
+                  </a:lnTo>
+                  <a:lnTo>
+                    <a:pt x="9596" y="3946"/>
+                  </a:lnTo>
+                  <a:lnTo>
+                    <a:pt x="9620" y="3873"/>
+                  </a:lnTo>
+                  <a:lnTo>
+                    <a:pt x="9693" y="3751"/>
+                  </a:lnTo>
+                  <a:lnTo>
+                    <a:pt x="9815" y="3654"/>
+                  </a:lnTo>
+                  <a:lnTo>
+                    <a:pt x="9888" y="3629"/>
+                  </a:lnTo>
+                  <a:lnTo>
+                    <a:pt x="9986" y="3629"/>
+                  </a:lnTo>
+                  <a:lnTo>
+                    <a:pt x="9986" y="3629"/>
+                  </a:lnTo>
+                  <a:lnTo>
+                    <a:pt x="10059" y="3629"/>
+                  </a:lnTo>
+                  <a:lnTo>
+                    <a:pt x="10132" y="3654"/>
+                  </a:lnTo>
+                  <a:lnTo>
+                    <a:pt x="10253" y="3751"/>
+                  </a:lnTo>
+                  <a:lnTo>
+                    <a:pt x="10327" y="3873"/>
+                  </a:lnTo>
+                  <a:lnTo>
+                    <a:pt x="10351" y="3946"/>
+                  </a:lnTo>
+                  <a:lnTo>
+                    <a:pt x="10375" y="4019"/>
+                  </a:lnTo>
+                  <a:lnTo>
+                    <a:pt x="10375" y="4019"/>
+                  </a:lnTo>
+                  <a:lnTo>
+                    <a:pt x="10351" y="4092"/>
+                  </a:lnTo>
+                  <a:lnTo>
+                    <a:pt x="10327" y="4165"/>
+                  </a:lnTo>
+                  <a:lnTo>
+                    <a:pt x="10253" y="4287"/>
+                  </a:lnTo>
+                  <a:lnTo>
+                    <a:pt x="10132" y="4384"/>
+                  </a:lnTo>
+                  <a:lnTo>
+                    <a:pt x="10059" y="4409"/>
+                  </a:lnTo>
+                  <a:lnTo>
+                    <a:pt x="9986" y="4409"/>
+                  </a:lnTo>
+                  <a:lnTo>
+                    <a:pt x="9986" y="4409"/>
+                  </a:lnTo>
+                  <a:close/>
+                  <a:moveTo>
+                    <a:pt x="13200" y="4165"/>
+                  </a:moveTo>
+                  <a:lnTo>
+                    <a:pt x="13200" y="4165"/>
+                  </a:lnTo>
+                  <a:lnTo>
+                    <a:pt x="12957" y="3897"/>
+                  </a:lnTo>
+                  <a:lnTo>
+                    <a:pt x="12713" y="3605"/>
+                  </a:lnTo>
+                  <a:lnTo>
+                    <a:pt x="12713" y="3605"/>
+                  </a:lnTo>
+                  <a:lnTo>
+                    <a:pt x="12372" y="3288"/>
+                  </a:lnTo>
+                  <a:lnTo>
+                    <a:pt x="12007" y="3020"/>
+                  </a:lnTo>
+                  <a:lnTo>
+                    <a:pt x="11642" y="2752"/>
+                  </a:lnTo>
+                  <a:lnTo>
+                    <a:pt x="11276" y="2533"/>
+                  </a:lnTo>
+                  <a:lnTo>
+                    <a:pt x="11276" y="2533"/>
+                  </a:lnTo>
+                  <a:lnTo>
+                    <a:pt x="11715" y="2265"/>
+                  </a:lnTo>
+                  <a:lnTo>
+                    <a:pt x="12153" y="2046"/>
+                  </a:lnTo>
+                  <a:lnTo>
+                    <a:pt x="12518" y="1876"/>
+                  </a:lnTo>
+                  <a:lnTo>
+                    <a:pt x="12884" y="1754"/>
+                  </a:lnTo>
+                  <a:lnTo>
+                    <a:pt x="13176" y="1681"/>
+                  </a:lnTo>
+                  <a:lnTo>
+                    <a:pt x="13444" y="1681"/>
+                  </a:lnTo>
+                  <a:lnTo>
+                    <a:pt x="13541" y="1681"/>
+                  </a:lnTo>
+                  <a:lnTo>
+                    <a:pt x="13639" y="1730"/>
+                  </a:lnTo>
+                  <a:lnTo>
+                    <a:pt x="13736" y="1754"/>
+                  </a:lnTo>
+                  <a:lnTo>
+                    <a:pt x="13809" y="1827"/>
+                  </a:lnTo>
+                  <a:lnTo>
+                    <a:pt x="13809" y="1827"/>
+                  </a:lnTo>
+                  <a:lnTo>
+                    <a:pt x="13858" y="1900"/>
+                  </a:lnTo>
+                  <a:lnTo>
+                    <a:pt x="13907" y="1973"/>
+                  </a:lnTo>
+                  <a:lnTo>
+                    <a:pt x="13931" y="2070"/>
+                  </a:lnTo>
+                  <a:lnTo>
+                    <a:pt x="13955" y="2168"/>
+                  </a:lnTo>
+                  <a:lnTo>
+                    <a:pt x="13955" y="2411"/>
+                  </a:lnTo>
+                  <a:lnTo>
+                    <a:pt x="13882" y="2679"/>
+                  </a:lnTo>
+                  <a:lnTo>
+                    <a:pt x="13785" y="3020"/>
+                  </a:lnTo>
+                  <a:lnTo>
+                    <a:pt x="13639" y="3361"/>
+                  </a:lnTo>
+                  <a:lnTo>
+                    <a:pt x="13444" y="3751"/>
+                  </a:lnTo>
+                  <a:lnTo>
+                    <a:pt x="13200" y="4165"/>
+                  </a:lnTo>
+                  <a:lnTo>
+                    <a:pt x="13200" y="4165"/>
+                  </a:lnTo>
+                  <a:close/>
+                </a:path>
+              </a:pathLst>
+            </a:custGeom>
+            <a:noFill/>
+            <a:ln w="12175" cap="rnd" cmpd="sng">
+              <a:solidFill>
+                <a:srgbClr val="000000"/>
+              </a:solidFill>
+              <a:prstDash val="solid"/>
+              <a:round/>
+              <a:headEnd type="none" w="med" len="med"/>
+              <a:tailEnd type="none" w="med" len="med"/>
+            </a:ln>
+          </p:spPr>
+          <p:txBody>
+            <a:bodyPr lIns="91425" tIns="91425" rIns="91425" bIns="91425" anchor="ctr" anchorCtr="0">
+              <a:noAutofit/>
+            </a:bodyPr>
+            <a:lstStyle/>
+            <a:p>
+              <a:pPr lvl="0">
+                <a:spcBef>
+                  <a:spcPts val="0"/>
+                </a:spcBef>
+                <a:buNone/>
+              </a:pPr>
+              <a:endParaRPr/>
+            </a:p>
+          </p:txBody>
+        </p:sp>
+      </p:grpSp>
+      <p:grpSp>
+        <p:nvGrpSpPr>
+          <p:cNvPr id="129" name="Shape 129"/>
+          <p:cNvGrpSpPr/>
+          <p:nvPr/>
+        </p:nvGrpSpPr>
+        <p:grpSpPr>
+          <a:xfrm rot="-587406">
+            <a:off x="4123593" y="2025001"/>
+            <a:ext cx="425594" cy="425570"/>
+            <a:chOff x="576250" y="4319400"/>
+            <a:chExt cx="442075" cy="442050"/>
+          </a:xfrm>
+        </p:grpSpPr>
+        <p:sp>
+          <p:nvSpPr>
+            <p:cNvPr id="130" name="Shape 130"/>
+            <p:cNvSpPr/>
+            <p:nvPr/>
+          </p:nvSpPr>
+          <p:spPr>
+            <a:xfrm>
+              <a:off x="576250" y="4319400"/>
+              <a:ext cx="442075" cy="442050"/>
+            </a:xfrm>
+            <a:custGeom>
+              <a:avLst/>
+              <a:gdLst/>
+              <a:ahLst/>
+              <a:cxnLst/>
+              <a:rect l="0" t="0" r="0" b="0"/>
+              <a:pathLst>
+                <a:path w="17683" h="17682" fill="none" extrusionOk="0">
+                  <a:moveTo>
+                    <a:pt x="11472" y="17292"/>
+                  </a:moveTo>
+                  <a:lnTo>
+                    <a:pt x="11472" y="12153"/>
+                  </a:lnTo>
+                  <a:lnTo>
+                    <a:pt x="16416" y="7209"/>
+                  </a:lnTo>
+                  <a:lnTo>
+                    <a:pt x="16416" y="7209"/>
+                  </a:lnTo>
+                  <a:lnTo>
+                    <a:pt x="16562" y="7063"/>
+                  </a:lnTo>
+                  <a:lnTo>
+                    <a:pt x="16684" y="6868"/>
+                  </a:lnTo>
+                  <a:lnTo>
+                    <a:pt x="16830" y="6674"/>
+                  </a:lnTo>
+                  <a:lnTo>
+                    <a:pt x="16927" y="6479"/>
+                  </a:lnTo>
+                  <a:lnTo>
+                    <a:pt x="17146" y="6040"/>
+                  </a:lnTo>
+                  <a:lnTo>
+                    <a:pt x="17317" y="5553"/>
+                  </a:lnTo>
+                  <a:lnTo>
+                    <a:pt x="17439" y="5042"/>
+                  </a:lnTo>
+                  <a:lnTo>
+                    <a:pt x="17560" y="4506"/>
+                  </a:lnTo>
+                  <a:lnTo>
+                    <a:pt x="17633" y="3970"/>
+                  </a:lnTo>
+                  <a:lnTo>
+                    <a:pt x="17658" y="3434"/>
+                  </a:lnTo>
+                  <a:lnTo>
+                    <a:pt x="17682" y="2898"/>
+                  </a:lnTo>
+                  <a:lnTo>
+                    <a:pt x="17682" y="2411"/>
+                  </a:lnTo>
+                  <a:lnTo>
+                    <a:pt x="17658" y="1949"/>
+                  </a:lnTo>
+                  <a:lnTo>
+                    <a:pt x="17609" y="1510"/>
+                  </a:lnTo>
+                  <a:lnTo>
+                    <a:pt x="17536" y="1145"/>
+                  </a:lnTo>
+                  <a:lnTo>
+                    <a:pt x="17463" y="828"/>
+                  </a:lnTo>
+                  <a:lnTo>
+                    <a:pt x="17366" y="585"/>
+                  </a:lnTo>
+                  <a:lnTo>
+                    <a:pt x="17292" y="487"/>
+                  </a:lnTo>
+                  <a:lnTo>
+                    <a:pt x="17244" y="439"/>
+                  </a:lnTo>
+                  <a:lnTo>
+                    <a:pt x="17244" y="439"/>
+                  </a:lnTo>
+                  <a:lnTo>
+                    <a:pt x="17195" y="390"/>
+                  </a:lnTo>
+                  <a:lnTo>
+                    <a:pt x="17098" y="317"/>
+                  </a:lnTo>
+                  <a:lnTo>
+                    <a:pt x="16854" y="219"/>
+                  </a:lnTo>
+                  <a:lnTo>
+                    <a:pt x="16537" y="146"/>
+                  </a:lnTo>
+                  <a:lnTo>
+                    <a:pt x="16172" y="73"/>
+                  </a:lnTo>
+                  <a:lnTo>
+                    <a:pt x="15734" y="25"/>
+                  </a:lnTo>
+                  <a:lnTo>
+                    <a:pt x="15271" y="0"/>
+                  </a:lnTo>
+                  <a:lnTo>
+                    <a:pt x="14784" y="0"/>
+                  </a:lnTo>
+                  <a:lnTo>
+                    <a:pt x="14248" y="25"/>
+                  </a:lnTo>
+                  <a:lnTo>
+                    <a:pt x="13712" y="49"/>
+                  </a:lnTo>
+                  <a:lnTo>
+                    <a:pt x="13176" y="122"/>
+                  </a:lnTo>
+                  <a:lnTo>
+                    <a:pt x="12641" y="244"/>
+                  </a:lnTo>
+                  <a:lnTo>
+                    <a:pt x="12129" y="366"/>
+                  </a:lnTo>
+                  <a:lnTo>
+                    <a:pt x="11642" y="536"/>
+                  </a:lnTo>
+                  <a:lnTo>
+                    <a:pt x="11204" y="755"/>
+                  </a:lnTo>
+                  <a:lnTo>
+                    <a:pt x="10985" y="853"/>
+                  </a:lnTo>
+                  <a:lnTo>
+                    <a:pt x="10814" y="999"/>
+                  </a:lnTo>
+                  <a:lnTo>
+                    <a:pt x="10619" y="1121"/>
+                  </a:lnTo>
+                  <a:lnTo>
+                    <a:pt x="10473" y="1267"/>
+                  </a:lnTo>
+                  <a:lnTo>
+                    <a:pt x="5529" y="6211"/>
+                  </a:lnTo>
+                  <a:lnTo>
+                    <a:pt x="390" y="6211"/>
+                  </a:lnTo>
+                  <a:lnTo>
+                    <a:pt x="390" y="6211"/>
+                  </a:lnTo>
+                  <a:lnTo>
+                    <a:pt x="244" y="6235"/>
+                  </a:lnTo>
+                  <a:lnTo>
+                    <a:pt x="147" y="6259"/>
+                  </a:lnTo>
+                  <a:lnTo>
+                    <a:pt x="49" y="6308"/>
+                  </a:lnTo>
+                  <a:lnTo>
+                    <a:pt x="0" y="6381"/>
+                  </a:lnTo>
+                  <a:lnTo>
+                    <a:pt x="0" y="6454"/>
+                  </a:lnTo>
+                  <a:lnTo>
+                    <a:pt x="25" y="6552"/>
+                  </a:lnTo>
+                  <a:lnTo>
+                    <a:pt x="74" y="6649"/>
+                  </a:lnTo>
+                  <a:lnTo>
+                    <a:pt x="171" y="6771"/>
+                  </a:lnTo>
+                  <a:lnTo>
+                    <a:pt x="2582" y="9158"/>
+                  </a:lnTo>
+                  <a:lnTo>
+                    <a:pt x="2265" y="9474"/>
+                  </a:lnTo>
+                  <a:lnTo>
+                    <a:pt x="950" y="9718"/>
+                  </a:lnTo>
+                  <a:lnTo>
+                    <a:pt x="950" y="9718"/>
+                  </a:lnTo>
+                  <a:lnTo>
+                    <a:pt x="804" y="9767"/>
+                  </a:lnTo>
+                  <a:lnTo>
+                    <a:pt x="682" y="9815"/>
+                  </a:lnTo>
+                  <a:lnTo>
+                    <a:pt x="609" y="9913"/>
+                  </a:lnTo>
+                  <a:lnTo>
+                    <a:pt x="561" y="9986"/>
+                  </a:lnTo>
+                  <a:lnTo>
+                    <a:pt x="561" y="10083"/>
+                  </a:lnTo>
+                  <a:lnTo>
+                    <a:pt x="585" y="10205"/>
+                  </a:lnTo>
+                  <a:lnTo>
+                    <a:pt x="634" y="10302"/>
+                  </a:lnTo>
+                  <a:lnTo>
+                    <a:pt x="731" y="10424"/>
+                  </a:lnTo>
+                  <a:lnTo>
+                    <a:pt x="7258" y="16951"/>
+                  </a:lnTo>
+                  <a:lnTo>
+                    <a:pt x="7258" y="16951"/>
+                  </a:lnTo>
+                  <a:lnTo>
+                    <a:pt x="7380" y="17049"/>
+                  </a:lnTo>
+                  <a:lnTo>
+                    <a:pt x="7477" y="17097"/>
+                  </a:lnTo>
+                  <a:lnTo>
+                    <a:pt x="7599" y="17122"/>
+                  </a:lnTo>
+                  <a:lnTo>
+                    <a:pt x="7697" y="17122"/>
+                  </a:lnTo>
+                  <a:lnTo>
+                    <a:pt x="7770" y="17073"/>
+                  </a:lnTo>
+                  <a:lnTo>
+                    <a:pt x="7867" y="17000"/>
+                  </a:lnTo>
+                  <a:lnTo>
+                    <a:pt x="7916" y="16878"/>
+                  </a:lnTo>
+                  <a:lnTo>
+                    <a:pt x="7965" y="16732"/>
+                  </a:lnTo>
+                  <a:lnTo>
+                    <a:pt x="8208" y="15417"/>
+                  </a:lnTo>
+                  <a:lnTo>
+                    <a:pt x="8525" y="15100"/>
+                  </a:lnTo>
+                  <a:lnTo>
+                    <a:pt x="10911" y="17511"/>
+                  </a:lnTo>
+                  <a:lnTo>
+                    <a:pt x="10911" y="17511"/>
+                  </a:lnTo>
+                  <a:lnTo>
+                    <a:pt x="11033" y="17609"/>
+                  </a:lnTo>
+                  <a:lnTo>
+                    <a:pt x="11131" y="17658"/>
+                  </a:lnTo>
+                  <a:lnTo>
+                    <a:pt x="11228" y="17682"/>
+                  </a:lnTo>
+                  <a:lnTo>
+                    <a:pt x="11301" y="17682"/>
+                  </a:lnTo>
+                  <a:lnTo>
+                    <a:pt x="11374" y="17633"/>
+                  </a:lnTo>
+                  <a:lnTo>
+                    <a:pt x="11423" y="17536"/>
+                  </a:lnTo>
+                  <a:lnTo>
+                    <a:pt x="11447" y="17438"/>
+                  </a:lnTo>
+                  <a:lnTo>
+                    <a:pt x="11472" y="17292"/>
+                  </a:lnTo>
+                  <a:lnTo>
+                    <a:pt x="11472" y="17292"/>
+                  </a:lnTo>
+                  <a:close/>
+                  <a:moveTo>
+                    <a:pt x="6162" y="12202"/>
+                  </a:moveTo>
+                  <a:lnTo>
+                    <a:pt x="6162" y="12202"/>
+                  </a:lnTo>
+                  <a:lnTo>
+                    <a:pt x="6089" y="12275"/>
+                  </a:lnTo>
+                  <a:lnTo>
+                    <a:pt x="6016" y="12324"/>
+                  </a:lnTo>
+                  <a:lnTo>
+                    <a:pt x="5919" y="12348"/>
+                  </a:lnTo>
+                  <a:lnTo>
+                    <a:pt x="5821" y="12348"/>
+                  </a:lnTo>
+                  <a:lnTo>
+                    <a:pt x="5724" y="12348"/>
+                  </a:lnTo>
+                  <a:lnTo>
+                    <a:pt x="5626" y="12324"/>
+                  </a:lnTo>
+                  <a:lnTo>
+                    <a:pt x="5553" y="12275"/>
+                  </a:lnTo>
+                  <a:lnTo>
+                    <a:pt x="5480" y="12202"/>
+                  </a:lnTo>
+                  <a:lnTo>
+                    <a:pt x="5480" y="12202"/>
+                  </a:lnTo>
+                  <a:lnTo>
+                    <a:pt x="5407" y="12129"/>
+                  </a:lnTo>
+                  <a:lnTo>
+                    <a:pt x="5359" y="12056"/>
+                  </a:lnTo>
+                  <a:lnTo>
+                    <a:pt x="5334" y="11959"/>
+                  </a:lnTo>
+                  <a:lnTo>
+                    <a:pt x="5334" y="11861"/>
+                  </a:lnTo>
+                  <a:lnTo>
+                    <a:pt x="5334" y="11764"/>
+                  </a:lnTo>
+                  <a:lnTo>
+                    <a:pt x="5359" y="11666"/>
+                  </a:lnTo>
+                  <a:lnTo>
+                    <a:pt x="5407" y="11593"/>
+                  </a:lnTo>
+                  <a:lnTo>
+                    <a:pt x="5480" y="11520"/>
+                  </a:lnTo>
+                  <a:lnTo>
+                    <a:pt x="8013" y="8987"/>
+                  </a:lnTo>
+                  <a:lnTo>
+                    <a:pt x="8013" y="8987"/>
+                  </a:lnTo>
+                  <a:lnTo>
+                    <a:pt x="8086" y="8939"/>
+                  </a:lnTo>
+                  <a:lnTo>
+                    <a:pt x="8159" y="8890"/>
+                  </a:lnTo>
+                  <a:lnTo>
+                    <a:pt x="8257" y="8865"/>
+                  </a:lnTo>
+                  <a:lnTo>
+                    <a:pt x="8354" y="8841"/>
+                  </a:lnTo>
+                  <a:lnTo>
+                    <a:pt x="8452" y="8865"/>
+                  </a:lnTo>
+                  <a:lnTo>
+                    <a:pt x="8525" y="8890"/>
+                  </a:lnTo>
+                  <a:lnTo>
+                    <a:pt x="8622" y="8939"/>
+                  </a:lnTo>
+                  <a:lnTo>
+                    <a:pt x="8695" y="8987"/>
+                  </a:lnTo>
+                  <a:lnTo>
+                    <a:pt x="8695" y="8987"/>
+                  </a:lnTo>
+                  <a:lnTo>
+                    <a:pt x="8744" y="9060"/>
+                  </a:lnTo>
+                  <a:lnTo>
+                    <a:pt x="8793" y="9158"/>
+                  </a:lnTo>
+                  <a:lnTo>
+                    <a:pt x="8817" y="9231"/>
+                  </a:lnTo>
+                  <a:lnTo>
+                    <a:pt x="8841" y="9328"/>
+                  </a:lnTo>
+                  <a:lnTo>
+                    <a:pt x="8817" y="9426"/>
+                  </a:lnTo>
+                  <a:lnTo>
+                    <a:pt x="8793" y="9523"/>
+                  </a:lnTo>
+                  <a:lnTo>
+                    <a:pt x="8744" y="9596"/>
+                  </a:lnTo>
+                  <a:lnTo>
+                    <a:pt x="8695" y="9669"/>
+                  </a:lnTo>
+                  <a:lnTo>
+                    <a:pt x="6162" y="12202"/>
+                  </a:lnTo>
+                  <a:close/>
+                  <a:moveTo>
+                    <a:pt x="13396" y="7307"/>
+                  </a:moveTo>
+                  <a:lnTo>
+                    <a:pt x="13396" y="7307"/>
+                  </a:lnTo>
+                  <a:lnTo>
+                    <a:pt x="13274" y="7404"/>
+                  </a:lnTo>
+                  <a:lnTo>
+                    <a:pt x="13152" y="7477"/>
+                  </a:lnTo>
+                  <a:lnTo>
+                    <a:pt x="13006" y="7526"/>
+                  </a:lnTo>
+                  <a:lnTo>
+                    <a:pt x="12836" y="7550"/>
+                  </a:lnTo>
+                  <a:lnTo>
+                    <a:pt x="12689" y="7526"/>
+                  </a:lnTo>
+                  <a:lnTo>
+                    <a:pt x="12543" y="7477"/>
+                  </a:lnTo>
+                  <a:lnTo>
+                    <a:pt x="12421" y="7404"/>
+                  </a:lnTo>
+                  <a:lnTo>
+                    <a:pt x="12300" y="7307"/>
+                  </a:lnTo>
+                  <a:lnTo>
+                    <a:pt x="10376" y="5383"/>
+                  </a:lnTo>
+                  <a:lnTo>
+                    <a:pt x="10376" y="5383"/>
+                  </a:lnTo>
+                  <a:lnTo>
+                    <a:pt x="10278" y="5261"/>
+                  </a:lnTo>
+                  <a:lnTo>
+                    <a:pt x="10205" y="5139"/>
+                  </a:lnTo>
+                  <a:lnTo>
+                    <a:pt x="10156" y="4993"/>
+                  </a:lnTo>
+                  <a:lnTo>
+                    <a:pt x="10132" y="4847"/>
+                  </a:lnTo>
+                  <a:lnTo>
+                    <a:pt x="10156" y="4676"/>
+                  </a:lnTo>
+                  <a:lnTo>
+                    <a:pt x="10205" y="4530"/>
+                  </a:lnTo>
+                  <a:lnTo>
+                    <a:pt x="10278" y="4408"/>
+                  </a:lnTo>
+                  <a:lnTo>
+                    <a:pt x="10376" y="4287"/>
+                  </a:lnTo>
+                  <a:lnTo>
+                    <a:pt x="10376" y="4287"/>
+                  </a:lnTo>
+                  <a:lnTo>
+                    <a:pt x="11326" y="3313"/>
+                  </a:lnTo>
+                  <a:lnTo>
+                    <a:pt x="11326" y="3313"/>
+                  </a:lnTo>
+                  <a:lnTo>
+                    <a:pt x="11496" y="3166"/>
+                  </a:lnTo>
+                  <a:lnTo>
+                    <a:pt x="11666" y="3045"/>
+                  </a:lnTo>
+                  <a:lnTo>
+                    <a:pt x="11861" y="2947"/>
+                  </a:lnTo>
+                  <a:lnTo>
+                    <a:pt x="12032" y="2850"/>
+                  </a:lnTo>
+                  <a:lnTo>
+                    <a:pt x="12227" y="2777"/>
+                  </a:lnTo>
+                  <a:lnTo>
+                    <a:pt x="12446" y="2728"/>
+                  </a:lnTo>
+                  <a:lnTo>
+                    <a:pt x="12641" y="2704"/>
+                  </a:lnTo>
+                  <a:lnTo>
+                    <a:pt x="12836" y="2704"/>
+                  </a:lnTo>
+                  <a:lnTo>
+                    <a:pt x="13055" y="2704"/>
+                  </a:lnTo>
+                  <a:lnTo>
+                    <a:pt x="13250" y="2728"/>
+                  </a:lnTo>
+                  <a:lnTo>
+                    <a:pt x="13469" y="2777"/>
+                  </a:lnTo>
+                  <a:lnTo>
+                    <a:pt x="13664" y="2850"/>
+                  </a:lnTo>
+                  <a:lnTo>
+                    <a:pt x="13834" y="2947"/>
+                  </a:lnTo>
+                  <a:lnTo>
+                    <a:pt x="14029" y="3045"/>
+                  </a:lnTo>
+                  <a:lnTo>
+                    <a:pt x="14199" y="3166"/>
+                  </a:lnTo>
+                  <a:lnTo>
+                    <a:pt x="14370" y="3313"/>
+                  </a:lnTo>
+                  <a:lnTo>
+                    <a:pt x="14370" y="3313"/>
+                  </a:lnTo>
+                  <a:lnTo>
+                    <a:pt x="14516" y="3483"/>
+                  </a:lnTo>
+                  <a:lnTo>
+                    <a:pt x="14638" y="3653"/>
+                  </a:lnTo>
+                  <a:lnTo>
+                    <a:pt x="14735" y="3848"/>
+                  </a:lnTo>
+                  <a:lnTo>
+                    <a:pt x="14833" y="4019"/>
+                  </a:lnTo>
+                  <a:lnTo>
+                    <a:pt x="14906" y="4214"/>
+                  </a:lnTo>
+                  <a:lnTo>
+                    <a:pt x="14954" y="4433"/>
+                  </a:lnTo>
+                  <a:lnTo>
+                    <a:pt x="14979" y="4628"/>
+                  </a:lnTo>
+                  <a:lnTo>
+                    <a:pt x="14979" y="4847"/>
+                  </a:lnTo>
+                  <a:lnTo>
+                    <a:pt x="14979" y="5042"/>
+                  </a:lnTo>
+                  <a:lnTo>
+                    <a:pt x="14954" y="5237"/>
+                  </a:lnTo>
+                  <a:lnTo>
+                    <a:pt x="14906" y="5456"/>
+                  </a:lnTo>
+                  <a:lnTo>
+                    <a:pt x="14833" y="5651"/>
+                  </a:lnTo>
+                  <a:lnTo>
+                    <a:pt x="14735" y="5821"/>
+                  </a:lnTo>
+                  <a:lnTo>
+                    <a:pt x="14638" y="6016"/>
+                  </a:lnTo>
+                  <a:lnTo>
+                    <a:pt x="14516" y="6186"/>
+                  </a:lnTo>
+                  <a:lnTo>
+                    <a:pt x="14370" y="6357"/>
+                  </a:lnTo>
+                  <a:lnTo>
+                    <a:pt x="14370" y="6357"/>
+                  </a:lnTo>
+                  <a:lnTo>
+                    <a:pt x="13396" y="7307"/>
+                  </a:lnTo>
+                  <a:lnTo>
+                    <a:pt x="13396" y="7307"/>
+                  </a:lnTo>
+                  <a:close/>
+                </a:path>
+              </a:pathLst>
+            </a:custGeom>
+            <a:noFill/>
+            <a:ln w="12175" cap="rnd" cmpd="sng">
+              <a:solidFill>
+                <a:srgbClr val="000000"/>
+              </a:solidFill>
+              <a:prstDash val="solid"/>
+              <a:round/>
+              <a:headEnd type="none" w="med" len="med"/>
+              <a:tailEnd type="none" w="med" len="med"/>
+            </a:ln>
+          </p:spPr>
+          <p:txBody>
+            <a:bodyPr lIns="91425" tIns="91425" rIns="91425" bIns="91425" anchor="ctr" anchorCtr="0">
+              <a:noAutofit/>
+            </a:bodyPr>
+            <a:lstStyle/>
+            <a:p>
+              <a:pPr lvl="0">
+                <a:spcBef>
+                  <a:spcPts val="0"/>
+                </a:spcBef>
+                <a:buNone/>
+              </a:pPr>
+              <a:endParaRPr/>
+            </a:p>
+          </p:txBody>
+        </p:sp>
+        <p:sp>
+          <p:nvSpPr>
+            <p:cNvPr id="131" name="Shape 131"/>
+            <p:cNvSpPr/>
+            <p:nvPr/>
+          </p:nvSpPr>
+          <p:spPr>
+            <a:xfrm>
+              <a:off x="595725" y="4668875"/>
+              <a:ext cx="73100" cy="73100"/>
+            </a:xfrm>
+            <a:custGeom>
+              <a:avLst/>
+              <a:gdLst/>
+              <a:ahLst/>
+              <a:cxnLst/>
+              <a:rect l="0" t="0" r="0" b="0"/>
+              <a:pathLst>
+                <a:path w="2924" h="2924" fill="none" extrusionOk="0">
+                  <a:moveTo>
+                    <a:pt x="2656" y="269"/>
+                  </a:moveTo>
+                  <a:lnTo>
+                    <a:pt x="2656" y="269"/>
+                  </a:lnTo>
+                  <a:lnTo>
+                    <a:pt x="2509" y="147"/>
+                  </a:lnTo>
+                  <a:lnTo>
+                    <a:pt x="2363" y="74"/>
+                  </a:lnTo>
+                  <a:lnTo>
+                    <a:pt x="2193" y="25"/>
+                  </a:lnTo>
+                  <a:lnTo>
+                    <a:pt x="2022" y="1"/>
+                  </a:lnTo>
+                  <a:lnTo>
+                    <a:pt x="1852" y="25"/>
+                  </a:lnTo>
+                  <a:lnTo>
+                    <a:pt x="1681" y="74"/>
+                  </a:lnTo>
+                  <a:lnTo>
+                    <a:pt x="1511" y="147"/>
+                  </a:lnTo>
+                  <a:lnTo>
+                    <a:pt x="1365" y="269"/>
+                  </a:lnTo>
+                  <a:lnTo>
+                    <a:pt x="1365" y="269"/>
+                  </a:lnTo>
+                  <a:lnTo>
+                    <a:pt x="1219" y="488"/>
+                  </a:lnTo>
+                  <a:lnTo>
+                    <a:pt x="999" y="829"/>
+                  </a:lnTo>
+                  <a:lnTo>
+                    <a:pt x="561" y="1730"/>
+                  </a:lnTo>
+                  <a:lnTo>
+                    <a:pt x="171" y="2558"/>
+                  </a:lnTo>
+                  <a:lnTo>
+                    <a:pt x="1" y="2924"/>
+                  </a:lnTo>
+                  <a:lnTo>
+                    <a:pt x="1" y="2924"/>
+                  </a:lnTo>
+                  <a:lnTo>
+                    <a:pt x="366" y="2753"/>
+                  </a:lnTo>
+                  <a:lnTo>
+                    <a:pt x="1194" y="2363"/>
+                  </a:lnTo>
+                  <a:lnTo>
+                    <a:pt x="2095" y="1925"/>
+                  </a:lnTo>
+                  <a:lnTo>
+                    <a:pt x="2436" y="1706"/>
+                  </a:lnTo>
+                  <a:lnTo>
+                    <a:pt x="2656" y="1560"/>
+                  </a:lnTo>
+                  <a:lnTo>
+                    <a:pt x="2656" y="1560"/>
+                  </a:lnTo>
+                  <a:lnTo>
+                    <a:pt x="2777" y="1414"/>
+                  </a:lnTo>
+                  <a:lnTo>
+                    <a:pt x="2850" y="1243"/>
+                  </a:lnTo>
+                  <a:lnTo>
+                    <a:pt x="2899" y="1073"/>
+                  </a:lnTo>
+                  <a:lnTo>
+                    <a:pt x="2923" y="902"/>
+                  </a:lnTo>
+                  <a:lnTo>
+                    <a:pt x="2899" y="732"/>
+                  </a:lnTo>
+                  <a:lnTo>
+                    <a:pt x="2850" y="561"/>
+                  </a:lnTo>
+                  <a:lnTo>
+                    <a:pt x="2777" y="415"/>
+                  </a:lnTo>
+                  <a:lnTo>
+                    <a:pt x="2656" y="269"/>
+                  </a:lnTo>
+                  <a:lnTo>
+                    <a:pt x="2656" y="269"/>
+                  </a:lnTo>
+                  <a:close/>
+                </a:path>
+              </a:pathLst>
+            </a:custGeom>
+            <a:noFill/>
+            <a:ln w="12175" cap="rnd" cmpd="sng">
+              <a:solidFill>
+                <a:srgbClr val="000000"/>
+              </a:solidFill>
+              <a:prstDash val="solid"/>
+              <a:round/>
+              <a:headEnd type="none" w="med" len="med"/>
+              <a:tailEnd type="none" w="med" len="med"/>
+            </a:ln>
+          </p:spPr>
+          <p:txBody>
+            <a:bodyPr lIns="91425" tIns="91425" rIns="91425" bIns="91425" anchor="ctr" anchorCtr="0">
+              <a:noAutofit/>
+            </a:bodyPr>
+            <a:lstStyle/>
+            <a:p>
+              <a:pPr lvl="0">
+                <a:spcBef>
+                  <a:spcPts val="0"/>
+                </a:spcBef>
+                <a:buNone/>
+              </a:pPr>
+              <a:endParaRPr/>
+            </a:p>
+          </p:txBody>
+        </p:sp>
+        <p:sp>
+          <p:nvSpPr>
+            <p:cNvPr id="132" name="Shape 132"/>
+            <p:cNvSpPr/>
+            <p:nvPr/>
+          </p:nvSpPr>
+          <p:spPr>
+            <a:xfrm>
+              <a:off x="652350" y="4711500"/>
+              <a:ext cx="46925" cy="46925"/>
+            </a:xfrm>
+            <a:custGeom>
+              <a:avLst/>
+              <a:gdLst/>
+              <a:ahLst/>
+              <a:cxnLst/>
+              <a:rect l="0" t="0" r="0" b="0"/>
+              <a:pathLst>
+                <a:path w="1877" h="1877" fill="none" extrusionOk="0">
+                  <a:moveTo>
+                    <a:pt x="1657" y="244"/>
+                  </a:moveTo>
+                  <a:lnTo>
+                    <a:pt x="1657" y="244"/>
+                  </a:lnTo>
+                  <a:lnTo>
+                    <a:pt x="1535" y="147"/>
+                  </a:lnTo>
+                  <a:lnTo>
+                    <a:pt x="1413" y="74"/>
+                  </a:lnTo>
+                  <a:lnTo>
+                    <a:pt x="1267" y="25"/>
+                  </a:lnTo>
+                  <a:lnTo>
+                    <a:pt x="1121" y="1"/>
+                  </a:lnTo>
+                  <a:lnTo>
+                    <a:pt x="975" y="25"/>
+                  </a:lnTo>
+                  <a:lnTo>
+                    <a:pt x="829" y="74"/>
+                  </a:lnTo>
+                  <a:lnTo>
+                    <a:pt x="707" y="147"/>
+                  </a:lnTo>
+                  <a:lnTo>
+                    <a:pt x="585" y="244"/>
+                  </a:lnTo>
+                  <a:lnTo>
+                    <a:pt x="585" y="244"/>
+                  </a:lnTo>
+                  <a:lnTo>
+                    <a:pt x="464" y="391"/>
+                  </a:lnTo>
+                  <a:lnTo>
+                    <a:pt x="366" y="610"/>
+                  </a:lnTo>
+                  <a:lnTo>
+                    <a:pt x="269" y="878"/>
+                  </a:lnTo>
+                  <a:lnTo>
+                    <a:pt x="171" y="1170"/>
+                  </a:lnTo>
+                  <a:lnTo>
+                    <a:pt x="50" y="1681"/>
+                  </a:lnTo>
+                  <a:lnTo>
+                    <a:pt x="1" y="1876"/>
+                  </a:lnTo>
+                  <a:lnTo>
+                    <a:pt x="1" y="1876"/>
+                  </a:lnTo>
+                  <a:lnTo>
+                    <a:pt x="220" y="1852"/>
+                  </a:lnTo>
+                  <a:lnTo>
+                    <a:pt x="731" y="1706"/>
+                  </a:lnTo>
+                  <a:lnTo>
+                    <a:pt x="999" y="1633"/>
+                  </a:lnTo>
+                  <a:lnTo>
+                    <a:pt x="1267" y="1535"/>
+                  </a:lnTo>
+                  <a:lnTo>
+                    <a:pt x="1511" y="1413"/>
+                  </a:lnTo>
+                  <a:lnTo>
+                    <a:pt x="1657" y="1316"/>
+                  </a:lnTo>
+                  <a:lnTo>
+                    <a:pt x="1657" y="1316"/>
+                  </a:lnTo>
+                  <a:lnTo>
+                    <a:pt x="1754" y="1194"/>
+                  </a:lnTo>
+                  <a:lnTo>
+                    <a:pt x="1827" y="1048"/>
+                  </a:lnTo>
+                  <a:lnTo>
+                    <a:pt x="1876" y="926"/>
+                  </a:lnTo>
+                  <a:lnTo>
+                    <a:pt x="1876" y="780"/>
+                  </a:lnTo>
+                  <a:lnTo>
+                    <a:pt x="1876" y="634"/>
+                  </a:lnTo>
+                  <a:lnTo>
+                    <a:pt x="1827" y="488"/>
+                  </a:lnTo>
+                  <a:lnTo>
+                    <a:pt x="1754" y="366"/>
+                  </a:lnTo>
+                  <a:lnTo>
+                    <a:pt x="1657" y="244"/>
+                  </a:lnTo>
+                  <a:lnTo>
+                    <a:pt x="1657" y="244"/>
+                  </a:lnTo>
+                  <a:close/>
+                </a:path>
+              </a:pathLst>
+            </a:custGeom>
+            <a:noFill/>
+            <a:ln w="12175" cap="rnd" cmpd="sng">
+              <a:solidFill>
+                <a:srgbClr val="000000"/>
+              </a:solidFill>
+              <a:prstDash val="solid"/>
+              <a:round/>
+              <a:headEnd type="none" w="med" len="med"/>
+              <a:tailEnd type="none" w="med" len="med"/>
+            </a:ln>
+          </p:spPr>
+          <p:txBody>
+            <a:bodyPr lIns="91425" tIns="91425" rIns="91425" bIns="91425" anchor="ctr" anchorCtr="0">
+              <a:noAutofit/>
+            </a:bodyPr>
+            <a:lstStyle/>
+            <a:p>
+              <a:pPr lvl="0">
+                <a:spcBef>
+                  <a:spcPts val="0"/>
+                </a:spcBef>
+                <a:buNone/>
+              </a:pPr>
+              <a:endParaRPr/>
+            </a:p>
+          </p:txBody>
+        </p:sp>
+        <p:sp>
+          <p:nvSpPr>
+            <p:cNvPr id="133" name="Shape 133"/>
+            <p:cNvSpPr/>
+            <p:nvPr/>
+          </p:nvSpPr>
+          <p:spPr>
+            <a:xfrm>
+              <a:off x="579300" y="4638450"/>
+              <a:ext cx="46900" cy="46900"/>
+            </a:xfrm>
+            <a:custGeom>
+              <a:avLst/>
+              <a:gdLst/>
+              <a:ahLst/>
+              <a:cxnLst/>
+              <a:rect l="0" t="0" r="0" b="0"/>
+              <a:pathLst>
+                <a:path w="1876" h="1876" fill="none" extrusionOk="0">
+                  <a:moveTo>
+                    <a:pt x="1632" y="219"/>
+                  </a:moveTo>
+                  <a:lnTo>
+                    <a:pt x="1632" y="219"/>
+                  </a:lnTo>
+                  <a:lnTo>
+                    <a:pt x="1510" y="122"/>
+                  </a:lnTo>
+                  <a:lnTo>
+                    <a:pt x="1388" y="49"/>
+                  </a:lnTo>
+                  <a:lnTo>
+                    <a:pt x="1242" y="0"/>
+                  </a:lnTo>
+                  <a:lnTo>
+                    <a:pt x="1096" y="0"/>
+                  </a:lnTo>
+                  <a:lnTo>
+                    <a:pt x="950" y="0"/>
+                  </a:lnTo>
+                  <a:lnTo>
+                    <a:pt x="828" y="49"/>
+                  </a:lnTo>
+                  <a:lnTo>
+                    <a:pt x="682" y="122"/>
+                  </a:lnTo>
+                  <a:lnTo>
+                    <a:pt x="560" y="219"/>
+                  </a:lnTo>
+                  <a:lnTo>
+                    <a:pt x="560" y="219"/>
+                  </a:lnTo>
+                  <a:lnTo>
+                    <a:pt x="463" y="366"/>
+                  </a:lnTo>
+                  <a:lnTo>
+                    <a:pt x="341" y="609"/>
+                  </a:lnTo>
+                  <a:lnTo>
+                    <a:pt x="244" y="877"/>
+                  </a:lnTo>
+                  <a:lnTo>
+                    <a:pt x="171" y="1145"/>
+                  </a:lnTo>
+                  <a:lnTo>
+                    <a:pt x="25" y="1656"/>
+                  </a:lnTo>
+                  <a:lnTo>
+                    <a:pt x="0" y="1876"/>
+                  </a:lnTo>
+                  <a:lnTo>
+                    <a:pt x="0" y="1876"/>
+                  </a:lnTo>
+                  <a:lnTo>
+                    <a:pt x="195" y="1827"/>
+                  </a:lnTo>
+                  <a:lnTo>
+                    <a:pt x="707" y="1705"/>
+                  </a:lnTo>
+                  <a:lnTo>
+                    <a:pt x="999" y="1608"/>
+                  </a:lnTo>
+                  <a:lnTo>
+                    <a:pt x="1267" y="1510"/>
+                  </a:lnTo>
+                  <a:lnTo>
+                    <a:pt x="1486" y="1413"/>
+                  </a:lnTo>
+                  <a:lnTo>
+                    <a:pt x="1632" y="1291"/>
+                  </a:lnTo>
+                  <a:lnTo>
+                    <a:pt x="1632" y="1291"/>
+                  </a:lnTo>
+                  <a:lnTo>
+                    <a:pt x="1729" y="1169"/>
+                  </a:lnTo>
+                  <a:lnTo>
+                    <a:pt x="1802" y="1048"/>
+                  </a:lnTo>
+                  <a:lnTo>
+                    <a:pt x="1851" y="901"/>
+                  </a:lnTo>
+                  <a:lnTo>
+                    <a:pt x="1876" y="755"/>
+                  </a:lnTo>
+                  <a:lnTo>
+                    <a:pt x="1851" y="609"/>
+                  </a:lnTo>
+                  <a:lnTo>
+                    <a:pt x="1802" y="463"/>
+                  </a:lnTo>
+                  <a:lnTo>
+                    <a:pt x="1729" y="341"/>
+                  </a:lnTo>
+                  <a:lnTo>
+                    <a:pt x="1632" y="219"/>
+                  </a:lnTo>
+                  <a:lnTo>
+                    <a:pt x="1632" y="219"/>
+                  </a:lnTo>
+                  <a:close/>
+                </a:path>
+              </a:pathLst>
+            </a:custGeom>
+            <a:noFill/>
+            <a:ln w="12175" cap="rnd" cmpd="sng">
+              <a:solidFill>
+                <a:srgbClr val="000000"/>
+              </a:solidFill>
+              <a:prstDash val="solid"/>
+              <a:round/>
+              <a:headEnd type="none" w="med" len="med"/>
+              <a:tailEnd type="none" w="med" len="med"/>
+            </a:ln>
+          </p:spPr>
+          <p:txBody>
+            <a:bodyPr lIns="91425" tIns="91425" rIns="91425" bIns="91425" anchor="ctr" anchorCtr="0">
+              <a:noAutofit/>
+            </a:bodyPr>
+            <a:lstStyle/>
+            <a:p>
+              <a:pPr lvl="0">
+                <a:spcBef>
+                  <a:spcPts val="0"/>
+                </a:spcBef>
+                <a:buNone/>
+              </a:pPr>
+              <a:endParaRPr/>
+            </a:p>
+          </p:txBody>
+        </p:sp>
+      </p:grpSp>
+      <p:sp>
+        <p:nvSpPr>
+          <p:cNvPr id="134" name="Shape 134"/>
+          <p:cNvSpPr/>
+          <p:nvPr/>
+        </p:nvSpPr>
+        <p:spPr>
+          <a:xfrm>
+            <a:off x="3936799" y="1094078"/>
+            <a:ext cx="161807" cy="154499"/>
+          </a:xfrm>
+          <a:custGeom>
+            <a:avLst/>
+            <a:gdLst/>
+            <a:ahLst/>
+            <a:cxnLst/>
+            <a:rect l="0" t="0" r="0" b="0"/>
+            <a:pathLst>
+              <a:path w="15101" h="14419" fill="none" extrusionOk="0">
+                <a:moveTo>
+                  <a:pt x="7234" y="293"/>
+                </a:moveTo>
+                <a:lnTo>
+                  <a:pt x="7234" y="293"/>
+                </a:lnTo>
+                <a:lnTo>
+                  <a:pt x="7307" y="171"/>
+                </a:lnTo>
+                <a:lnTo>
+                  <a:pt x="7380" y="74"/>
+                </a:lnTo>
+                <a:lnTo>
+                  <a:pt x="7477" y="25"/>
+                </a:lnTo>
+                <a:lnTo>
+                  <a:pt x="7550" y="1"/>
+                </a:lnTo>
+                <a:lnTo>
+                  <a:pt x="7623" y="25"/>
+                </a:lnTo>
+                <a:lnTo>
+                  <a:pt x="7721" y="74"/>
+                </a:lnTo>
+                <a:lnTo>
+                  <a:pt x="7794" y="171"/>
+                </a:lnTo>
+                <a:lnTo>
+                  <a:pt x="7867" y="293"/>
+                </a:lnTo>
+                <a:lnTo>
+                  <a:pt x="9523" y="4092"/>
+                </a:lnTo>
+                <a:lnTo>
+                  <a:pt x="9523" y="4092"/>
+                </a:lnTo>
+                <a:lnTo>
+                  <a:pt x="9596" y="4214"/>
+                </a:lnTo>
+                <a:lnTo>
+                  <a:pt x="9718" y="4360"/>
+                </a:lnTo>
+                <a:lnTo>
+                  <a:pt x="9840" y="4482"/>
+                </a:lnTo>
+                <a:lnTo>
+                  <a:pt x="9986" y="4604"/>
+                </a:lnTo>
+                <a:lnTo>
+                  <a:pt x="10132" y="4701"/>
+                </a:lnTo>
+                <a:lnTo>
+                  <a:pt x="10302" y="4774"/>
+                </a:lnTo>
+                <a:lnTo>
+                  <a:pt x="10449" y="4847"/>
+                </a:lnTo>
+                <a:lnTo>
+                  <a:pt x="10619" y="4872"/>
+                </a:lnTo>
+                <a:lnTo>
+                  <a:pt x="14711" y="5286"/>
+                </a:lnTo>
+                <a:lnTo>
+                  <a:pt x="14711" y="5286"/>
+                </a:lnTo>
+                <a:lnTo>
+                  <a:pt x="14857" y="5310"/>
+                </a:lnTo>
+                <a:lnTo>
+                  <a:pt x="14979" y="5359"/>
+                </a:lnTo>
+                <a:lnTo>
+                  <a:pt x="15052" y="5407"/>
+                </a:lnTo>
+                <a:lnTo>
+                  <a:pt x="15100" y="5505"/>
+                </a:lnTo>
+                <a:lnTo>
+                  <a:pt x="15100" y="5578"/>
+                </a:lnTo>
+                <a:lnTo>
+                  <a:pt x="15076" y="5675"/>
+                </a:lnTo>
+                <a:lnTo>
+                  <a:pt x="15027" y="5773"/>
+                </a:lnTo>
+                <a:lnTo>
+                  <a:pt x="14906" y="5895"/>
+                </a:lnTo>
+                <a:lnTo>
+                  <a:pt x="11837" y="8622"/>
+                </a:lnTo>
+                <a:lnTo>
+                  <a:pt x="11837" y="8622"/>
+                </a:lnTo>
+                <a:lnTo>
+                  <a:pt x="11715" y="8744"/>
+                </a:lnTo>
+                <a:lnTo>
+                  <a:pt x="11618" y="8890"/>
+                </a:lnTo>
+                <a:lnTo>
+                  <a:pt x="11545" y="9061"/>
+                </a:lnTo>
+                <a:lnTo>
+                  <a:pt x="11472" y="9231"/>
+                </a:lnTo>
+                <a:lnTo>
+                  <a:pt x="11423" y="9402"/>
+                </a:lnTo>
+                <a:lnTo>
+                  <a:pt x="11398" y="9572"/>
+                </a:lnTo>
+                <a:lnTo>
+                  <a:pt x="11398" y="9743"/>
+                </a:lnTo>
+                <a:lnTo>
+                  <a:pt x="11423" y="9913"/>
+                </a:lnTo>
+                <a:lnTo>
+                  <a:pt x="12300" y="13956"/>
+                </a:lnTo>
+                <a:lnTo>
+                  <a:pt x="12300" y="13956"/>
+                </a:lnTo>
+                <a:lnTo>
+                  <a:pt x="12324" y="14102"/>
+                </a:lnTo>
+                <a:lnTo>
+                  <a:pt x="12300" y="14200"/>
+                </a:lnTo>
+                <a:lnTo>
+                  <a:pt x="12275" y="14297"/>
+                </a:lnTo>
+                <a:lnTo>
+                  <a:pt x="12227" y="14370"/>
+                </a:lnTo>
+                <a:lnTo>
+                  <a:pt x="12129" y="14394"/>
+                </a:lnTo>
+                <a:lnTo>
+                  <a:pt x="12032" y="14419"/>
+                </a:lnTo>
+                <a:lnTo>
+                  <a:pt x="11910" y="14370"/>
+                </a:lnTo>
+                <a:lnTo>
+                  <a:pt x="11788" y="14321"/>
+                </a:lnTo>
+                <a:lnTo>
+                  <a:pt x="8232" y="12227"/>
+                </a:lnTo>
+                <a:lnTo>
+                  <a:pt x="8232" y="12227"/>
+                </a:lnTo>
+                <a:lnTo>
+                  <a:pt x="8086" y="12154"/>
+                </a:lnTo>
+                <a:lnTo>
+                  <a:pt x="7916" y="12105"/>
+                </a:lnTo>
+                <a:lnTo>
+                  <a:pt x="7721" y="12081"/>
+                </a:lnTo>
+                <a:lnTo>
+                  <a:pt x="7550" y="12081"/>
+                </a:lnTo>
+                <a:lnTo>
+                  <a:pt x="7380" y="12081"/>
+                </a:lnTo>
+                <a:lnTo>
+                  <a:pt x="7185" y="12105"/>
+                </a:lnTo>
+                <a:lnTo>
+                  <a:pt x="7015" y="12154"/>
+                </a:lnTo>
+                <a:lnTo>
+                  <a:pt x="6868" y="12227"/>
+                </a:lnTo>
+                <a:lnTo>
+                  <a:pt x="3313" y="14321"/>
+                </a:lnTo>
+                <a:lnTo>
+                  <a:pt x="3313" y="14321"/>
+                </a:lnTo>
+                <a:lnTo>
+                  <a:pt x="3191" y="14370"/>
+                </a:lnTo>
+                <a:lnTo>
+                  <a:pt x="3069" y="14419"/>
+                </a:lnTo>
+                <a:lnTo>
+                  <a:pt x="2972" y="14394"/>
+                </a:lnTo>
+                <a:lnTo>
+                  <a:pt x="2874" y="14370"/>
+                </a:lnTo>
+                <a:lnTo>
+                  <a:pt x="2826" y="14297"/>
+                </a:lnTo>
+                <a:lnTo>
+                  <a:pt x="2801" y="14200"/>
+                </a:lnTo>
+                <a:lnTo>
+                  <a:pt x="2777" y="14102"/>
+                </a:lnTo>
+                <a:lnTo>
+                  <a:pt x="2801" y="13956"/>
+                </a:lnTo>
+                <a:lnTo>
+                  <a:pt x="3678" y="9913"/>
+                </a:lnTo>
+                <a:lnTo>
+                  <a:pt x="3678" y="9913"/>
+                </a:lnTo>
+                <a:lnTo>
+                  <a:pt x="3702" y="9743"/>
+                </a:lnTo>
+                <a:lnTo>
+                  <a:pt x="3702" y="9572"/>
+                </a:lnTo>
+                <a:lnTo>
+                  <a:pt x="3678" y="9402"/>
+                </a:lnTo>
+                <a:lnTo>
+                  <a:pt x="3629" y="9231"/>
+                </a:lnTo>
+                <a:lnTo>
+                  <a:pt x="3556" y="9061"/>
+                </a:lnTo>
+                <a:lnTo>
+                  <a:pt x="3483" y="8890"/>
+                </a:lnTo>
+                <a:lnTo>
+                  <a:pt x="3386" y="8744"/>
+                </a:lnTo>
+                <a:lnTo>
+                  <a:pt x="3264" y="8622"/>
+                </a:lnTo>
+                <a:lnTo>
+                  <a:pt x="195" y="5895"/>
+                </a:lnTo>
+                <a:lnTo>
+                  <a:pt x="195" y="5895"/>
+                </a:lnTo>
+                <a:lnTo>
+                  <a:pt x="73" y="5773"/>
+                </a:lnTo>
+                <a:lnTo>
+                  <a:pt x="25" y="5675"/>
+                </a:lnTo>
+                <a:lnTo>
+                  <a:pt x="0" y="5578"/>
+                </a:lnTo>
+                <a:lnTo>
+                  <a:pt x="0" y="5505"/>
+                </a:lnTo>
+                <a:lnTo>
+                  <a:pt x="49" y="5407"/>
+                </a:lnTo>
+                <a:lnTo>
+                  <a:pt x="122" y="5359"/>
+                </a:lnTo>
+                <a:lnTo>
+                  <a:pt x="244" y="5310"/>
+                </a:lnTo>
+                <a:lnTo>
+                  <a:pt x="390" y="5286"/>
+                </a:lnTo>
+                <a:lnTo>
+                  <a:pt x="4482" y="4872"/>
+                </a:lnTo>
+                <a:lnTo>
+                  <a:pt x="4482" y="4872"/>
+                </a:lnTo>
+                <a:lnTo>
+                  <a:pt x="4652" y="4847"/>
+                </a:lnTo>
+                <a:lnTo>
+                  <a:pt x="4798" y="4774"/>
+                </a:lnTo>
+                <a:lnTo>
+                  <a:pt x="4969" y="4701"/>
+                </a:lnTo>
+                <a:lnTo>
+                  <a:pt x="5115" y="4604"/>
+                </a:lnTo>
+                <a:lnTo>
+                  <a:pt x="5261" y="4482"/>
+                </a:lnTo>
+                <a:lnTo>
+                  <a:pt x="5383" y="4360"/>
+                </a:lnTo>
+                <a:lnTo>
+                  <a:pt x="5505" y="4214"/>
+                </a:lnTo>
+                <a:lnTo>
+                  <a:pt x="5578" y="4092"/>
+                </a:lnTo>
+                <a:lnTo>
+                  <a:pt x="7234" y="293"/>
+                </a:lnTo>
+                <a:close/>
+              </a:path>
+            </a:pathLst>
+          </a:custGeom>
+          <a:noFill/>
+          <a:ln w="12175" cap="rnd" cmpd="sng">
+            <a:solidFill>
+              <a:srgbClr val="000000"/>
+            </a:solidFill>
+            <a:prstDash val="solid"/>
+            <a:round/>
+            <a:headEnd type="none" w="med" len="med"/>
+            <a:tailEnd type="none" w="med" len="med"/>
+          </a:ln>
+        </p:spPr>
+        <p:txBody>
+          <a:bodyPr lIns="91425" tIns="91425" rIns="91425" bIns="91425" anchor="ctr" anchorCtr="0">
+            <a:noAutofit/>
+          </a:bodyPr>
+          <a:lstStyle/>
+          <a:p>
+            <a:pPr lvl="0">
+              <a:spcBef>
+                <a:spcPts val="0"/>
+              </a:spcBef>
+              <a:buNone/>
+            </a:pPr>
+            <a:endParaRPr/>
+          </a:p>
+        </p:txBody>
+      </p:sp>
+      <p:sp>
+        <p:nvSpPr>
+          <p:cNvPr id="135" name="Shape 135"/>
+          <p:cNvSpPr/>
+          <p:nvPr/>
+        </p:nvSpPr>
+        <p:spPr>
+          <a:xfrm rot="2697385">
+            <a:off x="5003062" y="1885038"/>
+            <a:ext cx="245621" cy="234528"/>
+          </a:xfrm>
+          <a:custGeom>
+            <a:avLst/>
+            <a:gdLst/>
+            <a:ahLst/>
+            <a:cxnLst/>
+            <a:rect l="0" t="0" r="0" b="0"/>
+            <a:pathLst>
+              <a:path w="15101" h="14419" fill="none" extrusionOk="0">
+                <a:moveTo>
+                  <a:pt x="7234" y="293"/>
+                </a:moveTo>
+                <a:lnTo>
+                  <a:pt x="7234" y="293"/>
+                </a:lnTo>
+                <a:lnTo>
+                  <a:pt x="7307" y="171"/>
+                </a:lnTo>
+                <a:lnTo>
+                  <a:pt x="7380" y="74"/>
+                </a:lnTo>
+                <a:lnTo>
+                  <a:pt x="7477" y="25"/>
+                </a:lnTo>
+                <a:lnTo>
+                  <a:pt x="7550" y="1"/>
+                </a:lnTo>
+                <a:lnTo>
+                  <a:pt x="7623" y="25"/>
+                </a:lnTo>
+                <a:lnTo>
+                  <a:pt x="7721" y="74"/>
+                </a:lnTo>
+                <a:lnTo>
+                  <a:pt x="7794" y="171"/>
+                </a:lnTo>
+                <a:lnTo>
+                  <a:pt x="7867" y="293"/>
+                </a:lnTo>
+                <a:lnTo>
+                  <a:pt x="9523" y="4092"/>
+                </a:lnTo>
+                <a:lnTo>
+                  <a:pt x="9523" y="4092"/>
+                </a:lnTo>
+                <a:lnTo>
+                  <a:pt x="9596" y="4214"/>
+                </a:lnTo>
+                <a:lnTo>
+                  <a:pt x="9718" y="4360"/>
+                </a:lnTo>
+                <a:lnTo>
+                  <a:pt x="9840" y="4482"/>
+                </a:lnTo>
+                <a:lnTo>
+                  <a:pt x="9986" y="4604"/>
+                </a:lnTo>
+                <a:lnTo>
+                  <a:pt x="10132" y="4701"/>
+                </a:lnTo>
+                <a:lnTo>
+                  <a:pt x="10302" y="4774"/>
+                </a:lnTo>
+                <a:lnTo>
+                  <a:pt x="10449" y="4847"/>
+                </a:lnTo>
+                <a:lnTo>
+                  <a:pt x="10619" y="4872"/>
+                </a:lnTo>
+                <a:lnTo>
+                  <a:pt x="14711" y="5286"/>
+                </a:lnTo>
+                <a:lnTo>
+                  <a:pt x="14711" y="5286"/>
+                </a:lnTo>
+                <a:lnTo>
+                  <a:pt x="14857" y="5310"/>
+                </a:lnTo>
+                <a:lnTo>
+                  <a:pt x="14979" y="5359"/>
+                </a:lnTo>
+                <a:lnTo>
+                  <a:pt x="15052" y="5407"/>
+                </a:lnTo>
+                <a:lnTo>
+                  <a:pt x="15100" y="5505"/>
+                </a:lnTo>
+                <a:lnTo>
+                  <a:pt x="15100" y="5578"/>
+                </a:lnTo>
+                <a:lnTo>
+                  <a:pt x="15076" y="5675"/>
+                </a:lnTo>
+                <a:lnTo>
+                  <a:pt x="15027" y="5773"/>
+                </a:lnTo>
+                <a:lnTo>
+                  <a:pt x="14906" y="5895"/>
+                </a:lnTo>
+                <a:lnTo>
+                  <a:pt x="11837" y="8622"/>
+                </a:lnTo>
+                <a:lnTo>
+                  <a:pt x="11837" y="8622"/>
+                </a:lnTo>
+                <a:lnTo>
+                  <a:pt x="11715" y="8744"/>
+                </a:lnTo>
+                <a:lnTo>
+                  <a:pt x="11618" y="8890"/>
+                </a:lnTo>
+                <a:lnTo>
+                  <a:pt x="11545" y="9061"/>
+                </a:lnTo>
+                <a:lnTo>
+                  <a:pt x="11472" y="9231"/>
+                </a:lnTo>
+                <a:lnTo>
+                  <a:pt x="11423" y="9402"/>
+                </a:lnTo>
+                <a:lnTo>
+                  <a:pt x="11398" y="9572"/>
+                </a:lnTo>
+                <a:lnTo>
+                  <a:pt x="11398" y="9743"/>
+                </a:lnTo>
+                <a:lnTo>
+                  <a:pt x="11423" y="9913"/>
+                </a:lnTo>
+                <a:lnTo>
+                  <a:pt x="12300" y="13956"/>
+                </a:lnTo>
+                <a:lnTo>
+                  <a:pt x="12300" y="13956"/>
+                </a:lnTo>
+                <a:lnTo>
+                  <a:pt x="12324" y="14102"/>
+                </a:lnTo>
+                <a:lnTo>
+                  <a:pt x="12300" y="14200"/>
+                </a:lnTo>
+                <a:lnTo>
+                  <a:pt x="12275" y="14297"/>
+                </a:lnTo>
+                <a:lnTo>
+                  <a:pt x="12227" y="14370"/>
+                </a:lnTo>
+                <a:lnTo>
+                  <a:pt x="12129" y="14394"/>
+                </a:lnTo>
+                <a:lnTo>
+                  <a:pt x="12032" y="14419"/>
+                </a:lnTo>
+                <a:lnTo>
+                  <a:pt x="11910" y="14370"/>
+                </a:lnTo>
+                <a:lnTo>
+                  <a:pt x="11788" y="14321"/>
+                </a:lnTo>
+                <a:lnTo>
+                  <a:pt x="8232" y="12227"/>
+                </a:lnTo>
+                <a:lnTo>
+                  <a:pt x="8232" y="12227"/>
+                </a:lnTo>
+                <a:lnTo>
+                  <a:pt x="8086" y="12154"/>
+                </a:lnTo>
+                <a:lnTo>
+                  <a:pt x="7916" y="12105"/>
+                </a:lnTo>
+                <a:lnTo>
+                  <a:pt x="7721" y="12081"/>
+                </a:lnTo>
+                <a:lnTo>
+                  <a:pt x="7550" y="12081"/>
+                </a:lnTo>
+                <a:lnTo>
+                  <a:pt x="7380" y="12081"/>
+                </a:lnTo>
+                <a:lnTo>
+                  <a:pt x="7185" y="12105"/>
+                </a:lnTo>
+                <a:lnTo>
+                  <a:pt x="7015" y="12154"/>
+                </a:lnTo>
+                <a:lnTo>
+                  <a:pt x="6868" y="12227"/>
+                </a:lnTo>
+                <a:lnTo>
+                  <a:pt x="3313" y="14321"/>
+                </a:lnTo>
+                <a:lnTo>
+                  <a:pt x="3313" y="14321"/>
+                </a:lnTo>
+                <a:lnTo>
+                  <a:pt x="3191" y="14370"/>
+                </a:lnTo>
+                <a:lnTo>
+                  <a:pt x="3069" y="14419"/>
+                </a:lnTo>
+                <a:lnTo>
+                  <a:pt x="2972" y="14394"/>
+                </a:lnTo>
+                <a:lnTo>
+                  <a:pt x="2874" y="14370"/>
+                </a:lnTo>
+                <a:lnTo>
+                  <a:pt x="2826" y="14297"/>
+                </a:lnTo>
+                <a:lnTo>
+                  <a:pt x="2801" y="14200"/>
+                </a:lnTo>
+                <a:lnTo>
+                  <a:pt x="2777" y="14102"/>
+                </a:lnTo>
+                <a:lnTo>
+                  <a:pt x="2801" y="13956"/>
+                </a:lnTo>
+                <a:lnTo>
+                  <a:pt x="3678" y="9913"/>
+                </a:lnTo>
+                <a:lnTo>
+                  <a:pt x="3678" y="9913"/>
+                </a:lnTo>
+                <a:lnTo>
+                  <a:pt x="3702" y="9743"/>
+                </a:lnTo>
+                <a:lnTo>
+                  <a:pt x="3702" y="9572"/>
+                </a:lnTo>
+                <a:lnTo>
+                  <a:pt x="3678" y="9402"/>
+                </a:lnTo>
+                <a:lnTo>
+                  <a:pt x="3629" y="9231"/>
+                </a:lnTo>
+                <a:lnTo>
+                  <a:pt x="3556" y="9061"/>
+                </a:lnTo>
+                <a:lnTo>
+                  <a:pt x="3483" y="8890"/>
+                </a:lnTo>
+                <a:lnTo>
+                  <a:pt x="3386" y="8744"/>
+                </a:lnTo>
+                <a:lnTo>
+                  <a:pt x="3264" y="8622"/>
+                </a:lnTo>
+                <a:lnTo>
+                  <a:pt x="195" y="5895"/>
+                </a:lnTo>
+                <a:lnTo>
+                  <a:pt x="195" y="5895"/>
+                </a:lnTo>
+                <a:lnTo>
+                  <a:pt x="73" y="5773"/>
+                </a:lnTo>
+                <a:lnTo>
+                  <a:pt x="25" y="5675"/>
+                </a:lnTo>
+                <a:lnTo>
+                  <a:pt x="0" y="5578"/>
+                </a:lnTo>
+                <a:lnTo>
+                  <a:pt x="0" y="5505"/>
+                </a:lnTo>
+                <a:lnTo>
+                  <a:pt x="49" y="5407"/>
+                </a:lnTo>
+                <a:lnTo>
+                  <a:pt x="122" y="5359"/>
+                </a:lnTo>
+                <a:lnTo>
+                  <a:pt x="244" y="5310"/>
+                </a:lnTo>
+                <a:lnTo>
+                  <a:pt x="390" y="5286"/>
+                </a:lnTo>
+                <a:lnTo>
+                  <a:pt x="4482" y="4872"/>
+                </a:lnTo>
+                <a:lnTo>
+                  <a:pt x="4482" y="4872"/>
+                </a:lnTo>
+                <a:lnTo>
+                  <a:pt x="4652" y="4847"/>
+                </a:lnTo>
+                <a:lnTo>
+                  <a:pt x="4798" y="4774"/>
+                </a:lnTo>
+                <a:lnTo>
+                  <a:pt x="4969" y="4701"/>
+                </a:lnTo>
+                <a:lnTo>
+                  <a:pt x="5115" y="4604"/>
+                </a:lnTo>
+                <a:lnTo>
+                  <a:pt x="5261" y="4482"/>
+                </a:lnTo>
+                <a:lnTo>
+                  <a:pt x="5383" y="4360"/>
+                </a:lnTo>
+                <a:lnTo>
+                  <a:pt x="5505" y="4214"/>
+                </a:lnTo>
+                <a:lnTo>
+                  <a:pt x="5578" y="4092"/>
+                </a:lnTo>
+                <a:lnTo>
+                  <a:pt x="7234" y="293"/>
+                </a:lnTo>
+                <a:close/>
+              </a:path>
+            </a:pathLst>
+          </a:custGeom>
+          <a:noFill/>
+          <a:ln w="12175" cap="rnd" cmpd="sng">
+            <a:solidFill>
+              <a:srgbClr val="000000"/>
+            </a:solidFill>
+            <a:prstDash val="solid"/>
+            <a:round/>
+            <a:headEnd type="none" w="med" len="med"/>
+            <a:tailEnd type="none" w="med" len="med"/>
+          </a:ln>
+        </p:spPr>
+        <p:txBody>
+          <a:bodyPr lIns="91425" tIns="91425" rIns="91425" bIns="91425" anchor="ctr" anchorCtr="0">
+            <a:noAutofit/>
+          </a:bodyPr>
+          <a:lstStyle/>
+          <a:p>
+            <a:pPr lvl="0">
+              <a:spcBef>
+                <a:spcPts val="0"/>
+              </a:spcBef>
+              <a:buNone/>
+            </a:pPr>
+            <a:endParaRPr/>
+          </a:p>
+        </p:txBody>
+      </p:sp>
+      <p:sp>
+        <p:nvSpPr>
+          <p:cNvPr id="136" name="Shape 136"/>
+          <p:cNvSpPr/>
+          <p:nvPr/>
+        </p:nvSpPr>
+        <p:spPr>
+          <a:xfrm>
+            <a:off x="5197375" y="1751150"/>
+            <a:ext cx="98383" cy="93975"/>
+          </a:xfrm>
+          <a:custGeom>
+            <a:avLst/>
+            <a:gdLst/>
+            <a:ahLst/>
+            <a:cxnLst/>
+            <a:rect l="0" t="0" r="0" b="0"/>
+            <a:pathLst>
+              <a:path w="15101" h="14419" fill="none" extrusionOk="0">
+                <a:moveTo>
+                  <a:pt x="7234" y="293"/>
+                </a:moveTo>
+                <a:lnTo>
+                  <a:pt x="7234" y="293"/>
+                </a:lnTo>
+                <a:lnTo>
+                  <a:pt x="7307" y="171"/>
+                </a:lnTo>
+                <a:lnTo>
+                  <a:pt x="7380" y="74"/>
+                </a:lnTo>
+                <a:lnTo>
+                  <a:pt x="7477" y="25"/>
+                </a:lnTo>
+                <a:lnTo>
+                  <a:pt x="7550" y="1"/>
+                </a:lnTo>
+                <a:lnTo>
+                  <a:pt x="7623" y="25"/>
+                </a:lnTo>
+                <a:lnTo>
+                  <a:pt x="7721" y="74"/>
+                </a:lnTo>
+                <a:lnTo>
+                  <a:pt x="7794" y="171"/>
+                </a:lnTo>
+                <a:lnTo>
+                  <a:pt x="7867" y="293"/>
+                </a:lnTo>
+                <a:lnTo>
+                  <a:pt x="9523" y="4092"/>
+                </a:lnTo>
+                <a:lnTo>
+                  <a:pt x="9523" y="4092"/>
+                </a:lnTo>
+                <a:lnTo>
+                  <a:pt x="9596" y="4214"/>
+                </a:lnTo>
+                <a:lnTo>
+                  <a:pt x="9718" y="4360"/>
+                </a:lnTo>
+                <a:lnTo>
+                  <a:pt x="9840" y="4482"/>
+                </a:lnTo>
+                <a:lnTo>
+                  <a:pt x="9986" y="4604"/>
+                </a:lnTo>
+                <a:lnTo>
+                  <a:pt x="10132" y="4701"/>
+                </a:lnTo>
+                <a:lnTo>
+                  <a:pt x="10302" y="4774"/>
+                </a:lnTo>
+                <a:lnTo>
+                  <a:pt x="10449" y="4847"/>
+                </a:lnTo>
+                <a:lnTo>
+                  <a:pt x="10619" y="4872"/>
+                </a:lnTo>
+                <a:lnTo>
+                  <a:pt x="14711" y="5286"/>
+                </a:lnTo>
+                <a:lnTo>
+                  <a:pt x="14711" y="5286"/>
+                </a:lnTo>
+                <a:lnTo>
+                  <a:pt x="14857" y="5310"/>
+                </a:lnTo>
+                <a:lnTo>
+                  <a:pt x="14979" y="5359"/>
+                </a:lnTo>
+                <a:lnTo>
+                  <a:pt x="15052" y="5407"/>
+                </a:lnTo>
+                <a:lnTo>
+                  <a:pt x="15100" y="5505"/>
+                </a:lnTo>
+                <a:lnTo>
+                  <a:pt x="15100" y="5578"/>
+                </a:lnTo>
+                <a:lnTo>
+                  <a:pt x="15076" y="5675"/>
+                </a:lnTo>
+                <a:lnTo>
+                  <a:pt x="15027" y="5773"/>
+                </a:lnTo>
+                <a:lnTo>
+                  <a:pt x="14906" y="5895"/>
+                </a:lnTo>
+                <a:lnTo>
+                  <a:pt x="11837" y="8622"/>
+                </a:lnTo>
+                <a:lnTo>
+                  <a:pt x="11837" y="8622"/>
+                </a:lnTo>
+                <a:lnTo>
+                  <a:pt x="11715" y="8744"/>
+                </a:lnTo>
+                <a:lnTo>
+                  <a:pt x="11618" y="8890"/>
+                </a:lnTo>
+                <a:lnTo>
+                  <a:pt x="11545" y="9061"/>
+                </a:lnTo>
+                <a:lnTo>
+                  <a:pt x="11472" y="9231"/>
+                </a:lnTo>
+                <a:lnTo>
+                  <a:pt x="11423" y="9402"/>
+                </a:lnTo>
+                <a:lnTo>
+                  <a:pt x="11398" y="9572"/>
+                </a:lnTo>
+                <a:lnTo>
+                  <a:pt x="11398" y="9743"/>
+                </a:lnTo>
+                <a:lnTo>
+                  <a:pt x="11423" y="9913"/>
+                </a:lnTo>
+                <a:lnTo>
+                  <a:pt x="12300" y="13956"/>
+                </a:lnTo>
+                <a:lnTo>
+                  <a:pt x="12300" y="13956"/>
+                </a:lnTo>
+                <a:lnTo>
+                  <a:pt x="12324" y="14102"/>
+                </a:lnTo>
+                <a:lnTo>
+                  <a:pt x="12300" y="14200"/>
+                </a:lnTo>
+                <a:lnTo>
+                  <a:pt x="12275" y="14297"/>
+                </a:lnTo>
+                <a:lnTo>
+                  <a:pt x="12227" y="14370"/>
+                </a:lnTo>
+                <a:lnTo>
+                  <a:pt x="12129" y="14394"/>
+                </a:lnTo>
+                <a:lnTo>
+                  <a:pt x="12032" y="14419"/>
+                </a:lnTo>
+                <a:lnTo>
+                  <a:pt x="11910" y="14370"/>
+                </a:lnTo>
+                <a:lnTo>
+                  <a:pt x="11788" y="14321"/>
+                </a:lnTo>
+                <a:lnTo>
+                  <a:pt x="8232" y="12227"/>
+                </a:lnTo>
+                <a:lnTo>
+                  <a:pt x="8232" y="12227"/>
+                </a:lnTo>
+                <a:lnTo>
+                  <a:pt x="8086" y="12154"/>
+                </a:lnTo>
+                <a:lnTo>
+                  <a:pt x="7916" y="12105"/>
+                </a:lnTo>
+                <a:lnTo>
+                  <a:pt x="7721" y="12081"/>
+                </a:lnTo>
+                <a:lnTo>
+                  <a:pt x="7550" y="12081"/>
+                </a:lnTo>
+                <a:lnTo>
+                  <a:pt x="7380" y="12081"/>
+                </a:lnTo>
+                <a:lnTo>
+                  <a:pt x="7185" y="12105"/>
+                </a:lnTo>
+                <a:lnTo>
+                  <a:pt x="7015" y="12154"/>
+                </a:lnTo>
+                <a:lnTo>
+                  <a:pt x="6868" y="12227"/>
+                </a:lnTo>
+                <a:lnTo>
+                  <a:pt x="3313" y="14321"/>
+                </a:lnTo>
+                <a:lnTo>
+                  <a:pt x="3313" y="14321"/>
+                </a:lnTo>
+                <a:lnTo>
+                  <a:pt x="3191" y="14370"/>
+                </a:lnTo>
+                <a:lnTo>
+                  <a:pt x="3069" y="14419"/>
+                </a:lnTo>
+                <a:lnTo>
+                  <a:pt x="2972" y="14394"/>
+                </a:lnTo>
+                <a:lnTo>
+                  <a:pt x="2874" y="14370"/>
+                </a:lnTo>
+                <a:lnTo>
+                  <a:pt x="2826" y="14297"/>
+                </a:lnTo>
+                <a:lnTo>
+                  <a:pt x="2801" y="14200"/>
+                </a:lnTo>
+                <a:lnTo>
+                  <a:pt x="2777" y="14102"/>
+                </a:lnTo>
+                <a:lnTo>
+                  <a:pt x="2801" y="13956"/>
+                </a:lnTo>
+                <a:lnTo>
+                  <a:pt x="3678" y="9913"/>
+                </a:lnTo>
+                <a:lnTo>
+                  <a:pt x="3678" y="9913"/>
+                </a:lnTo>
+                <a:lnTo>
+                  <a:pt x="3702" y="9743"/>
+                </a:lnTo>
+                <a:lnTo>
+                  <a:pt x="3702" y="9572"/>
+                </a:lnTo>
+                <a:lnTo>
+                  <a:pt x="3678" y="9402"/>
+                </a:lnTo>
+                <a:lnTo>
+                  <a:pt x="3629" y="9231"/>
+                </a:lnTo>
+                <a:lnTo>
+                  <a:pt x="3556" y="9061"/>
+                </a:lnTo>
+                <a:lnTo>
+                  <a:pt x="3483" y="8890"/>
+                </a:lnTo>
+                <a:lnTo>
+                  <a:pt x="3386" y="8744"/>
+                </a:lnTo>
+                <a:lnTo>
+                  <a:pt x="3264" y="8622"/>
+                </a:lnTo>
+                <a:lnTo>
+                  <a:pt x="195" y="5895"/>
+                </a:lnTo>
+                <a:lnTo>
+                  <a:pt x="195" y="5895"/>
+                </a:lnTo>
+                <a:lnTo>
+                  <a:pt x="73" y="5773"/>
+                </a:lnTo>
+                <a:lnTo>
+                  <a:pt x="25" y="5675"/>
+                </a:lnTo>
+                <a:lnTo>
+                  <a:pt x="0" y="5578"/>
+                </a:lnTo>
+                <a:lnTo>
+                  <a:pt x="0" y="5505"/>
+                </a:lnTo>
+                <a:lnTo>
+                  <a:pt x="49" y="5407"/>
+                </a:lnTo>
+                <a:lnTo>
+                  <a:pt x="122" y="5359"/>
+                </a:lnTo>
+                <a:lnTo>
+                  <a:pt x="244" y="5310"/>
+                </a:lnTo>
+                <a:lnTo>
+                  <a:pt x="390" y="5286"/>
+                </a:lnTo>
+                <a:lnTo>
+                  <a:pt x="4482" y="4872"/>
+                </a:lnTo>
+                <a:lnTo>
+                  <a:pt x="4482" y="4872"/>
+                </a:lnTo>
+                <a:lnTo>
+                  <a:pt x="4652" y="4847"/>
+                </a:lnTo>
+                <a:lnTo>
+                  <a:pt x="4798" y="4774"/>
+                </a:lnTo>
+                <a:lnTo>
+                  <a:pt x="4969" y="4701"/>
+                </a:lnTo>
+                <a:lnTo>
+                  <a:pt x="5115" y="4604"/>
+                </a:lnTo>
+                <a:lnTo>
+                  <a:pt x="5261" y="4482"/>
+                </a:lnTo>
+                <a:lnTo>
+                  <a:pt x="5383" y="4360"/>
+                </a:lnTo>
+                <a:lnTo>
+                  <a:pt x="5505" y="4214"/>
+                </a:lnTo>
+                <a:lnTo>
+                  <a:pt x="5578" y="4092"/>
+                </a:lnTo>
+                <a:lnTo>
+                  <a:pt x="7234" y="293"/>
+                </a:lnTo>
+                <a:close/>
+              </a:path>
+            </a:pathLst>
+          </a:custGeom>
+          <a:noFill/>
+          <a:ln w="12175" cap="rnd" cmpd="sng">
+            <a:solidFill>
+              <a:srgbClr val="000000"/>
+            </a:solidFill>
+            <a:prstDash val="solid"/>
+            <a:round/>
+            <a:headEnd type="none" w="med" len="med"/>
+            <a:tailEnd type="none" w="med" len="med"/>
+          </a:ln>
+        </p:spPr>
+        <p:txBody>
+          <a:bodyPr lIns="91425" tIns="91425" rIns="91425" bIns="91425" anchor="ctr" anchorCtr="0">
+            <a:noAutofit/>
+          </a:bodyPr>
+          <a:lstStyle/>
+          <a:p>
+            <a:pPr lvl="0">
+              <a:spcBef>
+                <a:spcPts val="0"/>
+              </a:spcBef>
+              <a:buNone/>
+            </a:pPr>
+            <a:endParaRPr/>
+          </a:p>
+        </p:txBody>
+      </p:sp>
+      <p:sp>
+        <p:nvSpPr>
+          <p:cNvPr id="137" name="Shape 137"/>
+          <p:cNvSpPr/>
+          <p:nvPr/>
+        </p:nvSpPr>
+        <p:spPr>
+          <a:xfrm rot="1280154">
+            <a:off x="3824696" y="1560092"/>
+            <a:ext cx="98367" cy="93971"/>
+          </a:xfrm>
+          <a:custGeom>
+            <a:avLst/>
+            <a:gdLst/>
+            <a:ahLst/>
+            <a:cxnLst/>
+            <a:rect l="0" t="0" r="0" b="0"/>
+            <a:pathLst>
+              <a:path w="15101" h="14419" fill="none" extrusionOk="0">
+                <a:moveTo>
+                  <a:pt x="7234" y="293"/>
+                </a:moveTo>
+                <a:lnTo>
+                  <a:pt x="7234" y="293"/>
+                </a:lnTo>
+                <a:lnTo>
+                  <a:pt x="7307" y="171"/>
+                </a:lnTo>
+                <a:lnTo>
+                  <a:pt x="7380" y="74"/>
+                </a:lnTo>
+                <a:lnTo>
+                  <a:pt x="7477" y="25"/>
+                </a:lnTo>
+                <a:lnTo>
+                  <a:pt x="7550" y="1"/>
+                </a:lnTo>
+                <a:lnTo>
+                  <a:pt x="7623" y="25"/>
+                </a:lnTo>
+                <a:lnTo>
+                  <a:pt x="7721" y="74"/>
+                </a:lnTo>
+                <a:lnTo>
+                  <a:pt x="7794" y="171"/>
+                </a:lnTo>
+                <a:lnTo>
+                  <a:pt x="7867" y="293"/>
+                </a:lnTo>
+                <a:lnTo>
+                  <a:pt x="9523" y="4092"/>
+                </a:lnTo>
+                <a:lnTo>
+                  <a:pt x="9523" y="4092"/>
+                </a:lnTo>
+                <a:lnTo>
+                  <a:pt x="9596" y="4214"/>
+                </a:lnTo>
+                <a:lnTo>
+                  <a:pt x="9718" y="4360"/>
+                </a:lnTo>
+                <a:lnTo>
+                  <a:pt x="9840" y="4482"/>
+                </a:lnTo>
+                <a:lnTo>
+                  <a:pt x="9986" y="4604"/>
+                </a:lnTo>
+                <a:lnTo>
+                  <a:pt x="10132" y="4701"/>
+                </a:lnTo>
+                <a:lnTo>
+                  <a:pt x="10302" y="4774"/>
+                </a:lnTo>
+                <a:lnTo>
+                  <a:pt x="10449" y="4847"/>
+                </a:lnTo>
+                <a:lnTo>
+                  <a:pt x="10619" y="4872"/>
+                </a:lnTo>
+                <a:lnTo>
+                  <a:pt x="14711" y="5286"/>
+                </a:lnTo>
+                <a:lnTo>
+                  <a:pt x="14711" y="5286"/>
+                </a:lnTo>
+                <a:lnTo>
+                  <a:pt x="14857" y="5310"/>
+                </a:lnTo>
+                <a:lnTo>
+                  <a:pt x="14979" y="5359"/>
+                </a:lnTo>
+                <a:lnTo>
+                  <a:pt x="15052" y="5407"/>
+                </a:lnTo>
+                <a:lnTo>
+                  <a:pt x="15100" y="5505"/>
+                </a:lnTo>
+                <a:lnTo>
+                  <a:pt x="15100" y="5578"/>
+                </a:lnTo>
+                <a:lnTo>
+                  <a:pt x="15076" y="5675"/>
+                </a:lnTo>
+                <a:lnTo>
+                  <a:pt x="15027" y="5773"/>
+                </a:lnTo>
+                <a:lnTo>
+                  <a:pt x="14906" y="5895"/>
+                </a:lnTo>
+                <a:lnTo>
+                  <a:pt x="11837" y="8622"/>
+                </a:lnTo>
+                <a:lnTo>
+                  <a:pt x="11837" y="8622"/>
+                </a:lnTo>
+                <a:lnTo>
+                  <a:pt x="11715" y="8744"/>
+                </a:lnTo>
+                <a:lnTo>
+                  <a:pt x="11618" y="8890"/>
+                </a:lnTo>
+                <a:lnTo>
+                  <a:pt x="11545" y="9061"/>
+                </a:lnTo>
+                <a:lnTo>
+                  <a:pt x="11472" y="9231"/>
+                </a:lnTo>
+                <a:lnTo>
+                  <a:pt x="11423" y="9402"/>
+                </a:lnTo>
+                <a:lnTo>
+                  <a:pt x="11398" y="9572"/>
+                </a:lnTo>
+                <a:lnTo>
+                  <a:pt x="11398" y="9743"/>
+                </a:lnTo>
+                <a:lnTo>
+                  <a:pt x="11423" y="9913"/>
+                </a:lnTo>
+                <a:lnTo>
+                  <a:pt x="12300" y="13956"/>
+                </a:lnTo>
+                <a:lnTo>
+                  <a:pt x="12300" y="13956"/>
+                </a:lnTo>
+                <a:lnTo>
+                  <a:pt x="12324" y="14102"/>
+                </a:lnTo>
+                <a:lnTo>
+                  <a:pt x="12300" y="14200"/>
+                </a:lnTo>
+                <a:lnTo>
+                  <a:pt x="12275" y="14297"/>
+                </a:lnTo>
+                <a:lnTo>
+                  <a:pt x="12227" y="14370"/>
+                </a:lnTo>
+                <a:lnTo>
+                  <a:pt x="12129" y="14394"/>
+                </a:lnTo>
+                <a:lnTo>
+                  <a:pt x="12032" y="14419"/>
+                </a:lnTo>
+                <a:lnTo>
+                  <a:pt x="11910" y="14370"/>
+                </a:lnTo>
+                <a:lnTo>
+                  <a:pt x="11788" y="14321"/>
+                </a:lnTo>
+                <a:lnTo>
+                  <a:pt x="8232" y="12227"/>
+                </a:lnTo>
+                <a:lnTo>
+                  <a:pt x="8232" y="12227"/>
+                </a:lnTo>
+                <a:lnTo>
+                  <a:pt x="8086" y="12154"/>
+                </a:lnTo>
+                <a:lnTo>
+                  <a:pt x="7916" y="12105"/>
+                </a:lnTo>
+                <a:lnTo>
+                  <a:pt x="7721" y="12081"/>
+                </a:lnTo>
+                <a:lnTo>
+                  <a:pt x="7550" y="12081"/>
+                </a:lnTo>
+                <a:lnTo>
+                  <a:pt x="7380" y="12081"/>
+                </a:lnTo>
+                <a:lnTo>
+                  <a:pt x="7185" y="12105"/>
+                </a:lnTo>
+                <a:lnTo>
+                  <a:pt x="7015" y="12154"/>
+                </a:lnTo>
+                <a:lnTo>
+                  <a:pt x="6868" y="12227"/>
+                </a:lnTo>
+                <a:lnTo>
+                  <a:pt x="3313" y="14321"/>
+                </a:lnTo>
+                <a:lnTo>
+                  <a:pt x="3313" y="14321"/>
+                </a:lnTo>
+                <a:lnTo>
+                  <a:pt x="3191" y="14370"/>
+                </a:lnTo>
+                <a:lnTo>
+                  <a:pt x="3069" y="14419"/>
+                </a:lnTo>
+                <a:lnTo>
+                  <a:pt x="2972" y="14394"/>
+                </a:lnTo>
+                <a:lnTo>
+                  <a:pt x="2874" y="14370"/>
+                </a:lnTo>
+                <a:lnTo>
+                  <a:pt x="2826" y="14297"/>
+                </a:lnTo>
+                <a:lnTo>
+                  <a:pt x="2801" y="14200"/>
+                </a:lnTo>
+                <a:lnTo>
+                  <a:pt x="2777" y="14102"/>
+                </a:lnTo>
+                <a:lnTo>
+                  <a:pt x="2801" y="13956"/>
+                </a:lnTo>
+                <a:lnTo>
+                  <a:pt x="3678" y="9913"/>
+                </a:lnTo>
+                <a:lnTo>
+                  <a:pt x="3678" y="9913"/>
+                </a:lnTo>
+                <a:lnTo>
+                  <a:pt x="3702" y="9743"/>
+                </a:lnTo>
+                <a:lnTo>
+                  <a:pt x="3702" y="9572"/>
+                </a:lnTo>
+                <a:lnTo>
+                  <a:pt x="3678" y="9402"/>
+                </a:lnTo>
+                <a:lnTo>
+                  <a:pt x="3629" y="9231"/>
+                </a:lnTo>
+                <a:lnTo>
+                  <a:pt x="3556" y="9061"/>
+                </a:lnTo>
+                <a:lnTo>
+                  <a:pt x="3483" y="8890"/>
+                </a:lnTo>
+                <a:lnTo>
+                  <a:pt x="3386" y="8744"/>
+                </a:lnTo>
+                <a:lnTo>
+                  <a:pt x="3264" y="8622"/>
+                </a:lnTo>
+                <a:lnTo>
+                  <a:pt x="195" y="5895"/>
+                </a:lnTo>
+                <a:lnTo>
+                  <a:pt x="195" y="5895"/>
+                </a:lnTo>
+                <a:lnTo>
+                  <a:pt x="73" y="5773"/>
+                </a:lnTo>
+                <a:lnTo>
+                  <a:pt x="25" y="5675"/>
+                </a:lnTo>
+                <a:lnTo>
+                  <a:pt x="0" y="5578"/>
+                </a:lnTo>
+                <a:lnTo>
+                  <a:pt x="0" y="5505"/>
+                </a:lnTo>
+                <a:lnTo>
+                  <a:pt x="49" y="5407"/>
+                </a:lnTo>
+                <a:lnTo>
+                  <a:pt x="122" y="5359"/>
+                </a:lnTo>
+                <a:lnTo>
+                  <a:pt x="244" y="5310"/>
+                </a:lnTo>
+                <a:lnTo>
+                  <a:pt x="390" y="5286"/>
+                </a:lnTo>
+                <a:lnTo>
+                  <a:pt x="4482" y="4872"/>
+                </a:lnTo>
+                <a:lnTo>
+                  <a:pt x="4482" y="4872"/>
+                </a:lnTo>
+                <a:lnTo>
+                  <a:pt x="4652" y="4847"/>
+                </a:lnTo>
+                <a:lnTo>
+                  <a:pt x="4798" y="4774"/>
+                </a:lnTo>
+                <a:lnTo>
+                  <a:pt x="4969" y="4701"/>
+                </a:lnTo>
+                <a:lnTo>
+                  <a:pt x="5115" y="4604"/>
+                </a:lnTo>
+                <a:lnTo>
+                  <a:pt x="5261" y="4482"/>
+                </a:lnTo>
+                <a:lnTo>
+                  <a:pt x="5383" y="4360"/>
+                </a:lnTo>
+                <a:lnTo>
+                  <a:pt x="5505" y="4214"/>
+                </a:lnTo>
+                <a:lnTo>
+                  <a:pt x="5578" y="4092"/>
+                </a:lnTo>
+                <a:lnTo>
+                  <a:pt x="7234" y="293"/>
+                </a:lnTo>
+                <a:close/>
+              </a:path>
+            </a:pathLst>
+          </a:custGeom>
+          <a:noFill/>
+          <a:ln w="12175" cap="rnd" cmpd="sng">
+            <a:solidFill>
+              <a:srgbClr val="000000"/>
+            </a:solidFill>
+            <a:prstDash val="solid"/>
+            <a:round/>
+            <a:headEnd type="none" w="med" len="med"/>
+            <a:tailEnd type="none" w="med" len="med"/>
+          </a:ln>
+        </p:spPr>
+        <p:txBody>
+          <a:bodyPr lIns="91425" tIns="91425" rIns="91425" bIns="91425" anchor="ctr" anchorCtr="0">
+            <a:noAutofit/>
+          </a:bodyPr>
+          <a:lstStyle/>
+          <a:p>
+            <a:pPr lvl="0">
+              <a:spcBef>
+                <a:spcPts val="0"/>
+              </a:spcBef>
+              <a:buNone/>
+            </a:pPr>
+            <a:endParaRPr/>
+          </a:p>
+        </p:txBody>
+      </p:sp>
+    </p:spTree>
+    <p:extLst>
+      <p:ext uri="{BB962C8B-B14F-4D97-AF65-F5344CB8AC3E}">
+        <p14:creationId xmlns:p14="http://schemas.microsoft.com/office/powerpoint/2010/main" val="3746366075"/>
+      </p:ext>
+    </p:extLst>
+  </p:cSld>
+  <p:clrMapOvr>
+    <a:masterClrMapping/>
+  </p:clrMapOvr>
+  <p:transition spd="slow">
+    <p:fade/>
+  </p:transition>
+</p:sld>
+</file>
+
+<file path=ppt/slides/slide17.xml><?xml version="1.0" encoding="utf-8"?>
 <p:sld xmlns:a="http://schemas.openxmlformats.org/drawingml/2006/main" xmlns:r="http://schemas.openxmlformats.org/officeDocument/2006/relationships" xmlns:p="http://schemas.openxmlformats.org/presentationml/2006/main">
   <p:cSld>
     <p:spTree>
@@ -12824,3732 +16543,6 @@
     <p:extLst>
       <p:ext uri="{BB962C8B-B14F-4D97-AF65-F5344CB8AC3E}">
         <p14:creationId xmlns:p14="http://schemas.microsoft.com/office/powerpoint/2010/main" val="2029010148"/>
-      </p:ext>
-    </p:extLst>
-  </p:cSld>
-  <p:clrMapOvr>
-    <a:masterClrMapping/>
-  </p:clrMapOvr>
-  <p:transition spd="slow">
-    <p:fade/>
-  </p:transition>
-</p:sld>
-</file>
-
-<file path=ppt/slides/slide17.xml><?xml version="1.0" encoding="utf-8"?>
-<p:sld xmlns:a="http://schemas.openxmlformats.org/drawingml/2006/main" xmlns:r="http://schemas.openxmlformats.org/officeDocument/2006/relationships" xmlns:p="http://schemas.openxmlformats.org/presentationml/2006/main">
-  <p:cSld>
-    <p:spTree>
-      <p:nvGrpSpPr>
-        <p:cNvPr id="1" name="Shape 121"/>
-        <p:cNvGrpSpPr/>
-        <p:nvPr/>
-      </p:nvGrpSpPr>
-      <p:grpSpPr>
-        <a:xfrm>
-          <a:off x="0" y="0"/>
-          <a:ext cx="0" cy="0"/>
-          <a:chOff x="0" y="0"/>
-          <a:chExt cx="0" cy="0"/>
-        </a:xfrm>
-      </p:grpSpPr>
-      <p:sp>
-        <p:nvSpPr>
-          <p:cNvPr id="122" name="Shape 122"/>
-          <p:cNvSpPr txBox="1">
-            <a:spLocks noGrp="1"/>
-          </p:cNvSpPr>
-          <p:nvPr>
-            <p:ph type="ctrTitle" idx="4294967295"/>
-          </p:nvPr>
-        </p:nvSpPr>
-        <p:spPr>
-          <a:xfrm>
-            <a:off x="150" y="2878750"/>
-            <a:ext cx="9143850" cy="1159799"/>
-          </a:xfrm>
-          <a:prstGeom prst="rect">
-            <a:avLst/>
-          </a:prstGeom>
-        </p:spPr>
-        <p:txBody>
-          <a:bodyPr lIns="91425" tIns="91425" rIns="91425" bIns="91425" anchor="ctr" anchorCtr="0">
-            <a:noAutofit/>
-          </a:bodyPr>
-          <a:lstStyle/>
-          <a:p>
-            <a:pPr lvl="0" algn="ctr" rtl="0">
-              <a:spcBef>
-                <a:spcPts val="0"/>
-              </a:spcBef>
-              <a:buNone/>
-            </a:pPr>
-            <a:r>
-              <a:rPr lang="en" sz="4400" dirty="0" smtClean="0">
-                <a:highlight>
-                  <a:srgbClr val="FFCD00"/>
-                </a:highlight>
-              </a:rPr>
-              <a:t>Single Responsibility Principle</a:t>
-            </a:r>
-            <a:endParaRPr lang="en" sz="4400" dirty="0">
-              <a:highlight>
-                <a:srgbClr val="FFCD00"/>
-              </a:highlight>
-            </a:endParaRPr>
-          </a:p>
-        </p:txBody>
-      </p:sp>
-      <p:sp>
-        <p:nvSpPr>
-          <p:cNvPr id="123" name="Shape 123"/>
-          <p:cNvSpPr txBox="1">
-            <a:spLocks noGrp="1"/>
-          </p:cNvSpPr>
-          <p:nvPr>
-            <p:ph type="subTitle" idx="4294967295"/>
-          </p:nvPr>
-        </p:nvSpPr>
-        <p:spPr>
-          <a:xfrm>
-            <a:off x="1951575" y="3792554"/>
-            <a:ext cx="5240999" cy="784799"/>
-          </a:xfrm>
-          <a:prstGeom prst="rect">
-            <a:avLst/>
-          </a:prstGeom>
-        </p:spPr>
-        <p:txBody>
-          <a:bodyPr lIns="91425" tIns="91425" rIns="91425" bIns="91425" anchor="t" anchorCtr="0">
-            <a:noAutofit/>
-          </a:bodyPr>
-          <a:lstStyle/>
-          <a:p>
-            <a:pPr algn="ctr">
-              <a:spcBef>
-                <a:spcPts val="0"/>
-              </a:spcBef>
-              <a:buNone/>
-            </a:pPr>
-            <a:r>
-              <a:rPr lang="en" sz="1800" dirty="0" smtClean="0"/>
-              <a:t>Komplexität </a:t>
-            </a:r>
-            <a:r>
-              <a:rPr lang="de-DE" sz="1800" dirty="0"/>
-              <a:t>•</a:t>
-            </a:r>
-            <a:r>
-              <a:rPr lang="en" sz="1800" dirty="0" smtClean="0"/>
-              <a:t> </a:t>
-            </a:r>
-            <a:r>
-              <a:rPr lang="de-DE" sz="1800" dirty="0" smtClean="0"/>
-              <a:t>Wartbarkeit </a:t>
-            </a:r>
-            <a:r>
-              <a:rPr lang="de-DE" sz="1800" dirty="0"/>
-              <a:t>• </a:t>
-            </a:r>
-            <a:r>
-              <a:rPr lang="de-DE" sz="1800" dirty="0" smtClean="0"/>
-              <a:t>Fehleranfälligkeit</a:t>
-            </a:r>
-            <a:endParaRPr lang="en" sz="1800" dirty="0"/>
-          </a:p>
-        </p:txBody>
-      </p:sp>
-      <p:cxnSp>
-        <p:nvCxnSpPr>
-          <p:cNvPr id="124" name="Shape 124"/>
-          <p:cNvCxnSpPr/>
-          <p:nvPr/>
-        </p:nvCxnSpPr>
-        <p:spPr>
-          <a:xfrm>
-            <a:off x="-6025" y="1668728"/>
-            <a:ext cx="9161999" cy="0"/>
-          </a:xfrm>
-          <a:prstGeom prst="straightConnector1">
-            <a:avLst/>
-          </a:prstGeom>
-          <a:noFill/>
-          <a:ln w="9525" cap="flat" cmpd="sng">
-            <a:solidFill>
-              <a:srgbClr val="CCCCCC"/>
-            </a:solidFill>
-            <a:prstDash val="solid"/>
-            <a:round/>
-            <a:headEnd type="none" w="lg" len="lg"/>
-            <a:tailEnd type="none" w="lg" len="lg"/>
-          </a:ln>
-        </p:spPr>
-      </p:cxnSp>
-      <p:sp>
-        <p:nvSpPr>
-          <p:cNvPr id="125" name="Shape 125"/>
-          <p:cNvSpPr/>
-          <p:nvPr/>
-        </p:nvSpPr>
-        <p:spPr>
-          <a:xfrm>
-            <a:off x="3470200" y="566931"/>
-            <a:ext cx="2203499" cy="2203499"/>
-          </a:xfrm>
-          <a:prstGeom prst="ellipse">
-            <a:avLst/>
-          </a:prstGeom>
-          <a:solidFill>
-            <a:srgbClr val="FFCD00"/>
-          </a:solidFill>
-          <a:ln>
-            <a:noFill/>
-          </a:ln>
-        </p:spPr>
-        <p:txBody>
-          <a:bodyPr lIns="91425" tIns="91425" rIns="91425" bIns="91425" anchor="ctr" anchorCtr="0">
-            <a:noAutofit/>
-          </a:bodyPr>
-          <a:lstStyle/>
-          <a:p>
-            <a:pPr lvl="0" rtl="0">
-              <a:spcBef>
-                <a:spcPts val="0"/>
-              </a:spcBef>
-              <a:buNone/>
-            </a:pPr>
-            <a:endParaRPr/>
-          </a:p>
-        </p:txBody>
-      </p:sp>
-      <p:grpSp>
-        <p:nvGrpSpPr>
-          <p:cNvPr id="126" name="Shape 126"/>
-          <p:cNvGrpSpPr/>
-          <p:nvPr/>
-        </p:nvGrpSpPr>
-        <p:grpSpPr>
-          <a:xfrm>
-            <a:off x="4184367" y="854983"/>
-            <a:ext cx="1035173" cy="1035155"/>
-            <a:chOff x="6643075" y="3664250"/>
-            <a:chExt cx="407950" cy="407975"/>
-          </a:xfrm>
-        </p:grpSpPr>
-        <p:sp>
-          <p:nvSpPr>
-            <p:cNvPr id="127" name="Shape 127"/>
-            <p:cNvSpPr/>
-            <p:nvPr/>
-          </p:nvSpPr>
-          <p:spPr>
-            <a:xfrm>
-              <a:off x="6794075" y="3815250"/>
-              <a:ext cx="211300" cy="211300"/>
-            </a:xfrm>
-            <a:custGeom>
-              <a:avLst/>
-              <a:gdLst/>
-              <a:ahLst/>
-              <a:cxnLst/>
-              <a:rect l="0" t="0" r="0" b="0"/>
-              <a:pathLst>
-                <a:path w="8452" h="8452" fill="none" extrusionOk="0">
-                  <a:moveTo>
-                    <a:pt x="0" y="8135"/>
-                  </a:moveTo>
-                  <a:lnTo>
-                    <a:pt x="0" y="8135"/>
-                  </a:lnTo>
-                  <a:lnTo>
-                    <a:pt x="438" y="8257"/>
-                  </a:lnTo>
-                  <a:lnTo>
-                    <a:pt x="852" y="8354"/>
-                  </a:lnTo>
-                  <a:lnTo>
-                    <a:pt x="1291" y="8403"/>
-                  </a:lnTo>
-                  <a:lnTo>
-                    <a:pt x="1729" y="8452"/>
-                  </a:lnTo>
-                  <a:lnTo>
-                    <a:pt x="2168" y="8452"/>
-                  </a:lnTo>
-                  <a:lnTo>
-                    <a:pt x="2606" y="8427"/>
-                  </a:lnTo>
-                  <a:lnTo>
-                    <a:pt x="3020" y="8378"/>
-                  </a:lnTo>
-                  <a:lnTo>
-                    <a:pt x="3458" y="8281"/>
-                  </a:lnTo>
-                  <a:lnTo>
-                    <a:pt x="3872" y="8184"/>
-                  </a:lnTo>
-                  <a:lnTo>
-                    <a:pt x="4311" y="8037"/>
-                  </a:lnTo>
-                  <a:lnTo>
-                    <a:pt x="4701" y="7867"/>
-                  </a:lnTo>
-                  <a:lnTo>
-                    <a:pt x="5115" y="7672"/>
-                  </a:lnTo>
-                  <a:lnTo>
-                    <a:pt x="5504" y="7429"/>
-                  </a:lnTo>
-                  <a:lnTo>
-                    <a:pt x="5870" y="7185"/>
-                  </a:lnTo>
-                  <a:lnTo>
-                    <a:pt x="6235" y="6893"/>
-                  </a:lnTo>
-                  <a:lnTo>
-                    <a:pt x="6576" y="6576"/>
-                  </a:lnTo>
-                  <a:lnTo>
-                    <a:pt x="6576" y="6576"/>
-                  </a:lnTo>
-                  <a:lnTo>
-                    <a:pt x="6892" y="6235"/>
-                  </a:lnTo>
-                  <a:lnTo>
-                    <a:pt x="7185" y="5870"/>
-                  </a:lnTo>
-                  <a:lnTo>
-                    <a:pt x="7428" y="5505"/>
-                  </a:lnTo>
-                  <a:lnTo>
-                    <a:pt x="7672" y="5115"/>
-                  </a:lnTo>
-                  <a:lnTo>
-                    <a:pt x="7867" y="4701"/>
-                  </a:lnTo>
-                  <a:lnTo>
-                    <a:pt x="8037" y="4311"/>
-                  </a:lnTo>
-                  <a:lnTo>
-                    <a:pt x="8183" y="3873"/>
-                  </a:lnTo>
-                  <a:lnTo>
-                    <a:pt x="8281" y="3459"/>
-                  </a:lnTo>
-                  <a:lnTo>
-                    <a:pt x="8378" y="3020"/>
-                  </a:lnTo>
-                  <a:lnTo>
-                    <a:pt x="8427" y="2606"/>
-                  </a:lnTo>
-                  <a:lnTo>
-                    <a:pt x="8451" y="2168"/>
-                  </a:lnTo>
-                  <a:lnTo>
-                    <a:pt x="8451" y="1730"/>
-                  </a:lnTo>
-                  <a:lnTo>
-                    <a:pt x="8402" y="1291"/>
-                  </a:lnTo>
-                  <a:lnTo>
-                    <a:pt x="8354" y="853"/>
-                  </a:lnTo>
-                  <a:lnTo>
-                    <a:pt x="8256" y="439"/>
-                  </a:lnTo>
-                  <a:lnTo>
-                    <a:pt x="8135" y="0"/>
-                  </a:lnTo>
-                </a:path>
-              </a:pathLst>
-            </a:custGeom>
-            <a:noFill/>
-            <a:ln w="12175" cap="rnd" cmpd="sng">
-              <a:solidFill>
-                <a:srgbClr val="000000"/>
-              </a:solidFill>
-              <a:prstDash val="solid"/>
-              <a:round/>
-              <a:headEnd type="none" w="med" len="med"/>
-              <a:tailEnd type="none" w="med" len="med"/>
-            </a:ln>
-          </p:spPr>
-          <p:txBody>
-            <a:bodyPr lIns="91425" tIns="91425" rIns="91425" bIns="91425" anchor="ctr" anchorCtr="0">
-              <a:noAutofit/>
-            </a:bodyPr>
-            <a:lstStyle/>
-            <a:p>
-              <a:pPr lvl="0">
-                <a:spcBef>
-                  <a:spcPts val="0"/>
-                </a:spcBef>
-                <a:buNone/>
-              </a:pPr>
-              <a:endParaRPr/>
-            </a:p>
-          </p:txBody>
-        </p:sp>
-        <p:sp>
-          <p:nvSpPr>
-            <p:cNvPr id="128" name="Shape 128"/>
-            <p:cNvSpPr/>
-            <p:nvPr/>
-          </p:nvSpPr>
-          <p:spPr>
-            <a:xfrm>
-              <a:off x="6643075" y="3664250"/>
-              <a:ext cx="407950" cy="407975"/>
-            </a:xfrm>
-            <a:custGeom>
-              <a:avLst/>
-              <a:gdLst/>
-              <a:ahLst/>
-              <a:cxnLst/>
-              <a:rect l="0" t="0" r="0" b="0"/>
-              <a:pathLst>
-                <a:path w="16318" h="16319" fill="none" extrusionOk="0">
-                  <a:moveTo>
-                    <a:pt x="16074" y="244"/>
-                  </a:moveTo>
-                  <a:lnTo>
-                    <a:pt x="16074" y="244"/>
-                  </a:lnTo>
-                  <a:lnTo>
-                    <a:pt x="15928" y="122"/>
-                  </a:lnTo>
-                  <a:lnTo>
-                    <a:pt x="15758" y="49"/>
-                  </a:lnTo>
-                  <a:lnTo>
-                    <a:pt x="15538" y="0"/>
-                  </a:lnTo>
-                  <a:lnTo>
-                    <a:pt x="15319" y="0"/>
-                  </a:lnTo>
-                  <a:lnTo>
-                    <a:pt x="15051" y="25"/>
-                  </a:lnTo>
-                  <a:lnTo>
-                    <a:pt x="14759" y="73"/>
-                  </a:lnTo>
-                  <a:lnTo>
-                    <a:pt x="14442" y="171"/>
-                  </a:lnTo>
-                  <a:lnTo>
-                    <a:pt x="14102" y="293"/>
-                  </a:lnTo>
-                  <a:lnTo>
-                    <a:pt x="13736" y="439"/>
-                  </a:lnTo>
-                  <a:lnTo>
-                    <a:pt x="13347" y="609"/>
-                  </a:lnTo>
-                  <a:lnTo>
-                    <a:pt x="12957" y="828"/>
-                  </a:lnTo>
-                  <a:lnTo>
-                    <a:pt x="12543" y="1048"/>
-                  </a:lnTo>
-                  <a:lnTo>
-                    <a:pt x="11666" y="1608"/>
-                  </a:lnTo>
-                  <a:lnTo>
-                    <a:pt x="10716" y="2265"/>
-                  </a:lnTo>
-                  <a:lnTo>
-                    <a:pt x="10716" y="2265"/>
-                  </a:lnTo>
-                  <a:lnTo>
-                    <a:pt x="10278" y="2095"/>
-                  </a:lnTo>
-                  <a:lnTo>
-                    <a:pt x="9815" y="1949"/>
-                  </a:lnTo>
-                  <a:lnTo>
-                    <a:pt x="9352" y="1851"/>
-                  </a:lnTo>
-                  <a:lnTo>
-                    <a:pt x="8890" y="1778"/>
-                  </a:lnTo>
-                  <a:lnTo>
-                    <a:pt x="8427" y="1730"/>
-                  </a:lnTo>
-                  <a:lnTo>
-                    <a:pt x="7940" y="1730"/>
-                  </a:lnTo>
-                  <a:lnTo>
-                    <a:pt x="7477" y="1778"/>
-                  </a:lnTo>
-                  <a:lnTo>
-                    <a:pt x="7014" y="1827"/>
-                  </a:lnTo>
-                  <a:lnTo>
-                    <a:pt x="6551" y="1924"/>
-                  </a:lnTo>
-                  <a:lnTo>
-                    <a:pt x="6089" y="2070"/>
-                  </a:lnTo>
-                  <a:lnTo>
-                    <a:pt x="5650" y="2241"/>
-                  </a:lnTo>
-                  <a:lnTo>
-                    <a:pt x="5212" y="2436"/>
-                  </a:lnTo>
-                  <a:lnTo>
-                    <a:pt x="4774" y="2679"/>
-                  </a:lnTo>
-                  <a:lnTo>
-                    <a:pt x="4384" y="2972"/>
-                  </a:lnTo>
-                  <a:lnTo>
-                    <a:pt x="3994" y="3264"/>
-                  </a:lnTo>
-                  <a:lnTo>
-                    <a:pt x="3605" y="3605"/>
-                  </a:lnTo>
-                  <a:lnTo>
-                    <a:pt x="3605" y="3605"/>
-                  </a:lnTo>
-                  <a:lnTo>
-                    <a:pt x="3264" y="3995"/>
-                  </a:lnTo>
-                  <a:lnTo>
-                    <a:pt x="2971" y="4384"/>
-                  </a:lnTo>
-                  <a:lnTo>
-                    <a:pt x="2679" y="4774"/>
-                  </a:lnTo>
-                  <a:lnTo>
-                    <a:pt x="2436" y="5212"/>
-                  </a:lnTo>
-                  <a:lnTo>
-                    <a:pt x="2241" y="5651"/>
-                  </a:lnTo>
-                  <a:lnTo>
-                    <a:pt x="2070" y="6089"/>
-                  </a:lnTo>
-                  <a:lnTo>
-                    <a:pt x="1924" y="6552"/>
-                  </a:lnTo>
-                  <a:lnTo>
-                    <a:pt x="1827" y="7015"/>
-                  </a:lnTo>
-                  <a:lnTo>
-                    <a:pt x="1778" y="7477"/>
-                  </a:lnTo>
-                  <a:lnTo>
-                    <a:pt x="1729" y="7940"/>
-                  </a:lnTo>
-                  <a:lnTo>
-                    <a:pt x="1729" y="8427"/>
-                  </a:lnTo>
-                  <a:lnTo>
-                    <a:pt x="1778" y="8890"/>
-                  </a:lnTo>
-                  <a:lnTo>
-                    <a:pt x="1851" y="9353"/>
-                  </a:lnTo>
-                  <a:lnTo>
-                    <a:pt x="1948" y="9815"/>
-                  </a:lnTo>
-                  <a:lnTo>
-                    <a:pt x="2095" y="10278"/>
-                  </a:lnTo>
-                  <a:lnTo>
-                    <a:pt x="2265" y="10716"/>
-                  </a:lnTo>
-                  <a:lnTo>
-                    <a:pt x="2265" y="10716"/>
-                  </a:lnTo>
-                  <a:lnTo>
-                    <a:pt x="1607" y="11666"/>
-                  </a:lnTo>
-                  <a:lnTo>
-                    <a:pt x="1047" y="12543"/>
-                  </a:lnTo>
-                  <a:lnTo>
-                    <a:pt x="828" y="12957"/>
-                  </a:lnTo>
-                  <a:lnTo>
-                    <a:pt x="609" y="13347"/>
-                  </a:lnTo>
-                  <a:lnTo>
-                    <a:pt x="438" y="13737"/>
-                  </a:lnTo>
-                  <a:lnTo>
-                    <a:pt x="292" y="14102"/>
-                  </a:lnTo>
-                  <a:lnTo>
-                    <a:pt x="170" y="14443"/>
-                  </a:lnTo>
-                  <a:lnTo>
-                    <a:pt x="73" y="14759"/>
-                  </a:lnTo>
-                  <a:lnTo>
-                    <a:pt x="24" y="15052"/>
-                  </a:lnTo>
-                  <a:lnTo>
-                    <a:pt x="0" y="15320"/>
-                  </a:lnTo>
-                  <a:lnTo>
-                    <a:pt x="0" y="15539"/>
-                  </a:lnTo>
-                  <a:lnTo>
-                    <a:pt x="49" y="15758"/>
-                  </a:lnTo>
-                  <a:lnTo>
-                    <a:pt x="122" y="15928"/>
-                  </a:lnTo>
-                  <a:lnTo>
-                    <a:pt x="244" y="16075"/>
-                  </a:lnTo>
-                  <a:lnTo>
-                    <a:pt x="244" y="16075"/>
-                  </a:lnTo>
-                  <a:lnTo>
-                    <a:pt x="341" y="16172"/>
-                  </a:lnTo>
-                  <a:lnTo>
-                    <a:pt x="487" y="16245"/>
-                  </a:lnTo>
-                  <a:lnTo>
-                    <a:pt x="633" y="16294"/>
-                  </a:lnTo>
-                  <a:lnTo>
-                    <a:pt x="804" y="16318"/>
-                  </a:lnTo>
-                  <a:lnTo>
-                    <a:pt x="974" y="16318"/>
-                  </a:lnTo>
-                  <a:lnTo>
-                    <a:pt x="1169" y="16318"/>
-                  </a:lnTo>
-                  <a:lnTo>
-                    <a:pt x="1388" y="16269"/>
-                  </a:lnTo>
-                  <a:lnTo>
-                    <a:pt x="1632" y="16221"/>
-                  </a:lnTo>
-                  <a:lnTo>
-                    <a:pt x="2143" y="16075"/>
-                  </a:lnTo>
-                  <a:lnTo>
-                    <a:pt x="2703" y="15831"/>
-                  </a:lnTo>
-                  <a:lnTo>
-                    <a:pt x="3312" y="15539"/>
-                  </a:lnTo>
-                  <a:lnTo>
-                    <a:pt x="3946" y="15149"/>
-                  </a:lnTo>
-                  <a:lnTo>
-                    <a:pt x="4652" y="14711"/>
-                  </a:lnTo>
-                  <a:lnTo>
-                    <a:pt x="5358" y="14224"/>
-                  </a:lnTo>
-                  <a:lnTo>
-                    <a:pt x="6113" y="13663"/>
-                  </a:lnTo>
-                  <a:lnTo>
-                    <a:pt x="6892" y="13055"/>
-                  </a:lnTo>
-                  <a:lnTo>
-                    <a:pt x="7696" y="12397"/>
-                  </a:lnTo>
-                  <a:lnTo>
-                    <a:pt x="8500" y="11691"/>
-                  </a:lnTo>
-                  <a:lnTo>
-                    <a:pt x="9304" y="10936"/>
-                  </a:lnTo>
-                  <a:lnTo>
-                    <a:pt x="10132" y="10132"/>
-                  </a:lnTo>
-                  <a:lnTo>
-                    <a:pt x="10132" y="10132"/>
-                  </a:lnTo>
-                  <a:lnTo>
-                    <a:pt x="10935" y="9304"/>
-                  </a:lnTo>
-                  <a:lnTo>
-                    <a:pt x="11690" y="8500"/>
-                  </a:lnTo>
-                  <a:lnTo>
-                    <a:pt x="12397" y="7696"/>
-                  </a:lnTo>
-                  <a:lnTo>
-                    <a:pt x="13054" y="6893"/>
-                  </a:lnTo>
-                  <a:lnTo>
-                    <a:pt x="13663" y="6113"/>
-                  </a:lnTo>
-                  <a:lnTo>
-                    <a:pt x="14223" y="5358"/>
-                  </a:lnTo>
-                  <a:lnTo>
-                    <a:pt x="14710" y="4652"/>
-                  </a:lnTo>
-                  <a:lnTo>
-                    <a:pt x="15149" y="3946"/>
-                  </a:lnTo>
-                  <a:lnTo>
-                    <a:pt x="15538" y="3313"/>
-                  </a:lnTo>
-                  <a:lnTo>
-                    <a:pt x="15831" y="2704"/>
-                  </a:lnTo>
-                  <a:lnTo>
-                    <a:pt x="16074" y="2144"/>
-                  </a:lnTo>
-                  <a:lnTo>
-                    <a:pt x="16220" y="1632"/>
-                  </a:lnTo>
-                  <a:lnTo>
-                    <a:pt x="16269" y="1389"/>
-                  </a:lnTo>
-                  <a:lnTo>
-                    <a:pt x="16318" y="1169"/>
-                  </a:lnTo>
-                  <a:lnTo>
-                    <a:pt x="16318" y="975"/>
-                  </a:lnTo>
-                  <a:lnTo>
-                    <a:pt x="16318" y="804"/>
-                  </a:lnTo>
-                  <a:lnTo>
-                    <a:pt x="16293" y="634"/>
-                  </a:lnTo>
-                  <a:lnTo>
-                    <a:pt x="16245" y="487"/>
-                  </a:lnTo>
-                  <a:lnTo>
-                    <a:pt x="16172" y="341"/>
-                  </a:lnTo>
-                  <a:lnTo>
-                    <a:pt x="16074" y="244"/>
-                  </a:lnTo>
-                  <a:lnTo>
-                    <a:pt x="16074" y="244"/>
-                  </a:lnTo>
-                  <a:close/>
-                  <a:moveTo>
-                    <a:pt x="1827" y="13810"/>
-                  </a:moveTo>
-                  <a:lnTo>
-                    <a:pt x="1827" y="13810"/>
-                  </a:lnTo>
-                  <a:lnTo>
-                    <a:pt x="1754" y="13737"/>
-                  </a:lnTo>
-                  <a:lnTo>
-                    <a:pt x="1729" y="13639"/>
-                  </a:lnTo>
-                  <a:lnTo>
-                    <a:pt x="1681" y="13542"/>
-                  </a:lnTo>
-                  <a:lnTo>
-                    <a:pt x="1681" y="13444"/>
-                  </a:lnTo>
-                  <a:lnTo>
-                    <a:pt x="1681" y="13176"/>
-                  </a:lnTo>
-                  <a:lnTo>
-                    <a:pt x="1754" y="12884"/>
-                  </a:lnTo>
-                  <a:lnTo>
-                    <a:pt x="1875" y="12519"/>
-                  </a:lnTo>
-                  <a:lnTo>
-                    <a:pt x="2046" y="12153"/>
-                  </a:lnTo>
-                  <a:lnTo>
-                    <a:pt x="2265" y="11715"/>
-                  </a:lnTo>
-                  <a:lnTo>
-                    <a:pt x="2533" y="11277"/>
-                  </a:lnTo>
-                  <a:lnTo>
-                    <a:pt x="2533" y="11277"/>
-                  </a:lnTo>
-                  <a:lnTo>
-                    <a:pt x="2752" y="11642"/>
-                  </a:lnTo>
-                  <a:lnTo>
-                    <a:pt x="3020" y="12007"/>
-                  </a:lnTo>
-                  <a:lnTo>
-                    <a:pt x="3288" y="12373"/>
-                  </a:lnTo>
-                  <a:lnTo>
-                    <a:pt x="3605" y="12714"/>
-                  </a:lnTo>
-                  <a:lnTo>
-                    <a:pt x="3605" y="12714"/>
-                  </a:lnTo>
-                  <a:lnTo>
-                    <a:pt x="3897" y="12957"/>
-                  </a:lnTo>
-                  <a:lnTo>
-                    <a:pt x="4165" y="13201"/>
-                  </a:lnTo>
-                  <a:lnTo>
-                    <a:pt x="4165" y="13201"/>
-                  </a:lnTo>
-                  <a:lnTo>
-                    <a:pt x="3751" y="13444"/>
-                  </a:lnTo>
-                  <a:lnTo>
-                    <a:pt x="3361" y="13639"/>
-                  </a:lnTo>
-                  <a:lnTo>
-                    <a:pt x="3020" y="13785"/>
-                  </a:lnTo>
-                  <a:lnTo>
-                    <a:pt x="2679" y="13883"/>
-                  </a:lnTo>
-                  <a:lnTo>
-                    <a:pt x="2411" y="13956"/>
-                  </a:lnTo>
-                  <a:lnTo>
-                    <a:pt x="2168" y="13956"/>
-                  </a:lnTo>
-                  <a:lnTo>
-                    <a:pt x="2070" y="13931"/>
-                  </a:lnTo>
-                  <a:lnTo>
-                    <a:pt x="1973" y="13907"/>
-                  </a:lnTo>
-                  <a:lnTo>
-                    <a:pt x="1900" y="13858"/>
-                  </a:lnTo>
-                  <a:lnTo>
-                    <a:pt x="1827" y="13810"/>
-                  </a:lnTo>
-                  <a:lnTo>
-                    <a:pt x="1827" y="13810"/>
-                  </a:lnTo>
-                  <a:close/>
-                  <a:moveTo>
-                    <a:pt x="8159" y="4482"/>
-                  </a:moveTo>
-                  <a:lnTo>
-                    <a:pt x="8159" y="4482"/>
-                  </a:lnTo>
-                  <a:lnTo>
-                    <a:pt x="8037" y="4482"/>
-                  </a:lnTo>
-                  <a:lnTo>
-                    <a:pt x="7940" y="4433"/>
-                  </a:lnTo>
-                  <a:lnTo>
-                    <a:pt x="7842" y="4384"/>
-                  </a:lnTo>
-                  <a:lnTo>
-                    <a:pt x="7745" y="4311"/>
-                  </a:lnTo>
-                  <a:lnTo>
-                    <a:pt x="7672" y="4238"/>
-                  </a:lnTo>
-                  <a:lnTo>
-                    <a:pt x="7623" y="4141"/>
-                  </a:lnTo>
-                  <a:lnTo>
-                    <a:pt x="7574" y="4019"/>
-                  </a:lnTo>
-                  <a:lnTo>
-                    <a:pt x="7574" y="3897"/>
-                  </a:lnTo>
-                  <a:lnTo>
-                    <a:pt x="7574" y="3897"/>
-                  </a:lnTo>
-                  <a:lnTo>
-                    <a:pt x="7574" y="3775"/>
-                  </a:lnTo>
-                  <a:lnTo>
-                    <a:pt x="7623" y="3678"/>
-                  </a:lnTo>
-                  <a:lnTo>
-                    <a:pt x="7672" y="3580"/>
-                  </a:lnTo>
-                  <a:lnTo>
-                    <a:pt x="7745" y="3483"/>
-                  </a:lnTo>
-                  <a:lnTo>
-                    <a:pt x="7842" y="3410"/>
-                  </a:lnTo>
-                  <a:lnTo>
-                    <a:pt x="7940" y="3361"/>
-                  </a:lnTo>
-                  <a:lnTo>
-                    <a:pt x="8037" y="3337"/>
-                  </a:lnTo>
-                  <a:lnTo>
-                    <a:pt x="8159" y="3313"/>
-                  </a:lnTo>
-                  <a:lnTo>
-                    <a:pt x="8159" y="3313"/>
-                  </a:lnTo>
-                  <a:lnTo>
-                    <a:pt x="8281" y="3337"/>
-                  </a:lnTo>
-                  <a:lnTo>
-                    <a:pt x="8378" y="3361"/>
-                  </a:lnTo>
-                  <a:lnTo>
-                    <a:pt x="8476" y="3410"/>
-                  </a:lnTo>
-                  <a:lnTo>
-                    <a:pt x="8573" y="3483"/>
-                  </a:lnTo>
-                  <a:lnTo>
-                    <a:pt x="8646" y="3580"/>
-                  </a:lnTo>
-                  <a:lnTo>
-                    <a:pt x="8695" y="3678"/>
-                  </a:lnTo>
-                  <a:lnTo>
-                    <a:pt x="8743" y="3775"/>
-                  </a:lnTo>
-                  <a:lnTo>
-                    <a:pt x="8743" y="3897"/>
-                  </a:lnTo>
-                  <a:lnTo>
-                    <a:pt x="8743" y="3897"/>
-                  </a:lnTo>
-                  <a:lnTo>
-                    <a:pt x="8743" y="4019"/>
-                  </a:lnTo>
-                  <a:lnTo>
-                    <a:pt x="8695" y="4141"/>
-                  </a:lnTo>
-                  <a:lnTo>
-                    <a:pt x="8646" y="4238"/>
-                  </a:lnTo>
-                  <a:lnTo>
-                    <a:pt x="8573" y="4311"/>
-                  </a:lnTo>
-                  <a:lnTo>
-                    <a:pt x="8476" y="4384"/>
-                  </a:lnTo>
-                  <a:lnTo>
-                    <a:pt x="8378" y="4433"/>
-                  </a:lnTo>
-                  <a:lnTo>
-                    <a:pt x="8281" y="4482"/>
-                  </a:lnTo>
-                  <a:lnTo>
-                    <a:pt x="8159" y="4482"/>
-                  </a:lnTo>
-                  <a:lnTo>
-                    <a:pt x="8159" y="4482"/>
-                  </a:lnTo>
-                  <a:close/>
-                  <a:moveTo>
-                    <a:pt x="9133" y="5943"/>
-                  </a:moveTo>
-                  <a:lnTo>
-                    <a:pt x="9133" y="5943"/>
-                  </a:lnTo>
-                  <a:lnTo>
-                    <a:pt x="9036" y="5943"/>
-                  </a:lnTo>
-                  <a:lnTo>
-                    <a:pt x="8963" y="5919"/>
-                  </a:lnTo>
-                  <a:lnTo>
-                    <a:pt x="8841" y="5846"/>
-                  </a:lnTo>
-                  <a:lnTo>
-                    <a:pt x="8768" y="5724"/>
-                  </a:lnTo>
-                  <a:lnTo>
-                    <a:pt x="8743" y="5651"/>
-                  </a:lnTo>
-                  <a:lnTo>
-                    <a:pt x="8743" y="5553"/>
-                  </a:lnTo>
-                  <a:lnTo>
-                    <a:pt x="8743" y="5553"/>
-                  </a:lnTo>
-                  <a:lnTo>
-                    <a:pt x="8743" y="5480"/>
-                  </a:lnTo>
-                  <a:lnTo>
-                    <a:pt x="8768" y="5407"/>
-                  </a:lnTo>
-                  <a:lnTo>
-                    <a:pt x="8841" y="5285"/>
-                  </a:lnTo>
-                  <a:lnTo>
-                    <a:pt x="8963" y="5212"/>
-                  </a:lnTo>
-                  <a:lnTo>
-                    <a:pt x="9036" y="5188"/>
-                  </a:lnTo>
-                  <a:lnTo>
-                    <a:pt x="9133" y="5164"/>
-                  </a:lnTo>
-                  <a:lnTo>
-                    <a:pt x="9133" y="5164"/>
-                  </a:lnTo>
-                  <a:lnTo>
-                    <a:pt x="9206" y="5188"/>
-                  </a:lnTo>
-                  <a:lnTo>
-                    <a:pt x="9279" y="5212"/>
-                  </a:lnTo>
-                  <a:lnTo>
-                    <a:pt x="9401" y="5285"/>
-                  </a:lnTo>
-                  <a:lnTo>
-                    <a:pt x="9474" y="5407"/>
-                  </a:lnTo>
-                  <a:lnTo>
-                    <a:pt x="9498" y="5480"/>
-                  </a:lnTo>
-                  <a:lnTo>
-                    <a:pt x="9523" y="5553"/>
-                  </a:lnTo>
-                  <a:lnTo>
-                    <a:pt x="9523" y="5553"/>
-                  </a:lnTo>
-                  <a:lnTo>
-                    <a:pt x="9498" y="5651"/>
-                  </a:lnTo>
-                  <a:lnTo>
-                    <a:pt x="9474" y="5724"/>
-                  </a:lnTo>
-                  <a:lnTo>
-                    <a:pt x="9401" y="5846"/>
-                  </a:lnTo>
-                  <a:lnTo>
-                    <a:pt x="9279" y="5919"/>
-                  </a:lnTo>
-                  <a:lnTo>
-                    <a:pt x="9206" y="5943"/>
-                  </a:lnTo>
-                  <a:lnTo>
-                    <a:pt x="9133" y="5943"/>
-                  </a:lnTo>
-                  <a:lnTo>
-                    <a:pt x="9133" y="5943"/>
-                  </a:lnTo>
-                  <a:close/>
-                  <a:moveTo>
-                    <a:pt x="9986" y="4409"/>
-                  </a:moveTo>
-                  <a:lnTo>
-                    <a:pt x="9986" y="4409"/>
-                  </a:lnTo>
-                  <a:lnTo>
-                    <a:pt x="9888" y="4409"/>
-                  </a:lnTo>
-                  <a:lnTo>
-                    <a:pt x="9815" y="4384"/>
-                  </a:lnTo>
-                  <a:lnTo>
-                    <a:pt x="9693" y="4287"/>
-                  </a:lnTo>
-                  <a:lnTo>
-                    <a:pt x="9620" y="4165"/>
-                  </a:lnTo>
-                  <a:lnTo>
-                    <a:pt x="9596" y="4092"/>
-                  </a:lnTo>
-                  <a:lnTo>
-                    <a:pt x="9596" y="4019"/>
-                  </a:lnTo>
-                  <a:lnTo>
-                    <a:pt x="9596" y="4019"/>
-                  </a:lnTo>
-                  <a:lnTo>
-                    <a:pt x="9596" y="3946"/>
-                  </a:lnTo>
-                  <a:lnTo>
-                    <a:pt x="9620" y="3873"/>
-                  </a:lnTo>
-                  <a:lnTo>
-                    <a:pt x="9693" y="3751"/>
-                  </a:lnTo>
-                  <a:lnTo>
-                    <a:pt x="9815" y="3654"/>
-                  </a:lnTo>
-                  <a:lnTo>
-                    <a:pt x="9888" y="3629"/>
-                  </a:lnTo>
-                  <a:lnTo>
-                    <a:pt x="9986" y="3629"/>
-                  </a:lnTo>
-                  <a:lnTo>
-                    <a:pt x="9986" y="3629"/>
-                  </a:lnTo>
-                  <a:lnTo>
-                    <a:pt x="10059" y="3629"/>
-                  </a:lnTo>
-                  <a:lnTo>
-                    <a:pt x="10132" y="3654"/>
-                  </a:lnTo>
-                  <a:lnTo>
-                    <a:pt x="10253" y="3751"/>
-                  </a:lnTo>
-                  <a:lnTo>
-                    <a:pt x="10327" y="3873"/>
-                  </a:lnTo>
-                  <a:lnTo>
-                    <a:pt x="10351" y="3946"/>
-                  </a:lnTo>
-                  <a:lnTo>
-                    <a:pt x="10375" y="4019"/>
-                  </a:lnTo>
-                  <a:lnTo>
-                    <a:pt x="10375" y="4019"/>
-                  </a:lnTo>
-                  <a:lnTo>
-                    <a:pt x="10351" y="4092"/>
-                  </a:lnTo>
-                  <a:lnTo>
-                    <a:pt x="10327" y="4165"/>
-                  </a:lnTo>
-                  <a:lnTo>
-                    <a:pt x="10253" y="4287"/>
-                  </a:lnTo>
-                  <a:lnTo>
-                    <a:pt x="10132" y="4384"/>
-                  </a:lnTo>
-                  <a:lnTo>
-                    <a:pt x="10059" y="4409"/>
-                  </a:lnTo>
-                  <a:lnTo>
-                    <a:pt x="9986" y="4409"/>
-                  </a:lnTo>
-                  <a:lnTo>
-                    <a:pt x="9986" y="4409"/>
-                  </a:lnTo>
-                  <a:close/>
-                  <a:moveTo>
-                    <a:pt x="13200" y="4165"/>
-                  </a:moveTo>
-                  <a:lnTo>
-                    <a:pt x="13200" y="4165"/>
-                  </a:lnTo>
-                  <a:lnTo>
-                    <a:pt x="12957" y="3897"/>
-                  </a:lnTo>
-                  <a:lnTo>
-                    <a:pt x="12713" y="3605"/>
-                  </a:lnTo>
-                  <a:lnTo>
-                    <a:pt x="12713" y="3605"/>
-                  </a:lnTo>
-                  <a:lnTo>
-                    <a:pt x="12372" y="3288"/>
-                  </a:lnTo>
-                  <a:lnTo>
-                    <a:pt x="12007" y="3020"/>
-                  </a:lnTo>
-                  <a:lnTo>
-                    <a:pt x="11642" y="2752"/>
-                  </a:lnTo>
-                  <a:lnTo>
-                    <a:pt x="11276" y="2533"/>
-                  </a:lnTo>
-                  <a:lnTo>
-                    <a:pt x="11276" y="2533"/>
-                  </a:lnTo>
-                  <a:lnTo>
-                    <a:pt x="11715" y="2265"/>
-                  </a:lnTo>
-                  <a:lnTo>
-                    <a:pt x="12153" y="2046"/>
-                  </a:lnTo>
-                  <a:lnTo>
-                    <a:pt x="12518" y="1876"/>
-                  </a:lnTo>
-                  <a:lnTo>
-                    <a:pt x="12884" y="1754"/>
-                  </a:lnTo>
-                  <a:lnTo>
-                    <a:pt x="13176" y="1681"/>
-                  </a:lnTo>
-                  <a:lnTo>
-                    <a:pt x="13444" y="1681"/>
-                  </a:lnTo>
-                  <a:lnTo>
-                    <a:pt x="13541" y="1681"/>
-                  </a:lnTo>
-                  <a:lnTo>
-                    <a:pt x="13639" y="1730"/>
-                  </a:lnTo>
-                  <a:lnTo>
-                    <a:pt x="13736" y="1754"/>
-                  </a:lnTo>
-                  <a:lnTo>
-                    <a:pt x="13809" y="1827"/>
-                  </a:lnTo>
-                  <a:lnTo>
-                    <a:pt x="13809" y="1827"/>
-                  </a:lnTo>
-                  <a:lnTo>
-                    <a:pt x="13858" y="1900"/>
-                  </a:lnTo>
-                  <a:lnTo>
-                    <a:pt x="13907" y="1973"/>
-                  </a:lnTo>
-                  <a:lnTo>
-                    <a:pt x="13931" y="2070"/>
-                  </a:lnTo>
-                  <a:lnTo>
-                    <a:pt x="13955" y="2168"/>
-                  </a:lnTo>
-                  <a:lnTo>
-                    <a:pt x="13955" y="2411"/>
-                  </a:lnTo>
-                  <a:lnTo>
-                    <a:pt x="13882" y="2679"/>
-                  </a:lnTo>
-                  <a:lnTo>
-                    <a:pt x="13785" y="3020"/>
-                  </a:lnTo>
-                  <a:lnTo>
-                    <a:pt x="13639" y="3361"/>
-                  </a:lnTo>
-                  <a:lnTo>
-                    <a:pt x="13444" y="3751"/>
-                  </a:lnTo>
-                  <a:lnTo>
-                    <a:pt x="13200" y="4165"/>
-                  </a:lnTo>
-                  <a:lnTo>
-                    <a:pt x="13200" y="4165"/>
-                  </a:lnTo>
-                  <a:close/>
-                </a:path>
-              </a:pathLst>
-            </a:custGeom>
-            <a:noFill/>
-            <a:ln w="12175" cap="rnd" cmpd="sng">
-              <a:solidFill>
-                <a:srgbClr val="000000"/>
-              </a:solidFill>
-              <a:prstDash val="solid"/>
-              <a:round/>
-              <a:headEnd type="none" w="med" len="med"/>
-              <a:tailEnd type="none" w="med" len="med"/>
-            </a:ln>
-          </p:spPr>
-          <p:txBody>
-            <a:bodyPr lIns="91425" tIns="91425" rIns="91425" bIns="91425" anchor="ctr" anchorCtr="0">
-              <a:noAutofit/>
-            </a:bodyPr>
-            <a:lstStyle/>
-            <a:p>
-              <a:pPr lvl="0">
-                <a:spcBef>
-                  <a:spcPts val="0"/>
-                </a:spcBef>
-                <a:buNone/>
-              </a:pPr>
-              <a:endParaRPr/>
-            </a:p>
-          </p:txBody>
-        </p:sp>
-      </p:grpSp>
-      <p:grpSp>
-        <p:nvGrpSpPr>
-          <p:cNvPr id="129" name="Shape 129"/>
-          <p:cNvGrpSpPr/>
-          <p:nvPr/>
-        </p:nvGrpSpPr>
-        <p:grpSpPr>
-          <a:xfrm rot="-587406">
-            <a:off x="4123593" y="2025001"/>
-            <a:ext cx="425594" cy="425570"/>
-            <a:chOff x="576250" y="4319400"/>
-            <a:chExt cx="442075" cy="442050"/>
-          </a:xfrm>
-        </p:grpSpPr>
-        <p:sp>
-          <p:nvSpPr>
-            <p:cNvPr id="130" name="Shape 130"/>
-            <p:cNvSpPr/>
-            <p:nvPr/>
-          </p:nvSpPr>
-          <p:spPr>
-            <a:xfrm>
-              <a:off x="576250" y="4319400"/>
-              <a:ext cx="442075" cy="442050"/>
-            </a:xfrm>
-            <a:custGeom>
-              <a:avLst/>
-              <a:gdLst/>
-              <a:ahLst/>
-              <a:cxnLst/>
-              <a:rect l="0" t="0" r="0" b="0"/>
-              <a:pathLst>
-                <a:path w="17683" h="17682" fill="none" extrusionOk="0">
-                  <a:moveTo>
-                    <a:pt x="11472" y="17292"/>
-                  </a:moveTo>
-                  <a:lnTo>
-                    <a:pt x="11472" y="12153"/>
-                  </a:lnTo>
-                  <a:lnTo>
-                    <a:pt x="16416" y="7209"/>
-                  </a:lnTo>
-                  <a:lnTo>
-                    <a:pt x="16416" y="7209"/>
-                  </a:lnTo>
-                  <a:lnTo>
-                    <a:pt x="16562" y="7063"/>
-                  </a:lnTo>
-                  <a:lnTo>
-                    <a:pt x="16684" y="6868"/>
-                  </a:lnTo>
-                  <a:lnTo>
-                    <a:pt x="16830" y="6674"/>
-                  </a:lnTo>
-                  <a:lnTo>
-                    <a:pt x="16927" y="6479"/>
-                  </a:lnTo>
-                  <a:lnTo>
-                    <a:pt x="17146" y="6040"/>
-                  </a:lnTo>
-                  <a:lnTo>
-                    <a:pt x="17317" y="5553"/>
-                  </a:lnTo>
-                  <a:lnTo>
-                    <a:pt x="17439" y="5042"/>
-                  </a:lnTo>
-                  <a:lnTo>
-                    <a:pt x="17560" y="4506"/>
-                  </a:lnTo>
-                  <a:lnTo>
-                    <a:pt x="17633" y="3970"/>
-                  </a:lnTo>
-                  <a:lnTo>
-                    <a:pt x="17658" y="3434"/>
-                  </a:lnTo>
-                  <a:lnTo>
-                    <a:pt x="17682" y="2898"/>
-                  </a:lnTo>
-                  <a:lnTo>
-                    <a:pt x="17682" y="2411"/>
-                  </a:lnTo>
-                  <a:lnTo>
-                    <a:pt x="17658" y="1949"/>
-                  </a:lnTo>
-                  <a:lnTo>
-                    <a:pt x="17609" y="1510"/>
-                  </a:lnTo>
-                  <a:lnTo>
-                    <a:pt x="17536" y="1145"/>
-                  </a:lnTo>
-                  <a:lnTo>
-                    <a:pt x="17463" y="828"/>
-                  </a:lnTo>
-                  <a:lnTo>
-                    <a:pt x="17366" y="585"/>
-                  </a:lnTo>
-                  <a:lnTo>
-                    <a:pt x="17292" y="487"/>
-                  </a:lnTo>
-                  <a:lnTo>
-                    <a:pt x="17244" y="439"/>
-                  </a:lnTo>
-                  <a:lnTo>
-                    <a:pt x="17244" y="439"/>
-                  </a:lnTo>
-                  <a:lnTo>
-                    <a:pt x="17195" y="390"/>
-                  </a:lnTo>
-                  <a:lnTo>
-                    <a:pt x="17098" y="317"/>
-                  </a:lnTo>
-                  <a:lnTo>
-                    <a:pt x="16854" y="219"/>
-                  </a:lnTo>
-                  <a:lnTo>
-                    <a:pt x="16537" y="146"/>
-                  </a:lnTo>
-                  <a:lnTo>
-                    <a:pt x="16172" y="73"/>
-                  </a:lnTo>
-                  <a:lnTo>
-                    <a:pt x="15734" y="25"/>
-                  </a:lnTo>
-                  <a:lnTo>
-                    <a:pt x="15271" y="0"/>
-                  </a:lnTo>
-                  <a:lnTo>
-                    <a:pt x="14784" y="0"/>
-                  </a:lnTo>
-                  <a:lnTo>
-                    <a:pt x="14248" y="25"/>
-                  </a:lnTo>
-                  <a:lnTo>
-                    <a:pt x="13712" y="49"/>
-                  </a:lnTo>
-                  <a:lnTo>
-                    <a:pt x="13176" y="122"/>
-                  </a:lnTo>
-                  <a:lnTo>
-                    <a:pt x="12641" y="244"/>
-                  </a:lnTo>
-                  <a:lnTo>
-                    <a:pt x="12129" y="366"/>
-                  </a:lnTo>
-                  <a:lnTo>
-                    <a:pt x="11642" y="536"/>
-                  </a:lnTo>
-                  <a:lnTo>
-                    <a:pt x="11204" y="755"/>
-                  </a:lnTo>
-                  <a:lnTo>
-                    <a:pt x="10985" y="853"/>
-                  </a:lnTo>
-                  <a:lnTo>
-                    <a:pt x="10814" y="999"/>
-                  </a:lnTo>
-                  <a:lnTo>
-                    <a:pt x="10619" y="1121"/>
-                  </a:lnTo>
-                  <a:lnTo>
-                    <a:pt x="10473" y="1267"/>
-                  </a:lnTo>
-                  <a:lnTo>
-                    <a:pt x="5529" y="6211"/>
-                  </a:lnTo>
-                  <a:lnTo>
-                    <a:pt x="390" y="6211"/>
-                  </a:lnTo>
-                  <a:lnTo>
-                    <a:pt x="390" y="6211"/>
-                  </a:lnTo>
-                  <a:lnTo>
-                    <a:pt x="244" y="6235"/>
-                  </a:lnTo>
-                  <a:lnTo>
-                    <a:pt x="147" y="6259"/>
-                  </a:lnTo>
-                  <a:lnTo>
-                    <a:pt x="49" y="6308"/>
-                  </a:lnTo>
-                  <a:lnTo>
-                    <a:pt x="0" y="6381"/>
-                  </a:lnTo>
-                  <a:lnTo>
-                    <a:pt x="0" y="6454"/>
-                  </a:lnTo>
-                  <a:lnTo>
-                    <a:pt x="25" y="6552"/>
-                  </a:lnTo>
-                  <a:lnTo>
-                    <a:pt x="74" y="6649"/>
-                  </a:lnTo>
-                  <a:lnTo>
-                    <a:pt x="171" y="6771"/>
-                  </a:lnTo>
-                  <a:lnTo>
-                    <a:pt x="2582" y="9158"/>
-                  </a:lnTo>
-                  <a:lnTo>
-                    <a:pt x="2265" y="9474"/>
-                  </a:lnTo>
-                  <a:lnTo>
-                    <a:pt x="950" y="9718"/>
-                  </a:lnTo>
-                  <a:lnTo>
-                    <a:pt x="950" y="9718"/>
-                  </a:lnTo>
-                  <a:lnTo>
-                    <a:pt x="804" y="9767"/>
-                  </a:lnTo>
-                  <a:lnTo>
-                    <a:pt x="682" y="9815"/>
-                  </a:lnTo>
-                  <a:lnTo>
-                    <a:pt x="609" y="9913"/>
-                  </a:lnTo>
-                  <a:lnTo>
-                    <a:pt x="561" y="9986"/>
-                  </a:lnTo>
-                  <a:lnTo>
-                    <a:pt x="561" y="10083"/>
-                  </a:lnTo>
-                  <a:lnTo>
-                    <a:pt x="585" y="10205"/>
-                  </a:lnTo>
-                  <a:lnTo>
-                    <a:pt x="634" y="10302"/>
-                  </a:lnTo>
-                  <a:lnTo>
-                    <a:pt x="731" y="10424"/>
-                  </a:lnTo>
-                  <a:lnTo>
-                    <a:pt x="7258" y="16951"/>
-                  </a:lnTo>
-                  <a:lnTo>
-                    <a:pt x="7258" y="16951"/>
-                  </a:lnTo>
-                  <a:lnTo>
-                    <a:pt x="7380" y="17049"/>
-                  </a:lnTo>
-                  <a:lnTo>
-                    <a:pt x="7477" y="17097"/>
-                  </a:lnTo>
-                  <a:lnTo>
-                    <a:pt x="7599" y="17122"/>
-                  </a:lnTo>
-                  <a:lnTo>
-                    <a:pt x="7697" y="17122"/>
-                  </a:lnTo>
-                  <a:lnTo>
-                    <a:pt x="7770" y="17073"/>
-                  </a:lnTo>
-                  <a:lnTo>
-                    <a:pt x="7867" y="17000"/>
-                  </a:lnTo>
-                  <a:lnTo>
-                    <a:pt x="7916" y="16878"/>
-                  </a:lnTo>
-                  <a:lnTo>
-                    <a:pt x="7965" y="16732"/>
-                  </a:lnTo>
-                  <a:lnTo>
-                    <a:pt x="8208" y="15417"/>
-                  </a:lnTo>
-                  <a:lnTo>
-                    <a:pt x="8525" y="15100"/>
-                  </a:lnTo>
-                  <a:lnTo>
-                    <a:pt x="10911" y="17511"/>
-                  </a:lnTo>
-                  <a:lnTo>
-                    <a:pt x="10911" y="17511"/>
-                  </a:lnTo>
-                  <a:lnTo>
-                    <a:pt x="11033" y="17609"/>
-                  </a:lnTo>
-                  <a:lnTo>
-                    <a:pt x="11131" y="17658"/>
-                  </a:lnTo>
-                  <a:lnTo>
-                    <a:pt x="11228" y="17682"/>
-                  </a:lnTo>
-                  <a:lnTo>
-                    <a:pt x="11301" y="17682"/>
-                  </a:lnTo>
-                  <a:lnTo>
-                    <a:pt x="11374" y="17633"/>
-                  </a:lnTo>
-                  <a:lnTo>
-                    <a:pt x="11423" y="17536"/>
-                  </a:lnTo>
-                  <a:lnTo>
-                    <a:pt x="11447" y="17438"/>
-                  </a:lnTo>
-                  <a:lnTo>
-                    <a:pt x="11472" y="17292"/>
-                  </a:lnTo>
-                  <a:lnTo>
-                    <a:pt x="11472" y="17292"/>
-                  </a:lnTo>
-                  <a:close/>
-                  <a:moveTo>
-                    <a:pt x="6162" y="12202"/>
-                  </a:moveTo>
-                  <a:lnTo>
-                    <a:pt x="6162" y="12202"/>
-                  </a:lnTo>
-                  <a:lnTo>
-                    <a:pt x="6089" y="12275"/>
-                  </a:lnTo>
-                  <a:lnTo>
-                    <a:pt x="6016" y="12324"/>
-                  </a:lnTo>
-                  <a:lnTo>
-                    <a:pt x="5919" y="12348"/>
-                  </a:lnTo>
-                  <a:lnTo>
-                    <a:pt x="5821" y="12348"/>
-                  </a:lnTo>
-                  <a:lnTo>
-                    <a:pt x="5724" y="12348"/>
-                  </a:lnTo>
-                  <a:lnTo>
-                    <a:pt x="5626" y="12324"/>
-                  </a:lnTo>
-                  <a:lnTo>
-                    <a:pt x="5553" y="12275"/>
-                  </a:lnTo>
-                  <a:lnTo>
-                    <a:pt x="5480" y="12202"/>
-                  </a:lnTo>
-                  <a:lnTo>
-                    <a:pt x="5480" y="12202"/>
-                  </a:lnTo>
-                  <a:lnTo>
-                    <a:pt x="5407" y="12129"/>
-                  </a:lnTo>
-                  <a:lnTo>
-                    <a:pt x="5359" y="12056"/>
-                  </a:lnTo>
-                  <a:lnTo>
-                    <a:pt x="5334" y="11959"/>
-                  </a:lnTo>
-                  <a:lnTo>
-                    <a:pt x="5334" y="11861"/>
-                  </a:lnTo>
-                  <a:lnTo>
-                    <a:pt x="5334" y="11764"/>
-                  </a:lnTo>
-                  <a:lnTo>
-                    <a:pt x="5359" y="11666"/>
-                  </a:lnTo>
-                  <a:lnTo>
-                    <a:pt x="5407" y="11593"/>
-                  </a:lnTo>
-                  <a:lnTo>
-                    <a:pt x="5480" y="11520"/>
-                  </a:lnTo>
-                  <a:lnTo>
-                    <a:pt x="8013" y="8987"/>
-                  </a:lnTo>
-                  <a:lnTo>
-                    <a:pt x="8013" y="8987"/>
-                  </a:lnTo>
-                  <a:lnTo>
-                    <a:pt x="8086" y="8939"/>
-                  </a:lnTo>
-                  <a:lnTo>
-                    <a:pt x="8159" y="8890"/>
-                  </a:lnTo>
-                  <a:lnTo>
-                    <a:pt x="8257" y="8865"/>
-                  </a:lnTo>
-                  <a:lnTo>
-                    <a:pt x="8354" y="8841"/>
-                  </a:lnTo>
-                  <a:lnTo>
-                    <a:pt x="8452" y="8865"/>
-                  </a:lnTo>
-                  <a:lnTo>
-                    <a:pt x="8525" y="8890"/>
-                  </a:lnTo>
-                  <a:lnTo>
-                    <a:pt x="8622" y="8939"/>
-                  </a:lnTo>
-                  <a:lnTo>
-                    <a:pt x="8695" y="8987"/>
-                  </a:lnTo>
-                  <a:lnTo>
-                    <a:pt x="8695" y="8987"/>
-                  </a:lnTo>
-                  <a:lnTo>
-                    <a:pt x="8744" y="9060"/>
-                  </a:lnTo>
-                  <a:lnTo>
-                    <a:pt x="8793" y="9158"/>
-                  </a:lnTo>
-                  <a:lnTo>
-                    <a:pt x="8817" y="9231"/>
-                  </a:lnTo>
-                  <a:lnTo>
-                    <a:pt x="8841" y="9328"/>
-                  </a:lnTo>
-                  <a:lnTo>
-                    <a:pt x="8817" y="9426"/>
-                  </a:lnTo>
-                  <a:lnTo>
-                    <a:pt x="8793" y="9523"/>
-                  </a:lnTo>
-                  <a:lnTo>
-                    <a:pt x="8744" y="9596"/>
-                  </a:lnTo>
-                  <a:lnTo>
-                    <a:pt x="8695" y="9669"/>
-                  </a:lnTo>
-                  <a:lnTo>
-                    <a:pt x="6162" y="12202"/>
-                  </a:lnTo>
-                  <a:close/>
-                  <a:moveTo>
-                    <a:pt x="13396" y="7307"/>
-                  </a:moveTo>
-                  <a:lnTo>
-                    <a:pt x="13396" y="7307"/>
-                  </a:lnTo>
-                  <a:lnTo>
-                    <a:pt x="13274" y="7404"/>
-                  </a:lnTo>
-                  <a:lnTo>
-                    <a:pt x="13152" y="7477"/>
-                  </a:lnTo>
-                  <a:lnTo>
-                    <a:pt x="13006" y="7526"/>
-                  </a:lnTo>
-                  <a:lnTo>
-                    <a:pt x="12836" y="7550"/>
-                  </a:lnTo>
-                  <a:lnTo>
-                    <a:pt x="12689" y="7526"/>
-                  </a:lnTo>
-                  <a:lnTo>
-                    <a:pt x="12543" y="7477"/>
-                  </a:lnTo>
-                  <a:lnTo>
-                    <a:pt x="12421" y="7404"/>
-                  </a:lnTo>
-                  <a:lnTo>
-                    <a:pt x="12300" y="7307"/>
-                  </a:lnTo>
-                  <a:lnTo>
-                    <a:pt x="10376" y="5383"/>
-                  </a:lnTo>
-                  <a:lnTo>
-                    <a:pt x="10376" y="5383"/>
-                  </a:lnTo>
-                  <a:lnTo>
-                    <a:pt x="10278" y="5261"/>
-                  </a:lnTo>
-                  <a:lnTo>
-                    <a:pt x="10205" y="5139"/>
-                  </a:lnTo>
-                  <a:lnTo>
-                    <a:pt x="10156" y="4993"/>
-                  </a:lnTo>
-                  <a:lnTo>
-                    <a:pt x="10132" y="4847"/>
-                  </a:lnTo>
-                  <a:lnTo>
-                    <a:pt x="10156" y="4676"/>
-                  </a:lnTo>
-                  <a:lnTo>
-                    <a:pt x="10205" y="4530"/>
-                  </a:lnTo>
-                  <a:lnTo>
-                    <a:pt x="10278" y="4408"/>
-                  </a:lnTo>
-                  <a:lnTo>
-                    <a:pt x="10376" y="4287"/>
-                  </a:lnTo>
-                  <a:lnTo>
-                    <a:pt x="10376" y="4287"/>
-                  </a:lnTo>
-                  <a:lnTo>
-                    <a:pt x="11326" y="3313"/>
-                  </a:lnTo>
-                  <a:lnTo>
-                    <a:pt x="11326" y="3313"/>
-                  </a:lnTo>
-                  <a:lnTo>
-                    <a:pt x="11496" y="3166"/>
-                  </a:lnTo>
-                  <a:lnTo>
-                    <a:pt x="11666" y="3045"/>
-                  </a:lnTo>
-                  <a:lnTo>
-                    <a:pt x="11861" y="2947"/>
-                  </a:lnTo>
-                  <a:lnTo>
-                    <a:pt x="12032" y="2850"/>
-                  </a:lnTo>
-                  <a:lnTo>
-                    <a:pt x="12227" y="2777"/>
-                  </a:lnTo>
-                  <a:lnTo>
-                    <a:pt x="12446" y="2728"/>
-                  </a:lnTo>
-                  <a:lnTo>
-                    <a:pt x="12641" y="2704"/>
-                  </a:lnTo>
-                  <a:lnTo>
-                    <a:pt x="12836" y="2704"/>
-                  </a:lnTo>
-                  <a:lnTo>
-                    <a:pt x="13055" y="2704"/>
-                  </a:lnTo>
-                  <a:lnTo>
-                    <a:pt x="13250" y="2728"/>
-                  </a:lnTo>
-                  <a:lnTo>
-                    <a:pt x="13469" y="2777"/>
-                  </a:lnTo>
-                  <a:lnTo>
-                    <a:pt x="13664" y="2850"/>
-                  </a:lnTo>
-                  <a:lnTo>
-                    <a:pt x="13834" y="2947"/>
-                  </a:lnTo>
-                  <a:lnTo>
-                    <a:pt x="14029" y="3045"/>
-                  </a:lnTo>
-                  <a:lnTo>
-                    <a:pt x="14199" y="3166"/>
-                  </a:lnTo>
-                  <a:lnTo>
-                    <a:pt x="14370" y="3313"/>
-                  </a:lnTo>
-                  <a:lnTo>
-                    <a:pt x="14370" y="3313"/>
-                  </a:lnTo>
-                  <a:lnTo>
-                    <a:pt x="14516" y="3483"/>
-                  </a:lnTo>
-                  <a:lnTo>
-                    <a:pt x="14638" y="3653"/>
-                  </a:lnTo>
-                  <a:lnTo>
-                    <a:pt x="14735" y="3848"/>
-                  </a:lnTo>
-                  <a:lnTo>
-                    <a:pt x="14833" y="4019"/>
-                  </a:lnTo>
-                  <a:lnTo>
-                    <a:pt x="14906" y="4214"/>
-                  </a:lnTo>
-                  <a:lnTo>
-                    <a:pt x="14954" y="4433"/>
-                  </a:lnTo>
-                  <a:lnTo>
-                    <a:pt x="14979" y="4628"/>
-                  </a:lnTo>
-                  <a:lnTo>
-                    <a:pt x="14979" y="4847"/>
-                  </a:lnTo>
-                  <a:lnTo>
-                    <a:pt x="14979" y="5042"/>
-                  </a:lnTo>
-                  <a:lnTo>
-                    <a:pt x="14954" y="5237"/>
-                  </a:lnTo>
-                  <a:lnTo>
-                    <a:pt x="14906" y="5456"/>
-                  </a:lnTo>
-                  <a:lnTo>
-                    <a:pt x="14833" y="5651"/>
-                  </a:lnTo>
-                  <a:lnTo>
-                    <a:pt x="14735" y="5821"/>
-                  </a:lnTo>
-                  <a:lnTo>
-                    <a:pt x="14638" y="6016"/>
-                  </a:lnTo>
-                  <a:lnTo>
-                    <a:pt x="14516" y="6186"/>
-                  </a:lnTo>
-                  <a:lnTo>
-                    <a:pt x="14370" y="6357"/>
-                  </a:lnTo>
-                  <a:lnTo>
-                    <a:pt x="14370" y="6357"/>
-                  </a:lnTo>
-                  <a:lnTo>
-                    <a:pt x="13396" y="7307"/>
-                  </a:lnTo>
-                  <a:lnTo>
-                    <a:pt x="13396" y="7307"/>
-                  </a:lnTo>
-                  <a:close/>
-                </a:path>
-              </a:pathLst>
-            </a:custGeom>
-            <a:noFill/>
-            <a:ln w="12175" cap="rnd" cmpd="sng">
-              <a:solidFill>
-                <a:srgbClr val="000000"/>
-              </a:solidFill>
-              <a:prstDash val="solid"/>
-              <a:round/>
-              <a:headEnd type="none" w="med" len="med"/>
-              <a:tailEnd type="none" w="med" len="med"/>
-            </a:ln>
-          </p:spPr>
-          <p:txBody>
-            <a:bodyPr lIns="91425" tIns="91425" rIns="91425" bIns="91425" anchor="ctr" anchorCtr="0">
-              <a:noAutofit/>
-            </a:bodyPr>
-            <a:lstStyle/>
-            <a:p>
-              <a:pPr lvl="0">
-                <a:spcBef>
-                  <a:spcPts val="0"/>
-                </a:spcBef>
-                <a:buNone/>
-              </a:pPr>
-              <a:endParaRPr/>
-            </a:p>
-          </p:txBody>
-        </p:sp>
-        <p:sp>
-          <p:nvSpPr>
-            <p:cNvPr id="131" name="Shape 131"/>
-            <p:cNvSpPr/>
-            <p:nvPr/>
-          </p:nvSpPr>
-          <p:spPr>
-            <a:xfrm>
-              <a:off x="595725" y="4668875"/>
-              <a:ext cx="73100" cy="73100"/>
-            </a:xfrm>
-            <a:custGeom>
-              <a:avLst/>
-              <a:gdLst/>
-              <a:ahLst/>
-              <a:cxnLst/>
-              <a:rect l="0" t="0" r="0" b="0"/>
-              <a:pathLst>
-                <a:path w="2924" h="2924" fill="none" extrusionOk="0">
-                  <a:moveTo>
-                    <a:pt x="2656" y="269"/>
-                  </a:moveTo>
-                  <a:lnTo>
-                    <a:pt x="2656" y="269"/>
-                  </a:lnTo>
-                  <a:lnTo>
-                    <a:pt x="2509" y="147"/>
-                  </a:lnTo>
-                  <a:lnTo>
-                    <a:pt x="2363" y="74"/>
-                  </a:lnTo>
-                  <a:lnTo>
-                    <a:pt x="2193" y="25"/>
-                  </a:lnTo>
-                  <a:lnTo>
-                    <a:pt x="2022" y="1"/>
-                  </a:lnTo>
-                  <a:lnTo>
-                    <a:pt x="1852" y="25"/>
-                  </a:lnTo>
-                  <a:lnTo>
-                    <a:pt x="1681" y="74"/>
-                  </a:lnTo>
-                  <a:lnTo>
-                    <a:pt x="1511" y="147"/>
-                  </a:lnTo>
-                  <a:lnTo>
-                    <a:pt x="1365" y="269"/>
-                  </a:lnTo>
-                  <a:lnTo>
-                    <a:pt x="1365" y="269"/>
-                  </a:lnTo>
-                  <a:lnTo>
-                    <a:pt x="1219" y="488"/>
-                  </a:lnTo>
-                  <a:lnTo>
-                    <a:pt x="999" y="829"/>
-                  </a:lnTo>
-                  <a:lnTo>
-                    <a:pt x="561" y="1730"/>
-                  </a:lnTo>
-                  <a:lnTo>
-                    <a:pt x="171" y="2558"/>
-                  </a:lnTo>
-                  <a:lnTo>
-                    <a:pt x="1" y="2924"/>
-                  </a:lnTo>
-                  <a:lnTo>
-                    <a:pt x="1" y="2924"/>
-                  </a:lnTo>
-                  <a:lnTo>
-                    <a:pt x="366" y="2753"/>
-                  </a:lnTo>
-                  <a:lnTo>
-                    <a:pt x="1194" y="2363"/>
-                  </a:lnTo>
-                  <a:lnTo>
-                    <a:pt x="2095" y="1925"/>
-                  </a:lnTo>
-                  <a:lnTo>
-                    <a:pt x="2436" y="1706"/>
-                  </a:lnTo>
-                  <a:lnTo>
-                    <a:pt x="2656" y="1560"/>
-                  </a:lnTo>
-                  <a:lnTo>
-                    <a:pt x="2656" y="1560"/>
-                  </a:lnTo>
-                  <a:lnTo>
-                    <a:pt x="2777" y="1414"/>
-                  </a:lnTo>
-                  <a:lnTo>
-                    <a:pt x="2850" y="1243"/>
-                  </a:lnTo>
-                  <a:lnTo>
-                    <a:pt x="2899" y="1073"/>
-                  </a:lnTo>
-                  <a:lnTo>
-                    <a:pt x="2923" y="902"/>
-                  </a:lnTo>
-                  <a:lnTo>
-                    <a:pt x="2899" y="732"/>
-                  </a:lnTo>
-                  <a:lnTo>
-                    <a:pt x="2850" y="561"/>
-                  </a:lnTo>
-                  <a:lnTo>
-                    <a:pt x="2777" y="415"/>
-                  </a:lnTo>
-                  <a:lnTo>
-                    <a:pt x="2656" y="269"/>
-                  </a:lnTo>
-                  <a:lnTo>
-                    <a:pt x="2656" y="269"/>
-                  </a:lnTo>
-                  <a:close/>
-                </a:path>
-              </a:pathLst>
-            </a:custGeom>
-            <a:noFill/>
-            <a:ln w="12175" cap="rnd" cmpd="sng">
-              <a:solidFill>
-                <a:srgbClr val="000000"/>
-              </a:solidFill>
-              <a:prstDash val="solid"/>
-              <a:round/>
-              <a:headEnd type="none" w="med" len="med"/>
-              <a:tailEnd type="none" w="med" len="med"/>
-            </a:ln>
-          </p:spPr>
-          <p:txBody>
-            <a:bodyPr lIns="91425" tIns="91425" rIns="91425" bIns="91425" anchor="ctr" anchorCtr="0">
-              <a:noAutofit/>
-            </a:bodyPr>
-            <a:lstStyle/>
-            <a:p>
-              <a:pPr lvl="0">
-                <a:spcBef>
-                  <a:spcPts val="0"/>
-                </a:spcBef>
-                <a:buNone/>
-              </a:pPr>
-              <a:endParaRPr/>
-            </a:p>
-          </p:txBody>
-        </p:sp>
-        <p:sp>
-          <p:nvSpPr>
-            <p:cNvPr id="132" name="Shape 132"/>
-            <p:cNvSpPr/>
-            <p:nvPr/>
-          </p:nvSpPr>
-          <p:spPr>
-            <a:xfrm>
-              <a:off x="652350" y="4711500"/>
-              <a:ext cx="46925" cy="46925"/>
-            </a:xfrm>
-            <a:custGeom>
-              <a:avLst/>
-              <a:gdLst/>
-              <a:ahLst/>
-              <a:cxnLst/>
-              <a:rect l="0" t="0" r="0" b="0"/>
-              <a:pathLst>
-                <a:path w="1877" h="1877" fill="none" extrusionOk="0">
-                  <a:moveTo>
-                    <a:pt x="1657" y="244"/>
-                  </a:moveTo>
-                  <a:lnTo>
-                    <a:pt x="1657" y="244"/>
-                  </a:lnTo>
-                  <a:lnTo>
-                    <a:pt x="1535" y="147"/>
-                  </a:lnTo>
-                  <a:lnTo>
-                    <a:pt x="1413" y="74"/>
-                  </a:lnTo>
-                  <a:lnTo>
-                    <a:pt x="1267" y="25"/>
-                  </a:lnTo>
-                  <a:lnTo>
-                    <a:pt x="1121" y="1"/>
-                  </a:lnTo>
-                  <a:lnTo>
-                    <a:pt x="975" y="25"/>
-                  </a:lnTo>
-                  <a:lnTo>
-                    <a:pt x="829" y="74"/>
-                  </a:lnTo>
-                  <a:lnTo>
-                    <a:pt x="707" y="147"/>
-                  </a:lnTo>
-                  <a:lnTo>
-                    <a:pt x="585" y="244"/>
-                  </a:lnTo>
-                  <a:lnTo>
-                    <a:pt x="585" y="244"/>
-                  </a:lnTo>
-                  <a:lnTo>
-                    <a:pt x="464" y="391"/>
-                  </a:lnTo>
-                  <a:lnTo>
-                    <a:pt x="366" y="610"/>
-                  </a:lnTo>
-                  <a:lnTo>
-                    <a:pt x="269" y="878"/>
-                  </a:lnTo>
-                  <a:lnTo>
-                    <a:pt x="171" y="1170"/>
-                  </a:lnTo>
-                  <a:lnTo>
-                    <a:pt x="50" y="1681"/>
-                  </a:lnTo>
-                  <a:lnTo>
-                    <a:pt x="1" y="1876"/>
-                  </a:lnTo>
-                  <a:lnTo>
-                    <a:pt x="1" y="1876"/>
-                  </a:lnTo>
-                  <a:lnTo>
-                    <a:pt x="220" y="1852"/>
-                  </a:lnTo>
-                  <a:lnTo>
-                    <a:pt x="731" y="1706"/>
-                  </a:lnTo>
-                  <a:lnTo>
-                    <a:pt x="999" y="1633"/>
-                  </a:lnTo>
-                  <a:lnTo>
-                    <a:pt x="1267" y="1535"/>
-                  </a:lnTo>
-                  <a:lnTo>
-                    <a:pt x="1511" y="1413"/>
-                  </a:lnTo>
-                  <a:lnTo>
-                    <a:pt x="1657" y="1316"/>
-                  </a:lnTo>
-                  <a:lnTo>
-                    <a:pt x="1657" y="1316"/>
-                  </a:lnTo>
-                  <a:lnTo>
-                    <a:pt x="1754" y="1194"/>
-                  </a:lnTo>
-                  <a:lnTo>
-                    <a:pt x="1827" y="1048"/>
-                  </a:lnTo>
-                  <a:lnTo>
-                    <a:pt x="1876" y="926"/>
-                  </a:lnTo>
-                  <a:lnTo>
-                    <a:pt x="1876" y="780"/>
-                  </a:lnTo>
-                  <a:lnTo>
-                    <a:pt x="1876" y="634"/>
-                  </a:lnTo>
-                  <a:lnTo>
-                    <a:pt x="1827" y="488"/>
-                  </a:lnTo>
-                  <a:lnTo>
-                    <a:pt x="1754" y="366"/>
-                  </a:lnTo>
-                  <a:lnTo>
-                    <a:pt x="1657" y="244"/>
-                  </a:lnTo>
-                  <a:lnTo>
-                    <a:pt x="1657" y="244"/>
-                  </a:lnTo>
-                  <a:close/>
-                </a:path>
-              </a:pathLst>
-            </a:custGeom>
-            <a:noFill/>
-            <a:ln w="12175" cap="rnd" cmpd="sng">
-              <a:solidFill>
-                <a:srgbClr val="000000"/>
-              </a:solidFill>
-              <a:prstDash val="solid"/>
-              <a:round/>
-              <a:headEnd type="none" w="med" len="med"/>
-              <a:tailEnd type="none" w="med" len="med"/>
-            </a:ln>
-          </p:spPr>
-          <p:txBody>
-            <a:bodyPr lIns="91425" tIns="91425" rIns="91425" bIns="91425" anchor="ctr" anchorCtr="0">
-              <a:noAutofit/>
-            </a:bodyPr>
-            <a:lstStyle/>
-            <a:p>
-              <a:pPr lvl="0">
-                <a:spcBef>
-                  <a:spcPts val="0"/>
-                </a:spcBef>
-                <a:buNone/>
-              </a:pPr>
-              <a:endParaRPr/>
-            </a:p>
-          </p:txBody>
-        </p:sp>
-        <p:sp>
-          <p:nvSpPr>
-            <p:cNvPr id="133" name="Shape 133"/>
-            <p:cNvSpPr/>
-            <p:nvPr/>
-          </p:nvSpPr>
-          <p:spPr>
-            <a:xfrm>
-              <a:off x="579300" y="4638450"/>
-              <a:ext cx="46900" cy="46900"/>
-            </a:xfrm>
-            <a:custGeom>
-              <a:avLst/>
-              <a:gdLst/>
-              <a:ahLst/>
-              <a:cxnLst/>
-              <a:rect l="0" t="0" r="0" b="0"/>
-              <a:pathLst>
-                <a:path w="1876" h="1876" fill="none" extrusionOk="0">
-                  <a:moveTo>
-                    <a:pt x="1632" y="219"/>
-                  </a:moveTo>
-                  <a:lnTo>
-                    <a:pt x="1632" y="219"/>
-                  </a:lnTo>
-                  <a:lnTo>
-                    <a:pt x="1510" y="122"/>
-                  </a:lnTo>
-                  <a:lnTo>
-                    <a:pt x="1388" y="49"/>
-                  </a:lnTo>
-                  <a:lnTo>
-                    <a:pt x="1242" y="0"/>
-                  </a:lnTo>
-                  <a:lnTo>
-                    <a:pt x="1096" y="0"/>
-                  </a:lnTo>
-                  <a:lnTo>
-                    <a:pt x="950" y="0"/>
-                  </a:lnTo>
-                  <a:lnTo>
-                    <a:pt x="828" y="49"/>
-                  </a:lnTo>
-                  <a:lnTo>
-                    <a:pt x="682" y="122"/>
-                  </a:lnTo>
-                  <a:lnTo>
-                    <a:pt x="560" y="219"/>
-                  </a:lnTo>
-                  <a:lnTo>
-                    <a:pt x="560" y="219"/>
-                  </a:lnTo>
-                  <a:lnTo>
-                    <a:pt x="463" y="366"/>
-                  </a:lnTo>
-                  <a:lnTo>
-                    <a:pt x="341" y="609"/>
-                  </a:lnTo>
-                  <a:lnTo>
-                    <a:pt x="244" y="877"/>
-                  </a:lnTo>
-                  <a:lnTo>
-                    <a:pt x="171" y="1145"/>
-                  </a:lnTo>
-                  <a:lnTo>
-                    <a:pt x="25" y="1656"/>
-                  </a:lnTo>
-                  <a:lnTo>
-                    <a:pt x="0" y="1876"/>
-                  </a:lnTo>
-                  <a:lnTo>
-                    <a:pt x="0" y="1876"/>
-                  </a:lnTo>
-                  <a:lnTo>
-                    <a:pt x="195" y="1827"/>
-                  </a:lnTo>
-                  <a:lnTo>
-                    <a:pt x="707" y="1705"/>
-                  </a:lnTo>
-                  <a:lnTo>
-                    <a:pt x="999" y="1608"/>
-                  </a:lnTo>
-                  <a:lnTo>
-                    <a:pt x="1267" y="1510"/>
-                  </a:lnTo>
-                  <a:lnTo>
-                    <a:pt x="1486" y="1413"/>
-                  </a:lnTo>
-                  <a:lnTo>
-                    <a:pt x="1632" y="1291"/>
-                  </a:lnTo>
-                  <a:lnTo>
-                    <a:pt x="1632" y="1291"/>
-                  </a:lnTo>
-                  <a:lnTo>
-                    <a:pt x="1729" y="1169"/>
-                  </a:lnTo>
-                  <a:lnTo>
-                    <a:pt x="1802" y="1048"/>
-                  </a:lnTo>
-                  <a:lnTo>
-                    <a:pt x="1851" y="901"/>
-                  </a:lnTo>
-                  <a:lnTo>
-                    <a:pt x="1876" y="755"/>
-                  </a:lnTo>
-                  <a:lnTo>
-                    <a:pt x="1851" y="609"/>
-                  </a:lnTo>
-                  <a:lnTo>
-                    <a:pt x="1802" y="463"/>
-                  </a:lnTo>
-                  <a:lnTo>
-                    <a:pt x="1729" y="341"/>
-                  </a:lnTo>
-                  <a:lnTo>
-                    <a:pt x="1632" y="219"/>
-                  </a:lnTo>
-                  <a:lnTo>
-                    <a:pt x="1632" y="219"/>
-                  </a:lnTo>
-                  <a:close/>
-                </a:path>
-              </a:pathLst>
-            </a:custGeom>
-            <a:noFill/>
-            <a:ln w="12175" cap="rnd" cmpd="sng">
-              <a:solidFill>
-                <a:srgbClr val="000000"/>
-              </a:solidFill>
-              <a:prstDash val="solid"/>
-              <a:round/>
-              <a:headEnd type="none" w="med" len="med"/>
-              <a:tailEnd type="none" w="med" len="med"/>
-            </a:ln>
-          </p:spPr>
-          <p:txBody>
-            <a:bodyPr lIns="91425" tIns="91425" rIns="91425" bIns="91425" anchor="ctr" anchorCtr="0">
-              <a:noAutofit/>
-            </a:bodyPr>
-            <a:lstStyle/>
-            <a:p>
-              <a:pPr lvl="0">
-                <a:spcBef>
-                  <a:spcPts val="0"/>
-                </a:spcBef>
-                <a:buNone/>
-              </a:pPr>
-              <a:endParaRPr/>
-            </a:p>
-          </p:txBody>
-        </p:sp>
-      </p:grpSp>
-      <p:sp>
-        <p:nvSpPr>
-          <p:cNvPr id="134" name="Shape 134"/>
-          <p:cNvSpPr/>
-          <p:nvPr/>
-        </p:nvSpPr>
-        <p:spPr>
-          <a:xfrm>
-            <a:off x="3936799" y="1094078"/>
-            <a:ext cx="161807" cy="154499"/>
-          </a:xfrm>
-          <a:custGeom>
-            <a:avLst/>
-            <a:gdLst/>
-            <a:ahLst/>
-            <a:cxnLst/>
-            <a:rect l="0" t="0" r="0" b="0"/>
-            <a:pathLst>
-              <a:path w="15101" h="14419" fill="none" extrusionOk="0">
-                <a:moveTo>
-                  <a:pt x="7234" y="293"/>
-                </a:moveTo>
-                <a:lnTo>
-                  <a:pt x="7234" y="293"/>
-                </a:lnTo>
-                <a:lnTo>
-                  <a:pt x="7307" y="171"/>
-                </a:lnTo>
-                <a:lnTo>
-                  <a:pt x="7380" y="74"/>
-                </a:lnTo>
-                <a:lnTo>
-                  <a:pt x="7477" y="25"/>
-                </a:lnTo>
-                <a:lnTo>
-                  <a:pt x="7550" y="1"/>
-                </a:lnTo>
-                <a:lnTo>
-                  <a:pt x="7623" y="25"/>
-                </a:lnTo>
-                <a:lnTo>
-                  <a:pt x="7721" y="74"/>
-                </a:lnTo>
-                <a:lnTo>
-                  <a:pt x="7794" y="171"/>
-                </a:lnTo>
-                <a:lnTo>
-                  <a:pt x="7867" y="293"/>
-                </a:lnTo>
-                <a:lnTo>
-                  <a:pt x="9523" y="4092"/>
-                </a:lnTo>
-                <a:lnTo>
-                  <a:pt x="9523" y="4092"/>
-                </a:lnTo>
-                <a:lnTo>
-                  <a:pt x="9596" y="4214"/>
-                </a:lnTo>
-                <a:lnTo>
-                  <a:pt x="9718" y="4360"/>
-                </a:lnTo>
-                <a:lnTo>
-                  <a:pt x="9840" y="4482"/>
-                </a:lnTo>
-                <a:lnTo>
-                  <a:pt x="9986" y="4604"/>
-                </a:lnTo>
-                <a:lnTo>
-                  <a:pt x="10132" y="4701"/>
-                </a:lnTo>
-                <a:lnTo>
-                  <a:pt x="10302" y="4774"/>
-                </a:lnTo>
-                <a:lnTo>
-                  <a:pt x="10449" y="4847"/>
-                </a:lnTo>
-                <a:lnTo>
-                  <a:pt x="10619" y="4872"/>
-                </a:lnTo>
-                <a:lnTo>
-                  <a:pt x="14711" y="5286"/>
-                </a:lnTo>
-                <a:lnTo>
-                  <a:pt x="14711" y="5286"/>
-                </a:lnTo>
-                <a:lnTo>
-                  <a:pt x="14857" y="5310"/>
-                </a:lnTo>
-                <a:lnTo>
-                  <a:pt x="14979" y="5359"/>
-                </a:lnTo>
-                <a:lnTo>
-                  <a:pt x="15052" y="5407"/>
-                </a:lnTo>
-                <a:lnTo>
-                  <a:pt x="15100" y="5505"/>
-                </a:lnTo>
-                <a:lnTo>
-                  <a:pt x="15100" y="5578"/>
-                </a:lnTo>
-                <a:lnTo>
-                  <a:pt x="15076" y="5675"/>
-                </a:lnTo>
-                <a:lnTo>
-                  <a:pt x="15027" y="5773"/>
-                </a:lnTo>
-                <a:lnTo>
-                  <a:pt x="14906" y="5895"/>
-                </a:lnTo>
-                <a:lnTo>
-                  <a:pt x="11837" y="8622"/>
-                </a:lnTo>
-                <a:lnTo>
-                  <a:pt x="11837" y="8622"/>
-                </a:lnTo>
-                <a:lnTo>
-                  <a:pt x="11715" y="8744"/>
-                </a:lnTo>
-                <a:lnTo>
-                  <a:pt x="11618" y="8890"/>
-                </a:lnTo>
-                <a:lnTo>
-                  <a:pt x="11545" y="9061"/>
-                </a:lnTo>
-                <a:lnTo>
-                  <a:pt x="11472" y="9231"/>
-                </a:lnTo>
-                <a:lnTo>
-                  <a:pt x="11423" y="9402"/>
-                </a:lnTo>
-                <a:lnTo>
-                  <a:pt x="11398" y="9572"/>
-                </a:lnTo>
-                <a:lnTo>
-                  <a:pt x="11398" y="9743"/>
-                </a:lnTo>
-                <a:lnTo>
-                  <a:pt x="11423" y="9913"/>
-                </a:lnTo>
-                <a:lnTo>
-                  <a:pt x="12300" y="13956"/>
-                </a:lnTo>
-                <a:lnTo>
-                  <a:pt x="12300" y="13956"/>
-                </a:lnTo>
-                <a:lnTo>
-                  <a:pt x="12324" y="14102"/>
-                </a:lnTo>
-                <a:lnTo>
-                  <a:pt x="12300" y="14200"/>
-                </a:lnTo>
-                <a:lnTo>
-                  <a:pt x="12275" y="14297"/>
-                </a:lnTo>
-                <a:lnTo>
-                  <a:pt x="12227" y="14370"/>
-                </a:lnTo>
-                <a:lnTo>
-                  <a:pt x="12129" y="14394"/>
-                </a:lnTo>
-                <a:lnTo>
-                  <a:pt x="12032" y="14419"/>
-                </a:lnTo>
-                <a:lnTo>
-                  <a:pt x="11910" y="14370"/>
-                </a:lnTo>
-                <a:lnTo>
-                  <a:pt x="11788" y="14321"/>
-                </a:lnTo>
-                <a:lnTo>
-                  <a:pt x="8232" y="12227"/>
-                </a:lnTo>
-                <a:lnTo>
-                  <a:pt x="8232" y="12227"/>
-                </a:lnTo>
-                <a:lnTo>
-                  <a:pt x="8086" y="12154"/>
-                </a:lnTo>
-                <a:lnTo>
-                  <a:pt x="7916" y="12105"/>
-                </a:lnTo>
-                <a:lnTo>
-                  <a:pt x="7721" y="12081"/>
-                </a:lnTo>
-                <a:lnTo>
-                  <a:pt x="7550" y="12081"/>
-                </a:lnTo>
-                <a:lnTo>
-                  <a:pt x="7380" y="12081"/>
-                </a:lnTo>
-                <a:lnTo>
-                  <a:pt x="7185" y="12105"/>
-                </a:lnTo>
-                <a:lnTo>
-                  <a:pt x="7015" y="12154"/>
-                </a:lnTo>
-                <a:lnTo>
-                  <a:pt x="6868" y="12227"/>
-                </a:lnTo>
-                <a:lnTo>
-                  <a:pt x="3313" y="14321"/>
-                </a:lnTo>
-                <a:lnTo>
-                  <a:pt x="3313" y="14321"/>
-                </a:lnTo>
-                <a:lnTo>
-                  <a:pt x="3191" y="14370"/>
-                </a:lnTo>
-                <a:lnTo>
-                  <a:pt x="3069" y="14419"/>
-                </a:lnTo>
-                <a:lnTo>
-                  <a:pt x="2972" y="14394"/>
-                </a:lnTo>
-                <a:lnTo>
-                  <a:pt x="2874" y="14370"/>
-                </a:lnTo>
-                <a:lnTo>
-                  <a:pt x="2826" y="14297"/>
-                </a:lnTo>
-                <a:lnTo>
-                  <a:pt x="2801" y="14200"/>
-                </a:lnTo>
-                <a:lnTo>
-                  <a:pt x="2777" y="14102"/>
-                </a:lnTo>
-                <a:lnTo>
-                  <a:pt x="2801" y="13956"/>
-                </a:lnTo>
-                <a:lnTo>
-                  <a:pt x="3678" y="9913"/>
-                </a:lnTo>
-                <a:lnTo>
-                  <a:pt x="3678" y="9913"/>
-                </a:lnTo>
-                <a:lnTo>
-                  <a:pt x="3702" y="9743"/>
-                </a:lnTo>
-                <a:lnTo>
-                  <a:pt x="3702" y="9572"/>
-                </a:lnTo>
-                <a:lnTo>
-                  <a:pt x="3678" y="9402"/>
-                </a:lnTo>
-                <a:lnTo>
-                  <a:pt x="3629" y="9231"/>
-                </a:lnTo>
-                <a:lnTo>
-                  <a:pt x="3556" y="9061"/>
-                </a:lnTo>
-                <a:lnTo>
-                  <a:pt x="3483" y="8890"/>
-                </a:lnTo>
-                <a:lnTo>
-                  <a:pt x="3386" y="8744"/>
-                </a:lnTo>
-                <a:lnTo>
-                  <a:pt x="3264" y="8622"/>
-                </a:lnTo>
-                <a:lnTo>
-                  <a:pt x="195" y="5895"/>
-                </a:lnTo>
-                <a:lnTo>
-                  <a:pt x="195" y="5895"/>
-                </a:lnTo>
-                <a:lnTo>
-                  <a:pt x="73" y="5773"/>
-                </a:lnTo>
-                <a:lnTo>
-                  <a:pt x="25" y="5675"/>
-                </a:lnTo>
-                <a:lnTo>
-                  <a:pt x="0" y="5578"/>
-                </a:lnTo>
-                <a:lnTo>
-                  <a:pt x="0" y="5505"/>
-                </a:lnTo>
-                <a:lnTo>
-                  <a:pt x="49" y="5407"/>
-                </a:lnTo>
-                <a:lnTo>
-                  <a:pt x="122" y="5359"/>
-                </a:lnTo>
-                <a:lnTo>
-                  <a:pt x="244" y="5310"/>
-                </a:lnTo>
-                <a:lnTo>
-                  <a:pt x="390" y="5286"/>
-                </a:lnTo>
-                <a:lnTo>
-                  <a:pt x="4482" y="4872"/>
-                </a:lnTo>
-                <a:lnTo>
-                  <a:pt x="4482" y="4872"/>
-                </a:lnTo>
-                <a:lnTo>
-                  <a:pt x="4652" y="4847"/>
-                </a:lnTo>
-                <a:lnTo>
-                  <a:pt x="4798" y="4774"/>
-                </a:lnTo>
-                <a:lnTo>
-                  <a:pt x="4969" y="4701"/>
-                </a:lnTo>
-                <a:lnTo>
-                  <a:pt x="5115" y="4604"/>
-                </a:lnTo>
-                <a:lnTo>
-                  <a:pt x="5261" y="4482"/>
-                </a:lnTo>
-                <a:lnTo>
-                  <a:pt x="5383" y="4360"/>
-                </a:lnTo>
-                <a:lnTo>
-                  <a:pt x="5505" y="4214"/>
-                </a:lnTo>
-                <a:lnTo>
-                  <a:pt x="5578" y="4092"/>
-                </a:lnTo>
-                <a:lnTo>
-                  <a:pt x="7234" y="293"/>
-                </a:lnTo>
-                <a:close/>
-              </a:path>
-            </a:pathLst>
-          </a:custGeom>
-          <a:noFill/>
-          <a:ln w="12175" cap="rnd" cmpd="sng">
-            <a:solidFill>
-              <a:srgbClr val="000000"/>
-            </a:solidFill>
-            <a:prstDash val="solid"/>
-            <a:round/>
-            <a:headEnd type="none" w="med" len="med"/>
-            <a:tailEnd type="none" w="med" len="med"/>
-          </a:ln>
-        </p:spPr>
-        <p:txBody>
-          <a:bodyPr lIns="91425" tIns="91425" rIns="91425" bIns="91425" anchor="ctr" anchorCtr="0">
-            <a:noAutofit/>
-          </a:bodyPr>
-          <a:lstStyle/>
-          <a:p>
-            <a:pPr lvl="0">
-              <a:spcBef>
-                <a:spcPts val="0"/>
-              </a:spcBef>
-              <a:buNone/>
-            </a:pPr>
-            <a:endParaRPr/>
-          </a:p>
-        </p:txBody>
-      </p:sp>
-      <p:sp>
-        <p:nvSpPr>
-          <p:cNvPr id="135" name="Shape 135"/>
-          <p:cNvSpPr/>
-          <p:nvPr/>
-        </p:nvSpPr>
-        <p:spPr>
-          <a:xfrm rot="2697385">
-            <a:off x="5003062" y="1885038"/>
-            <a:ext cx="245621" cy="234528"/>
-          </a:xfrm>
-          <a:custGeom>
-            <a:avLst/>
-            <a:gdLst/>
-            <a:ahLst/>
-            <a:cxnLst/>
-            <a:rect l="0" t="0" r="0" b="0"/>
-            <a:pathLst>
-              <a:path w="15101" h="14419" fill="none" extrusionOk="0">
-                <a:moveTo>
-                  <a:pt x="7234" y="293"/>
-                </a:moveTo>
-                <a:lnTo>
-                  <a:pt x="7234" y="293"/>
-                </a:lnTo>
-                <a:lnTo>
-                  <a:pt x="7307" y="171"/>
-                </a:lnTo>
-                <a:lnTo>
-                  <a:pt x="7380" y="74"/>
-                </a:lnTo>
-                <a:lnTo>
-                  <a:pt x="7477" y="25"/>
-                </a:lnTo>
-                <a:lnTo>
-                  <a:pt x="7550" y="1"/>
-                </a:lnTo>
-                <a:lnTo>
-                  <a:pt x="7623" y="25"/>
-                </a:lnTo>
-                <a:lnTo>
-                  <a:pt x="7721" y="74"/>
-                </a:lnTo>
-                <a:lnTo>
-                  <a:pt x="7794" y="171"/>
-                </a:lnTo>
-                <a:lnTo>
-                  <a:pt x="7867" y="293"/>
-                </a:lnTo>
-                <a:lnTo>
-                  <a:pt x="9523" y="4092"/>
-                </a:lnTo>
-                <a:lnTo>
-                  <a:pt x="9523" y="4092"/>
-                </a:lnTo>
-                <a:lnTo>
-                  <a:pt x="9596" y="4214"/>
-                </a:lnTo>
-                <a:lnTo>
-                  <a:pt x="9718" y="4360"/>
-                </a:lnTo>
-                <a:lnTo>
-                  <a:pt x="9840" y="4482"/>
-                </a:lnTo>
-                <a:lnTo>
-                  <a:pt x="9986" y="4604"/>
-                </a:lnTo>
-                <a:lnTo>
-                  <a:pt x="10132" y="4701"/>
-                </a:lnTo>
-                <a:lnTo>
-                  <a:pt x="10302" y="4774"/>
-                </a:lnTo>
-                <a:lnTo>
-                  <a:pt x="10449" y="4847"/>
-                </a:lnTo>
-                <a:lnTo>
-                  <a:pt x="10619" y="4872"/>
-                </a:lnTo>
-                <a:lnTo>
-                  <a:pt x="14711" y="5286"/>
-                </a:lnTo>
-                <a:lnTo>
-                  <a:pt x="14711" y="5286"/>
-                </a:lnTo>
-                <a:lnTo>
-                  <a:pt x="14857" y="5310"/>
-                </a:lnTo>
-                <a:lnTo>
-                  <a:pt x="14979" y="5359"/>
-                </a:lnTo>
-                <a:lnTo>
-                  <a:pt x="15052" y="5407"/>
-                </a:lnTo>
-                <a:lnTo>
-                  <a:pt x="15100" y="5505"/>
-                </a:lnTo>
-                <a:lnTo>
-                  <a:pt x="15100" y="5578"/>
-                </a:lnTo>
-                <a:lnTo>
-                  <a:pt x="15076" y="5675"/>
-                </a:lnTo>
-                <a:lnTo>
-                  <a:pt x="15027" y="5773"/>
-                </a:lnTo>
-                <a:lnTo>
-                  <a:pt x="14906" y="5895"/>
-                </a:lnTo>
-                <a:lnTo>
-                  <a:pt x="11837" y="8622"/>
-                </a:lnTo>
-                <a:lnTo>
-                  <a:pt x="11837" y="8622"/>
-                </a:lnTo>
-                <a:lnTo>
-                  <a:pt x="11715" y="8744"/>
-                </a:lnTo>
-                <a:lnTo>
-                  <a:pt x="11618" y="8890"/>
-                </a:lnTo>
-                <a:lnTo>
-                  <a:pt x="11545" y="9061"/>
-                </a:lnTo>
-                <a:lnTo>
-                  <a:pt x="11472" y="9231"/>
-                </a:lnTo>
-                <a:lnTo>
-                  <a:pt x="11423" y="9402"/>
-                </a:lnTo>
-                <a:lnTo>
-                  <a:pt x="11398" y="9572"/>
-                </a:lnTo>
-                <a:lnTo>
-                  <a:pt x="11398" y="9743"/>
-                </a:lnTo>
-                <a:lnTo>
-                  <a:pt x="11423" y="9913"/>
-                </a:lnTo>
-                <a:lnTo>
-                  <a:pt x="12300" y="13956"/>
-                </a:lnTo>
-                <a:lnTo>
-                  <a:pt x="12300" y="13956"/>
-                </a:lnTo>
-                <a:lnTo>
-                  <a:pt x="12324" y="14102"/>
-                </a:lnTo>
-                <a:lnTo>
-                  <a:pt x="12300" y="14200"/>
-                </a:lnTo>
-                <a:lnTo>
-                  <a:pt x="12275" y="14297"/>
-                </a:lnTo>
-                <a:lnTo>
-                  <a:pt x="12227" y="14370"/>
-                </a:lnTo>
-                <a:lnTo>
-                  <a:pt x="12129" y="14394"/>
-                </a:lnTo>
-                <a:lnTo>
-                  <a:pt x="12032" y="14419"/>
-                </a:lnTo>
-                <a:lnTo>
-                  <a:pt x="11910" y="14370"/>
-                </a:lnTo>
-                <a:lnTo>
-                  <a:pt x="11788" y="14321"/>
-                </a:lnTo>
-                <a:lnTo>
-                  <a:pt x="8232" y="12227"/>
-                </a:lnTo>
-                <a:lnTo>
-                  <a:pt x="8232" y="12227"/>
-                </a:lnTo>
-                <a:lnTo>
-                  <a:pt x="8086" y="12154"/>
-                </a:lnTo>
-                <a:lnTo>
-                  <a:pt x="7916" y="12105"/>
-                </a:lnTo>
-                <a:lnTo>
-                  <a:pt x="7721" y="12081"/>
-                </a:lnTo>
-                <a:lnTo>
-                  <a:pt x="7550" y="12081"/>
-                </a:lnTo>
-                <a:lnTo>
-                  <a:pt x="7380" y="12081"/>
-                </a:lnTo>
-                <a:lnTo>
-                  <a:pt x="7185" y="12105"/>
-                </a:lnTo>
-                <a:lnTo>
-                  <a:pt x="7015" y="12154"/>
-                </a:lnTo>
-                <a:lnTo>
-                  <a:pt x="6868" y="12227"/>
-                </a:lnTo>
-                <a:lnTo>
-                  <a:pt x="3313" y="14321"/>
-                </a:lnTo>
-                <a:lnTo>
-                  <a:pt x="3313" y="14321"/>
-                </a:lnTo>
-                <a:lnTo>
-                  <a:pt x="3191" y="14370"/>
-                </a:lnTo>
-                <a:lnTo>
-                  <a:pt x="3069" y="14419"/>
-                </a:lnTo>
-                <a:lnTo>
-                  <a:pt x="2972" y="14394"/>
-                </a:lnTo>
-                <a:lnTo>
-                  <a:pt x="2874" y="14370"/>
-                </a:lnTo>
-                <a:lnTo>
-                  <a:pt x="2826" y="14297"/>
-                </a:lnTo>
-                <a:lnTo>
-                  <a:pt x="2801" y="14200"/>
-                </a:lnTo>
-                <a:lnTo>
-                  <a:pt x="2777" y="14102"/>
-                </a:lnTo>
-                <a:lnTo>
-                  <a:pt x="2801" y="13956"/>
-                </a:lnTo>
-                <a:lnTo>
-                  <a:pt x="3678" y="9913"/>
-                </a:lnTo>
-                <a:lnTo>
-                  <a:pt x="3678" y="9913"/>
-                </a:lnTo>
-                <a:lnTo>
-                  <a:pt x="3702" y="9743"/>
-                </a:lnTo>
-                <a:lnTo>
-                  <a:pt x="3702" y="9572"/>
-                </a:lnTo>
-                <a:lnTo>
-                  <a:pt x="3678" y="9402"/>
-                </a:lnTo>
-                <a:lnTo>
-                  <a:pt x="3629" y="9231"/>
-                </a:lnTo>
-                <a:lnTo>
-                  <a:pt x="3556" y="9061"/>
-                </a:lnTo>
-                <a:lnTo>
-                  <a:pt x="3483" y="8890"/>
-                </a:lnTo>
-                <a:lnTo>
-                  <a:pt x="3386" y="8744"/>
-                </a:lnTo>
-                <a:lnTo>
-                  <a:pt x="3264" y="8622"/>
-                </a:lnTo>
-                <a:lnTo>
-                  <a:pt x="195" y="5895"/>
-                </a:lnTo>
-                <a:lnTo>
-                  <a:pt x="195" y="5895"/>
-                </a:lnTo>
-                <a:lnTo>
-                  <a:pt x="73" y="5773"/>
-                </a:lnTo>
-                <a:lnTo>
-                  <a:pt x="25" y="5675"/>
-                </a:lnTo>
-                <a:lnTo>
-                  <a:pt x="0" y="5578"/>
-                </a:lnTo>
-                <a:lnTo>
-                  <a:pt x="0" y="5505"/>
-                </a:lnTo>
-                <a:lnTo>
-                  <a:pt x="49" y="5407"/>
-                </a:lnTo>
-                <a:lnTo>
-                  <a:pt x="122" y="5359"/>
-                </a:lnTo>
-                <a:lnTo>
-                  <a:pt x="244" y="5310"/>
-                </a:lnTo>
-                <a:lnTo>
-                  <a:pt x="390" y="5286"/>
-                </a:lnTo>
-                <a:lnTo>
-                  <a:pt x="4482" y="4872"/>
-                </a:lnTo>
-                <a:lnTo>
-                  <a:pt x="4482" y="4872"/>
-                </a:lnTo>
-                <a:lnTo>
-                  <a:pt x="4652" y="4847"/>
-                </a:lnTo>
-                <a:lnTo>
-                  <a:pt x="4798" y="4774"/>
-                </a:lnTo>
-                <a:lnTo>
-                  <a:pt x="4969" y="4701"/>
-                </a:lnTo>
-                <a:lnTo>
-                  <a:pt x="5115" y="4604"/>
-                </a:lnTo>
-                <a:lnTo>
-                  <a:pt x="5261" y="4482"/>
-                </a:lnTo>
-                <a:lnTo>
-                  <a:pt x="5383" y="4360"/>
-                </a:lnTo>
-                <a:lnTo>
-                  <a:pt x="5505" y="4214"/>
-                </a:lnTo>
-                <a:lnTo>
-                  <a:pt x="5578" y="4092"/>
-                </a:lnTo>
-                <a:lnTo>
-                  <a:pt x="7234" y="293"/>
-                </a:lnTo>
-                <a:close/>
-              </a:path>
-            </a:pathLst>
-          </a:custGeom>
-          <a:noFill/>
-          <a:ln w="12175" cap="rnd" cmpd="sng">
-            <a:solidFill>
-              <a:srgbClr val="000000"/>
-            </a:solidFill>
-            <a:prstDash val="solid"/>
-            <a:round/>
-            <a:headEnd type="none" w="med" len="med"/>
-            <a:tailEnd type="none" w="med" len="med"/>
-          </a:ln>
-        </p:spPr>
-        <p:txBody>
-          <a:bodyPr lIns="91425" tIns="91425" rIns="91425" bIns="91425" anchor="ctr" anchorCtr="0">
-            <a:noAutofit/>
-          </a:bodyPr>
-          <a:lstStyle/>
-          <a:p>
-            <a:pPr lvl="0">
-              <a:spcBef>
-                <a:spcPts val="0"/>
-              </a:spcBef>
-              <a:buNone/>
-            </a:pPr>
-            <a:endParaRPr/>
-          </a:p>
-        </p:txBody>
-      </p:sp>
-      <p:sp>
-        <p:nvSpPr>
-          <p:cNvPr id="136" name="Shape 136"/>
-          <p:cNvSpPr/>
-          <p:nvPr/>
-        </p:nvSpPr>
-        <p:spPr>
-          <a:xfrm>
-            <a:off x="5197375" y="1751150"/>
-            <a:ext cx="98383" cy="93975"/>
-          </a:xfrm>
-          <a:custGeom>
-            <a:avLst/>
-            <a:gdLst/>
-            <a:ahLst/>
-            <a:cxnLst/>
-            <a:rect l="0" t="0" r="0" b="0"/>
-            <a:pathLst>
-              <a:path w="15101" h="14419" fill="none" extrusionOk="0">
-                <a:moveTo>
-                  <a:pt x="7234" y="293"/>
-                </a:moveTo>
-                <a:lnTo>
-                  <a:pt x="7234" y="293"/>
-                </a:lnTo>
-                <a:lnTo>
-                  <a:pt x="7307" y="171"/>
-                </a:lnTo>
-                <a:lnTo>
-                  <a:pt x="7380" y="74"/>
-                </a:lnTo>
-                <a:lnTo>
-                  <a:pt x="7477" y="25"/>
-                </a:lnTo>
-                <a:lnTo>
-                  <a:pt x="7550" y="1"/>
-                </a:lnTo>
-                <a:lnTo>
-                  <a:pt x="7623" y="25"/>
-                </a:lnTo>
-                <a:lnTo>
-                  <a:pt x="7721" y="74"/>
-                </a:lnTo>
-                <a:lnTo>
-                  <a:pt x="7794" y="171"/>
-                </a:lnTo>
-                <a:lnTo>
-                  <a:pt x="7867" y="293"/>
-                </a:lnTo>
-                <a:lnTo>
-                  <a:pt x="9523" y="4092"/>
-                </a:lnTo>
-                <a:lnTo>
-                  <a:pt x="9523" y="4092"/>
-                </a:lnTo>
-                <a:lnTo>
-                  <a:pt x="9596" y="4214"/>
-                </a:lnTo>
-                <a:lnTo>
-                  <a:pt x="9718" y="4360"/>
-                </a:lnTo>
-                <a:lnTo>
-                  <a:pt x="9840" y="4482"/>
-                </a:lnTo>
-                <a:lnTo>
-                  <a:pt x="9986" y="4604"/>
-                </a:lnTo>
-                <a:lnTo>
-                  <a:pt x="10132" y="4701"/>
-                </a:lnTo>
-                <a:lnTo>
-                  <a:pt x="10302" y="4774"/>
-                </a:lnTo>
-                <a:lnTo>
-                  <a:pt x="10449" y="4847"/>
-                </a:lnTo>
-                <a:lnTo>
-                  <a:pt x="10619" y="4872"/>
-                </a:lnTo>
-                <a:lnTo>
-                  <a:pt x="14711" y="5286"/>
-                </a:lnTo>
-                <a:lnTo>
-                  <a:pt x="14711" y="5286"/>
-                </a:lnTo>
-                <a:lnTo>
-                  <a:pt x="14857" y="5310"/>
-                </a:lnTo>
-                <a:lnTo>
-                  <a:pt x="14979" y="5359"/>
-                </a:lnTo>
-                <a:lnTo>
-                  <a:pt x="15052" y="5407"/>
-                </a:lnTo>
-                <a:lnTo>
-                  <a:pt x="15100" y="5505"/>
-                </a:lnTo>
-                <a:lnTo>
-                  <a:pt x="15100" y="5578"/>
-                </a:lnTo>
-                <a:lnTo>
-                  <a:pt x="15076" y="5675"/>
-                </a:lnTo>
-                <a:lnTo>
-                  <a:pt x="15027" y="5773"/>
-                </a:lnTo>
-                <a:lnTo>
-                  <a:pt x="14906" y="5895"/>
-                </a:lnTo>
-                <a:lnTo>
-                  <a:pt x="11837" y="8622"/>
-                </a:lnTo>
-                <a:lnTo>
-                  <a:pt x="11837" y="8622"/>
-                </a:lnTo>
-                <a:lnTo>
-                  <a:pt x="11715" y="8744"/>
-                </a:lnTo>
-                <a:lnTo>
-                  <a:pt x="11618" y="8890"/>
-                </a:lnTo>
-                <a:lnTo>
-                  <a:pt x="11545" y="9061"/>
-                </a:lnTo>
-                <a:lnTo>
-                  <a:pt x="11472" y="9231"/>
-                </a:lnTo>
-                <a:lnTo>
-                  <a:pt x="11423" y="9402"/>
-                </a:lnTo>
-                <a:lnTo>
-                  <a:pt x="11398" y="9572"/>
-                </a:lnTo>
-                <a:lnTo>
-                  <a:pt x="11398" y="9743"/>
-                </a:lnTo>
-                <a:lnTo>
-                  <a:pt x="11423" y="9913"/>
-                </a:lnTo>
-                <a:lnTo>
-                  <a:pt x="12300" y="13956"/>
-                </a:lnTo>
-                <a:lnTo>
-                  <a:pt x="12300" y="13956"/>
-                </a:lnTo>
-                <a:lnTo>
-                  <a:pt x="12324" y="14102"/>
-                </a:lnTo>
-                <a:lnTo>
-                  <a:pt x="12300" y="14200"/>
-                </a:lnTo>
-                <a:lnTo>
-                  <a:pt x="12275" y="14297"/>
-                </a:lnTo>
-                <a:lnTo>
-                  <a:pt x="12227" y="14370"/>
-                </a:lnTo>
-                <a:lnTo>
-                  <a:pt x="12129" y="14394"/>
-                </a:lnTo>
-                <a:lnTo>
-                  <a:pt x="12032" y="14419"/>
-                </a:lnTo>
-                <a:lnTo>
-                  <a:pt x="11910" y="14370"/>
-                </a:lnTo>
-                <a:lnTo>
-                  <a:pt x="11788" y="14321"/>
-                </a:lnTo>
-                <a:lnTo>
-                  <a:pt x="8232" y="12227"/>
-                </a:lnTo>
-                <a:lnTo>
-                  <a:pt x="8232" y="12227"/>
-                </a:lnTo>
-                <a:lnTo>
-                  <a:pt x="8086" y="12154"/>
-                </a:lnTo>
-                <a:lnTo>
-                  <a:pt x="7916" y="12105"/>
-                </a:lnTo>
-                <a:lnTo>
-                  <a:pt x="7721" y="12081"/>
-                </a:lnTo>
-                <a:lnTo>
-                  <a:pt x="7550" y="12081"/>
-                </a:lnTo>
-                <a:lnTo>
-                  <a:pt x="7380" y="12081"/>
-                </a:lnTo>
-                <a:lnTo>
-                  <a:pt x="7185" y="12105"/>
-                </a:lnTo>
-                <a:lnTo>
-                  <a:pt x="7015" y="12154"/>
-                </a:lnTo>
-                <a:lnTo>
-                  <a:pt x="6868" y="12227"/>
-                </a:lnTo>
-                <a:lnTo>
-                  <a:pt x="3313" y="14321"/>
-                </a:lnTo>
-                <a:lnTo>
-                  <a:pt x="3313" y="14321"/>
-                </a:lnTo>
-                <a:lnTo>
-                  <a:pt x="3191" y="14370"/>
-                </a:lnTo>
-                <a:lnTo>
-                  <a:pt x="3069" y="14419"/>
-                </a:lnTo>
-                <a:lnTo>
-                  <a:pt x="2972" y="14394"/>
-                </a:lnTo>
-                <a:lnTo>
-                  <a:pt x="2874" y="14370"/>
-                </a:lnTo>
-                <a:lnTo>
-                  <a:pt x="2826" y="14297"/>
-                </a:lnTo>
-                <a:lnTo>
-                  <a:pt x="2801" y="14200"/>
-                </a:lnTo>
-                <a:lnTo>
-                  <a:pt x="2777" y="14102"/>
-                </a:lnTo>
-                <a:lnTo>
-                  <a:pt x="2801" y="13956"/>
-                </a:lnTo>
-                <a:lnTo>
-                  <a:pt x="3678" y="9913"/>
-                </a:lnTo>
-                <a:lnTo>
-                  <a:pt x="3678" y="9913"/>
-                </a:lnTo>
-                <a:lnTo>
-                  <a:pt x="3702" y="9743"/>
-                </a:lnTo>
-                <a:lnTo>
-                  <a:pt x="3702" y="9572"/>
-                </a:lnTo>
-                <a:lnTo>
-                  <a:pt x="3678" y="9402"/>
-                </a:lnTo>
-                <a:lnTo>
-                  <a:pt x="3629" y="9231"/>
-                </a:lnTo>
-                <a:lnTo>
-                  <a:pt x="3556" y="9061"/>
-                </a:lnTo>
-                <a:lnTo>
-                  <a:pt x="3483" y="8890"/>
-                </a:lnTo>
-                <a:lnTo>
-                  <a:pt x="3386" y="8744"/>
-                </a:lnTo>
-                <a:lnTo>
-                  <a:pt x="3264" y="8622"/>
-                </a:lnTo>
-                <a:lnTo>
-                  <a:pt x="195" y="5895"/>
-                </a:lnTo>
-                <a:lnTo>
-                  <a:pt x="195" y="5895"/>
-                </a:lnTo>
-                <a:lnTo>
-                  <a:pt x="73" y="5773"/>
-                </a:lnTo>
-                <a:lnTo>
-                  <a:pt x="25" y="5675"/>
-                </a:lnTo>
-                <a:lnTo>
-                  <a:pt x="0" y="5578"/>
-                </a:lnTo>
-                <a:lnTo>
-                  <a:pt x="0" y="5505"/>
-                </a:lnTo>
-                <a:lnTo>
-                  <a:pt x="49" y="5407"/>
-                </a:lnTo>
-                <a:lnTo>
-                  <a:pt x="122" y="5359"/>
-                </a:lnTo>
-                <a:lnTo>
-                  <a:pt x="244" y="5310"/>
-                </a:lnTo>
-                <a:lnTo>
-                  <a:pt x="390" y="5286"/>
-                </a:lnTo>
-                <a:lnTo>
-                  <a:pt x="4482" y="4872"/>
-                </a:lnTo>
-                <a:lnTo>
-                  <a:pt x="4482" y="4872"/>
-                </a:lnTo>
-                <a:lnTo>
-                  <a:pt x="4652" y="4847"/>
-                </a:lnTo>
-                <a:lnTo>
-                  <a:pt x="4798" y="4774"/>
-                </a:lnTo>
-                <a:lnTo>
-                  <a:pt x="4969" y="4701"/>
-                </a:lnTo>
-                <a:lnTo>
-                  <a:pt x="5115" y="4604"/>
-                </a:lnTo>
-                <a:lnTo>
-                  <a:pt x="5261" y="4482"/>
-                </a:lnTo>
-                <a:lnTo>
-                  <a:pt x="5383" y="4360"/>
-                </a:lnTo>
-                <a:lnTo>
-                  <a:pt x="5505" y="4214"/>
-                </a:lnTo>
-                <a:lnTo>
-                  <a:pt x="5578" y="4092"/>
-                </a:lnTo>
-                <a:lnTo>
-                  <a:pt x="7234" y="293"/>
-                </a:lnTo>
-                <a:close/>
-              </a:path>
-            </a:pathLst>
-          </a:custGeom>
-          <a:noFill/>
-          <a:ln w="12175" cap="rnd" cmpd="sng">
-            <a:solidFill>
-              <a:srgbClr val="000000"/>
-            </a:solidFill>
-            <a:prstDash val="solid"/>
-            <a:round/>
-            <a:headEnd type="none" w="med" len="med"/>
-            <a:tailEnd type="none" w="med" len="med"/>
-          </a:ln>
-        </p:spPr>
-        <p:txBody>
-          <a:bodyPr lIns="91425" tIns="91425" rIns="91425" bIns="91425" anchor="ctr" anchorCtr="0">
-            <a:noAutofit/>
-          </a:bodyPr>
-          <a:lstStyle/>
-          <a:p>
-            <a:pPr lvl="0">
-              <a:spcBef>
-                <a:spcPts val="0"/>
-              </a:spcBef>
-              <a:buNone/>
-            </a:pPr>
-            <a:endParaRPr/>
-          </a:p>
-        </p:txBody>
-      </p:sp>
-      <p:sp>
-        <p:nvSpPr>
-          <p:cNvPr id="137" name="Shape 137"/>
-          <p:cNvSpPr/>
-          <p:nvPr/>
-        </p:nvSpPr>
-        <p:spPr>
-          <a:xfrm rot="1280154">
-            <a:off x="3824696" y="1560092"/>
-            <a:ext cx="98367" cy="93971"/>
-          </a:xfrm>
-          <a:custGeom>
-            <a:avLst/>
-            <a:gdLst/>
-            <a:ahLst/>
-            <a:cxnLst/>
-            <a:rect l="0" t="0" r="0" b="0"/>
-            <a:pathLst>
-              <a:path w="15101" h="14419" fill="none" extrusionOk="0">
-                <a:moveTo>
-                  <a:pt x="7234" y="293"/>
-                </a:moveTo>
-                <a:lnTo>
-                  <a:pt x="7234" y="293"/>
-                </a:lnTo>
-                <a:lnTo>
-                  <a:pt x="7307" y="171"/>
-                </a:lnTo>
-                <a:lnTo>
-                  <a:pt x="7380" y="74"/>
-                </a:lnTo>
-                <a:lnTo>
-                  <a:pt x="7477" y="25"/>
-                </a:lnTo>
-                <a:lnTo>
-                  <a:pt x="7550" y="1"/>
-                </a:lnTo>
-                <a:lnTo>
-                  <a:pt x="7623" y="25"/>
-                </a:lnTo>
-                <a:lnTo>
-                  <a:pt x="7721" y="74"/>
-                </a:lnTo>
-                <a:lnTo>
-                  <a:pt x="7794" y="171"/>
-                </a:lnTo>
-                <a:lnTo>
-                  <a:pt x="7867" y="293"/>
-                </a:lnTo>
-                <a:lnTo>
-                  <a:pt x="9523" y="4092"/>
-                </a:lnTo>
-                <a:lnTo>
-                  <a:pt x="9523" y="4092"/>
-                </a:lnTo>
-                <a:lnTo>
-                  <a:pt x="9596" y="4214"/>
-                </a:lnTo>
-                <a:lnTo>
-                  <a:pt x="9718" y="4360"/>
-                </a:lnTo>
-                <a:lnTo>
-                  <a:pt x="9840" y="4482"/>
-                </a:lnTo>
-                <a:lnTo>
-                  <a:pt x="9986" y="4604"/>
-                </a:lnTo>
-                <a:lnTo>
-                  <a:pt x="10132" y="4701"/>
-                </a:lnTo>
-                <a:lnTo>
-                  <a:pt x="10302" y="4774"/>
-                </a:lnTo>
-                <a:lnTo>
-                  <a:pt x="10449" y="4847"/>
-                </a:lnTo>
-                <a:lnTo>
-                  <a:pt x="10619" y="4872"/>
-                </a:lnTo>
-                <a:lnTo>
-                  <a:pt x="14711" y="5286"/>
-                </a:lnTo>
-                <a:lnTo>
-                  <a:pt x="14711" y="5286"/>
-                </a:lnTo>
-                <a:lnTo>
-                  <a:pt x="14857" y="5310"/>
-                </a:lnTo>
-                <a:lnTo>
-                  <a:pt x="14979" y="5359"/>
-                </a:lnTo>
-                <a:lnTo>
-                  <a:pt x="15052" y="5407"/>
-                </a:lnTo>
-                <a:lnTo>
-                  <a:pt x="15100" y="5505"/>
-                </a:lnTo>
-                <a:lnTo>
-                  <a:pt x="15100" y="5578"/>
-                </a:lnTo>
-                <a:lnTo>
-                  <a:pt x="15076" y="5675"/>
-                </a:lnTo>
-                <a:lnTo>
-                  <a:pt x="15027" y="5773"/>
-                </a:lnTo>
-                <a:lnTo>
-                  <a:pt x="14906" y="5895"/>
-                </a:lnTo>
-                <a:lnTo>
-                  <a:pt x="11837" y="8622"/>
-                </a:lnTo>
-                <a:lnTo>
-                  <a:pt x="11837" y="8622"/>
-                </a:lnTo>
-                <a:lnTo>
-                  <a:pt x="11715" y="8744"/>
-                </a:lnTo>
-                <a:lnTo>
-                  <a:pt x="11618" y="8890"/>
-                </a:lnTo>
-                <a:lnTo>
-                  <a:pt x="11545" y="9061"/>
-                </a:lnTo>
-                <a:lnTo>
-                  <a:pt x="11472" y="9231"/>
-                </a:lnTo>
-                <a:lnTo>
-                  <a:pt x="11423" y="9402"/>
-                </a:lnTo>
-                <a:lnTo>
-                  <a:pt x="11398" y="9572"/>
-                </a:lnTo>
-                <a:lnTo>
-                  <a:pt x="11398" y="9743"/>
-                </a:lnTo>
-                <a:lnTo>
-                  <a:pt x="11423" y="9913"/>
-                </a:lnTo>
-                <a:lnTo>
-                  <a:pt x="12300" y="13956"/>
-                </a:lnTo>
-                <a:lnTo>
-                  <a:pt x="12300" y="13956"/>
-                </a:lnTo>
-                <a:lnTo>
-                  <a:pt x="12324" y="14102"/>
-                </a:lnTo>
-                <a:lnTo>
-                  <a:pt x="12300" y="14200"/>
-                </a:lnTo>
-                <a:lnTo>
-                  <a:pt x="12275" y="14297"/>
-                </a:lnTo>
-                <a:lnTo>
-                  <a:pt x="12227" y="14370"/>
-                </a:lnTo>
-                <a:lnTo>
-                  <a:pt x="12129" y="14394"/>
-                </a:lnTo>
-                <a:lnTo>
-                  <a:pt x="12032" y="14419"/>
-                </a:lnTo>
-                <a:lnTo>
-                  <a:pt x="11910" y="14370"/>
-                </a:lnTo>
-                <a:lnTo>
-                  <a:pt x="11788" y="14321"/>
-                </a:lnTo>
-                <a:lnTo>
-                  <a:pt x="8232" y="12227"/>
-                </a:lnTo>
-                <a:lnTo>
-                  <a:pt x="8232" y="12227"/>
-                </a:lnTo>
-                <a:lnTo>
-                  <a:pt x="8086" y="12154"/>
-                </a:lnTo>
-                <a:lnTo>
-                  <a:pt x="7916" y="12105"/>
-                </a:lnTo>
-                <a:lnTo>
-                  <a:pt x="7721" y="12081"/>
-                </a:lnTo>
-                <a:lnTo>
-                  <a:pt x="7550" y="12081"/>
-                </a:lnTo>
-                <a:lnTo>
-                  <a:pt x="7380" y="12081"/>
-                </a:lnTo>
-                <a:lnTo>
-                  <a:pt x="7185" y="12105"/>
-                </a:lnTo>
-                <a:lnTo>
-                  <a:pt x="7015" y="12154"/>
-                </a:lnTo>
-                <a:lnTo>
-                  <a:pt x="6868" y="12227"/>
-                </a:lnTo>
-                <a:lnTo>
-                  <a:pt x="3313" y="14321"/>
-                </a:lnTo>
-                <a:lnTo>
-                  <a:pt x="3313" y="14321"/>
-                </a:lnTo>
-                <a:lnTo>
-                  <a:pt x="3191" y="14370"/>
-                </a:lnTo>
-                <a:lnTo>
-                  <a:pt x="3069" y="14419"/>
-                </a:lnTo>
-                <a:lnTo>
-                  <a:pt x="2972" y="14394"/>
-                </a:lnTo>
-                <a:lnTo>
-                  <a:pt x="2874" y="14370"/>
-                </a:lnTo>
-                <a:lnTo>
-                  <a:pt x="2826" y="14297"/>
-                </a:lnTo>
-                <a:lnTo>
-                  <a:pt x="2801" y="14200"/>
-                </a:lnTo>
-                <a:lnTo>
-                  <a:pt x="2777" y="14102"/>
-                </a:lnTo>
-                <a:lnTo>
-                  <a:pt x="2801" y="13956"/>
-                </a:lnTo>
-                <a:lnTo>
-                  <a:pt x="3678" y="9913"/>
-                </a:lnTo>
-                <a:lnTo>
-                  <a:pt x="3678" y="9913"/>
-                </a:lnTo>
-                <a:lnTo>
-                  <a:pt x="3702" y="9743"/>
-                </a:lnTo>
-                <a:lnTo>
-                  <a:pt x="3702" y="9572"/>
-                </a:lnTo>
-                <a:lnTo>
-                  <a:pt x="3678" y="9402"/>
-                </a:lnTo>
-                <a:lnTo>
-                  <a:pt x="3629" y="9231"/>
-                </a:lnTo>
-                <a:lnTo>
-                  <a:pt x="3556" y="9061"/>
-                </a:lnTo>
-                <a:lnTo>
-                  <a:pt x="3483" y="8890"/>
-                </a:lnTo>
-                <a:lnTo>
-                  <a:pt x="3386" y="8744"/>
-                </a:lnTo>
-                <a:lnTo>
-                  <a:pt x="3264" y="8622"/>
-                </a:lnTo>
-                <a:lnTo>
-                  <a:pt x="195" y="5895"/>
-                </a:lnTo>
-                <a:lnTo>
-                  <a:pt x="195" y="5895"/>
-                </a:lnTo>
-                <a:lnTo>
-                  <a:pt x="73" y="5773"/>
-                </a:lnTo>
-                <a:lnTo>
-                  <a:pt x="25" y="5675"/>
-                </a:lnTo>
-                <a:lnTo>
-                  <a:pt x="0" y="5578"/>
-                </a:lnTo>
-                <a:lnTo>
-                  <a:pt x="0" y="5505"/>
-                </a:lnTo>
-                <a:lnTo>
-                  <a:pt x="49" y="5407"/>
-                </a:lnTo>
-                <a:lnTo>
-                  <a:pt x="122" y="5359"/>
-                </a:lnTo>
-                <a:lnTo>
-                  <a:pt x="244" y="5310"/>
-                </a:lnTo>
-                <a:lnTo>
-                  <a:pt x="390" y="5286"/>
-                </a:lnTo>
-                <a:lnTo>
-                  <a:pt x="4482" y="4872"/>
-                </a:lnTo>
-                <a:lnTo>
-                  <a:pt x="4482" y="4872"/>
-                </a:lnTo>
-                <a:lnTo>
-                  <a:pt x="4652" y="4847"/>
-                </a:lnTo>
-                <a:lnTo>
-                  <a:pt x="4798" y="4774"/>
-                </a:lnTo>
-                <a:lnTo>
-                  <a:pt x="4969" y="4701"/>
-                </a:lnTo>
-                <a:lnTo>
-                  <a:pt x="5115" y="4604"/>
-                </a:lnTo>
-                <a:lnTo>
-                  <a:pt x="5261" y="4482"/>
-                </a:lnTo>
-                <a:lnTo>
-                  <a:pt x="5383" y="4360"/>
-                </a:lnTo>
-                <a:lnTo>
-                  <a:pt x="5505" y="4214"/>
-                </a:lnTo>
-                <a:lnTo>
-                  <a:pt x="5578" y="4092"/>
-                </a:lnTo>
-                <a:lnTo>
-                  <a:pt x="7234" y="293"/>
-                </a:lnTo>
-                <a:close/>
-              </a:path>
-            </a:pathLst>
-          </a:custGeom>
-          <a:noFill/>
-          <a:ln w="12175" cap="rnd" cmpd="sng">
-            <a:solidFill>
-              <a:srgbClr val="000000"/>
-            </a:solidFill>
-            <a:prstDash val="solid"/>
-            <a:round/>
-            <a:headEnd type="none" w="med" len="med"/>
-            <a:tailEnd type="none" w="med" len="med"/>
-          </a:ln>
-        </p:spPr>
-        <p:txBody>
-          <a:bodyPr lIns="91425" tIns="91425" rIns="91425" bIns="91425" anchor="ctr" anchorCtr="0">
-            <a:noAutofit/>
-          </a:bodyPr>
-          <a:lstStyle/>
-          <a:p>
-            <a:pPr lvl="0">
-              <a:spcBef>
-                <a:spcPts val="0"/>
-              </a:spcBef>
-              <a:buNone/>
-            </a:pPr>
-            <a:endParaRPr/>
-          </a:p>
-        </p:txBody>
-      </p:sp>
-    </p:spTree>
-    <p:extLst>
-      <p:ext uri="{BB962C8B-B14F-4D97-AF65-F5344CB8AC3E}">
-        <p14:creationId xmlns:p14="http://schemas.microsoft.com/office/powerpoint/2010/main" val="3746366075"/>
       </p:ext>
     </p:extLst>
   </p:cSld>

--- a/Design/Milestone-Presentation.pptx
+++ b/Design/Milestone-Presentation.pptx
@@ -38,14 +38,14 @@
   <p:notesSz cx="6858000" cy="9144000"/>
   <p:embeddedFontLst>
     <p:embeddedFont>
-      <p:font typeface="Quattrocento Sans" charset="0"/>
-      <p:bold r:id="rId28"/>
-      <p:italic r:id="rId29"/>
-      <p:boldItalic r:id="rId30"/>
+      <p:font typeface="Lora" charset="0"/>
+      <p:regular r:id="rId28"/>
+      <p:bold r:id="rId29"/>
+      <p:italic r:id="rId30"/>
+      <p:boldItalic r:id="rId31"/>
     </p:embeddedFont>
     <p:embeddedFont>
-      <p:font typeface="Lora" charset="0"/>
-      <p:regular r:id="rId31"/>
+      <p:font typeface="Quattrocento Sans" charset="0"/>
       <p:bold r:id="rId32"/>
       <p:italic r:id="rId33"/>
       <p:boldItalic r:id="rId34"/>
@@ -646,7 +646,12 @@
             <p:ph type="sldImg"/>
           </p:nvPr>
         </p:nvSpPr>
-        <p:spPr/>
+        <p:spPr>
+          <a:xfrm>
+            <a:off x="381000" y="685800"/>
+            <a:ext cx="6096000" cy="3429000"/>
+          </a:xfrm>
+        </p:spPr>
       </p:sp>
       <p:sp>
         <p:nvSpPr>
@@ -5917,15 +5922,14 @@
               </a:ext>
             </a:extLst>
           </a:blip>
-          <a:srcRect/>
           <a:stretch>
             <a:fillRect/>
           </a:stretch>
         </p:blipFill>
         <p:spPr bwMode="auto">
           <a:xfrm>
-            <a:off x="917848" y="0"/>
-            <a:ext cx="7308304" cy="5309850"/>
+            <a:off x="917848" y="1"/>
+            <a:ext cx="7308304" cy="5309848"/>
           </a:xfrm>
           <a:prstGeom prst="rect">
             <a:avLst/>
@@ -8501,7 +8505,6 @@
               <a:rPr lang="de-DE" dirty="0" smtClean="0"/>
               <a:t>Erweiterbar</a:t>
             </a:r>
-            <a:endParaRPr lang="de-DE" dirty="0" smtClean="0"/>
           </a:p>
           <a:p>
             <a:pPr marL="457200" lvl="0" indent="-228600" rtl="0">
@@ -8513,7 +8516,6 @@
               <a:rPr lang="de-DE" dirty="0" smtClean="0"/>
               <a:t>Wiederverwendbar</a:t>
             </a:r>
-            <a:endParaRPr lang="de-DE" dirty="0" smtClean="0"/>
           </a:p>
         </p:txBody>
       </p:sp>

--- a/Design/Milestone-Presentation.pptx
+++ b/Design/Milestone-Presentation.pptx
@@ -5,7 +5,7 @@
     <p:sldMasterId id="2147483658" r:id="rId1"/>
   </p:sldMasterIdLst>
   <p:notesMasterIdLst>
-    <p:notesMasterId r:id="rId27"/>
+    <p:notesMasterId r:id="rId29"/>
   </p:notesMasterIdLst>
   <p:sldIdLst>
     <p:sldId id="256" r:id="rId2"/>
@@ -31,24 +31,26 @@
     <p:sldId id="314" r:id="rId22"/>
     <p:sldId id="306" r:id="rId23"/>
     <p:sldId id="299" r:id="rId24"/>
-    <p:sldId id="280" r:id="rId25"/>
-    <p:sldId id="281" r:id="rId26"/>
+    <p:sldId id="316" r:id="rId25"/>
+    <p:sldId id="317" r:id="rId26"/>
+    <p:sldId id="280" r:id="rId27"/>
+    <p:sldId id="281" r:id="rId28"/>
   </p:sldIdLst>
   <p:sldSz cx="9144000" cy="5143500" type="screen16x9"/>
   <p:notesSz cx="6858000" cy="9144000"/>
   <p:embeddedFontLst>
     <p:embeddedFont>
       <p:font typeface="Lora" charset="0"/>
-      <p:regular r:id="rId28"/>
-      <p:bold r:id="rId29"/>
-      <p:italic r:id="rId30"/>
-      <p:boldItalic r:id="rId31"/>
+      <p:regular r:id="rId30"/>
+      <p:bold r:id="rId31"/>
+      <p:italic r:id="rId32"/>
+      <p:boldItalic r:id="rId33"/>
     </p:embeddedFont>
     <p:embeddedFont>
       <p:font typeface="Quattrocento Sans" charset="0"/>
-      <p:bold r:id="rId32"/>
-      <p:italic r:id="rId33"/>
-      <p:boldItalic r:id="rId34"/>
+      <p:bold r:id="rId34"/>
+      <p:italic r:id="rId35"/>
+      <p:boldItalic r:id="rId36"/>
     </p:embeddedFont>
   </p:embeddedFontLst>
   <p:defaultTextStyle>
@@ -26661,6 +26663,161 @@
   <p:cSld>
     <p:spTree>
       <p:nvGrpSpPr>
+        <p:cNvPr id="1" name=""/>
+        <p:cNvGrpSpPr/>
+        <p:nvPr/>
+      </p:nvGrpSpPr>
+      <p:grpSpPr>
+        <a:xfrm>
+          <a:off x="0" y="0"/>
+          <a:ext cx="0" cy="0"/>
+          <a:chOff x="0" y="0"/>
+          <a:chExt cx="0" cy="0"/>
+        </a:xfrm>
+      </p:grpSpPr>
+      <p:pic>
+        <p:nvPicPr>
+          <p:cNvPr id="1026" name="Picture 2" descr="C:\Workspace\OOT-Projekt\Design\GameQuestionSequence.jpg"/>
+          <p:cNvPicPr>
+            <a:picLocks noChangeAspect="1" noChangeArrowheads="1"/>
+          </p:cNvPicPr>
+          <p:nvPr/>
+        </p:nvPicPr>
+        <p:blipFill>
+          <a:blip r:embed="rId2">
+            <a:extLst>
+              <a:ext uri="{28A0092B-C50C-407E-A947-70E740481C1C}">
+                <a14:useLocalDpi xmlns:a14="http://schemas.microsoft.com/office/drawing/2010/main" val="0"/>
+              </a:ext>
+            </a:extLst>
+          </a:blip>
+          <a:srcRect/>
+          <a:stretch>
+            <a:fillRect/>
+          </a:stretch>
+        </p:blipFill>
+        <p:spPr bwMode="auto">
+          <a:xfrm>
+            <a:off x="2562337" y="78603"/>
+            <a:ext cx="4019326" cy="4986294"/>
+          </a:xfrm>
+          <a:prstGeom prst="rect">
+            <a:avLst/>
+          </a:prstGeom>
+          <a:noFill/>
+          <a:extLst>
+            <a:ext uri="{909E8E84-426E-40DD-AFC4-6F175D3DCCD1}">
+              <a14:hiddenFill xmlns:a14="http://schemas.microsoft.com/office/drawing/2010/main">
+                <a:solidFill>
+                  <a:srgbClr val="FFFFFF"/>
+                </a:solidFill>
+              </a14:hiddenFill>
+            </a:ext>
+          </a:extLst>
+        </p:spPr>
+      </p:pic>
+    </p:spTree>
+    <p:extLst>
+      <p:ext uri="{BB962C8B-B14F-4D97-AF65-F5344CB8AC3E}">
+        <p14:creationId xmlns:p14="http://schemas.microsoft.com/office/powerpoint/2010/main" val="1866469424"/>
+      </p:ext>
+    </p:extLst>
+  </p:cSld>
+  <p:clrMapOvr>
+    <a:masterClrMapping/>
+  </p:clrMapOvr>
+  <p:timing>
+    <p:tnLst>
+      <p:par>
+        <p:cTn id="1" dur="indefinite" restart="never" nodeType="tmRoot"/>
+      </p:par>
+    </p:tnLst>
+  </p:timing>
+</p:sld>
+</file>
+
+<file path=ppt/slides/slide25.xml><?xml version="1.0" encoding="utf-8"?>
+<p:sld xmlns:a="http://schemas.openxmlformats.org/drawingml/2006/main" xmlns:r="http://schemas.openxmlformats.org/officeDocument/2006/relationships" xmlns:p="http://schemas.openxmlformats.org/presentationml/2006/main">
+  <p:cSld>
+    <p:spTree>
+      <p:nvGrpSpPr>
+        <p:cNvPr id="1" name=""/>
+        <p:cNvGrpSpPr/>
+        <p:nvPr/>
+      </p:nvGrpSpPr>
+      <p:grpSpPr>
+        <a:xfrm>
+          <a:off x="0" y="0"/>
+          <a:ext cx="0" cy="0"/>
+          <a:chOff x="0" y="0"/>
+          <a:chExt cx="0" cy="0"/>
+        </a:xfrm>
+      </p:grpSpPr>
+      <p:pic>
+        <p:nvPicPr>
+          <p:cNvPr id="1026" name="Picture 2"/>
+          <p:cNvPicPr>
+            <a:picLocks noChangeAspect="1" noChangeArrowheads="1"/>
+          </p:cNvPicPr>
+          <p:nvPr/>
+        </p:nvPicPr>
+        <p:blipFill>
+          <a:blip r:embed="rId2">
+            <a:extLst>
+              <a:ext uri="{28A0092B-C50C-407E-A947-70E740481C1C}">
+                <a14:useLocalDpi xmlns:a14="http://schemas.microsoft.com/office/drawing/2010/main" val="0"/>
+              </a:ext>
+            </a:extLst>
+          </a:blip>
+          <a:stretch>
+            <a:fillRect/>
+          </a:stretch>
+        </p:blipFill>
+        <p:spPr bwMode="auto">
+          <a:xfrm>
+            <a:off x="2451045" y="207706"/>
+            <a:ext cx="4241911" cy="4728089"/>
+          </a:xfrm>
+          <a:prstGeom prst="rect">
+            <a:avLst/>
+          </a:prstGeom>
+          <a:noFill/>
+          <a:extLst>
+            <a:ext uri="{909E8E84-426E-40DD-AFC4-6F175D3DCCD1}">
+              <a14:hiddenFill xmlns:a14="http://schemas.microsoft.com/office/drawing/2010/main">
+                <a:solidFill>
+                  <a:srgbClr val="FFFFFF"/>
+                </a:solidFill>
+              </a14:hiddenFill>
+            </a:ext>
+          </a:extLst>
+        </p:spPr>
+      </p:pic>
+    </p:spTree>
+    <p:extLst>
+      <p:ext uri="{BB962C8B-B14F-4D97-AF65-F5344CB8AC3E}">
+        <p14:creationId xmlns:p14="http://schemas.microsoft.com/office/powerpoint/2010/main" val="923674730"/>
+      </p:ext>
+    </p:extLst>
+  </p:cSld>
+  <p:clrMapOvr>
+    <a:masterClrMapping/>
+  </p:clrMapOvr>
+  <p:timing>
+    <p:tnLst>
+      <p:par>
+        <p:cTn id="1" dur="indefinite" restart="never" nodeType="tmRoot"/>
+      </p:par>
+    </p:tnLst>
+  </p:timing>
+</p:sld>
+</file>
+
+<file path=ppt/slides/slide26.xml><?xml version="1.0" encoding="utf-8"?>
+<p:sld xmlns:a="http://schemas.openxmlformats.org/drawingml/2006/main" xmlns:r="http://schemas.openxmlformats.org/officeDocument/2006/relationships" xmlns:p="http://schemas.openxmlformats.org/presentationml/2006/main">
+  <p:cSld>
+    <p:spTree>
+      <p:nvGrpSpPr>
         <p:cNvPr id="1" name="Shape 375"/>
         <p:cNvGrpSpPr/>
         <p:nvPr/>
@@ -27553,7 +27710,7 @@
 </p:sld>
 </file>
 
-<file path=ppt/slides/slide25.xml><?xml version="1.0" encoding="utf-8"?>
+<file path=ppt/slides/slide27.xml><?xml version="1.0" encoding="utf-8"?>
 <p:sld xmlns:a="http://schemas.openxmlformats.org/drawingml/2006/main" xmlns:r="http://schemas.openxmlformats.org/officeDocument/2006/relationships" xmlns:p="http://schemas.openxmlformats.org/presentationml/2006/main">
   <p:cSld>
     <p:spTree>
@@ -30480,7 +30637,7 @@
             </a:pPr>
             <a:r>
               <a:rPr lang="en" dirty="0" smtClean="0"/>
-              <a:t>Projektorganisation</a:t>
+              <a:t>Architektur</a:t>
             </a:r>
             <a:endParaRPr lang="en" dirty="0"/>
           </a:p>
@@ -30492,8 +30649,9 @@
             </a:pPr>
             <a:r>
               <a:rPr lang="en" dirty="0" smtClean="0"/>
-              <a:t>Klassendiagramme</a:t>
+              <a:t>Implementation</a:t>
             </a:r>
+            <a:endParaRPr lang="en" dirty="0" smtClean="0"/>
           </a:p>
           <a:p>
             <a:pPr marL="457200" lvl="0" indent="-228600" rtl="0">
@@ -30503,7 +30661,7 @@
             </a:pPr>
             <a:r>
               <a:rPr lang="en" dirty="0" smtClean="0"/>
-              <a:t>Design-Fazit</a:t>
+              <a:t>Fazit</a:t>
             </a:r>
             <a:endParaRPr lang="en" dirty="0"/>
           </a:p>
@@ -31180,7 +31338,7 @@
             </a:pPr>
             <a:r>
               <a:rPr lang="en" dirty="0" smtClean="0"/>
-              <a:t>Projektorganisation</a:t>
+              <a:t>Architektur</a:t>
             </a:r>
             <a:endParaRPr lang="en" dirty="0"/>
           </a:p>
@@ -33063,7 +33221,7 @@
             </a:pPr>
             <a:r>
               <a:rPr lang="en" dirty="0" smtClean="0"/>
-              <a:t>Klassendiagramme</a:t>
+              <a:t>Implementation</a:t>
             </a:r>
             <a:endParaRPr lang="en" dirty="0"/>
           </a:p>
